--- a/TestData/New folder/DATN.pptx
+++ b/TestData/New folder/DATN.pptx
@@ -36,23 +36,16 @@
       <p:boldItalic r:id="rId22"/>
     </p:embeddedFont>
     <p:embeddedFont>
-      <p:font typeface="Rockwell" panose="02060603020205020403" pitchFamily="18" charset="0"/>
+      <p:font typeface="Rockwell" panose="02060603020205020403" pitchFamily="18" charset="77"/>
       <p:regular r:id="rId23"/>
       <p:bold r:id="rId24"/>
       <p:italic r:id="rId25"/>
       <p:boldItalic r:id="rId26"/>
     </p:embeddedFont>
     <p:embeddedFont>
-      <p:font typeface="Roboto" panose="02000000000000000000" pitchFamily="2" charset="0"/>
+      <p:font typeface="Tahoma" panose="020B0604030504040204" pitchFamily="34" charset="0"/>
       <p:regular r:id="rId27"/>
       <p:bold r:id="rId28"/>
-      <p:italic r:id="rId29"/>
-      <p:boldItalic r:id="rId30"/>
-    </p:embeddedFont>
-    <p:embeddedFont>
-      <p:font typeface="Tahoma" panose="020B0604030504040204" pitchFamily="34" charset="0"/>
-      <p:regular r:id="rId31"/>
-      <p:bold r:id="rId32"/>
     </p:embeddedFont>
   </p:embeddedFontLst>
   <p:defaultTextStyle>
@@ -289,7 +282,7 @@
       <p15:sldGuideLst xmlns:p15="http://schemas.microsoft.com/office/powerpoint/2012/main"/>
     </p:ext>
     <p:ext uri="http://customooxmlschemas.google.com/">
-      <go:slidesCustomData xmlns="" xmlns:mc="http://schemas.openxmlformats.org/markup-compatibility/2006" xmlns:mv="urn:schemas-microsoft-com:mac:vml" xmlns:c="http://schemas.openxmlformats.org/drawingml/2006/chart" xmlns:dgm="http://schemas.openxmlformats.org/drawingml/2006/diagram" xmlns:o="urn:schemas-microsoft-com:office:office" xmlns:v="urn:schemas-microsoft-com:vml" xmlns:pvml="urn:schemas-microsoft-com:office:powerpoint" xmlns:com="http://schemas.openxmlformats.org/drawingml/2006/compatibility" xmlns:p14="http://schemas.microsoft.com/office/powerpoint/2010/main" xmlns:p15="http://schemas.microsoft.com/office/powerpoint/2012/main" xmlns:ahyp="http://schemas.microsoft.com/office/drawing/2018/hyperlinkcolor" xmlns:go="http://customooxmlschemas.google.com/" r:id="rId39" roundtripDataSignature="AMtx7miMQy0B61euSvy1TGI04t3g93aj4g=="/>
+      <go:slidesCustomData xmlns:go="http://customooxmlschemas.google.com/" xmlns:ahyp="http://schemas.microsoft.com/office/drawing/2018/hyperlinkcolor" xmlns:p15="http://schemas.microsoft.com/office/powerpoint/2012/main" xmlns:p14="http://schemas.microsoft.com/office/powerpoint/2010/main" xmlns:com="http://schemas.openxmlformats.org/drawingml/2006/compatibility" xmlns:pvml="urn:schemas-microsoft-com:office:powerpoint" xmlns:v="urn:schemas-microsoft-com:vml" xmlns:o="urn:schemas-microsoft-com:office:office" xmlns:dgm="http://schemas.openxmlformats.org/drawingml/2006/diagram" xmlns:c="http://schemas.openxmlformats.org/drawingml/2006/chart" xmlns:mv="urn:schemas-microsoft-com:mac:vml" xmlns:mc="http://schemas.openxmlformats.org/markup-compatibility/2006" xmlns="" r:id="rId39" roundtripDataSignature="AMtx7miMQy0B61euSvy1TGI04t3g93aj4g=="/>
     </p:ext>
   </p:extLst>
 </p:presentation>
@@ -2066,7 +2059,7 @@
         <a:lstStyle/>
         <a:p>
           <a:r>
-            <a:rPr lang="vi-VN" sz="2800" dirty="0" smtClean="0">
+            <a:rPr lang="vi-VN" sz="2800" dirty="0">
               <a:latin typeface="Times New Roman (Headings)"/>
             </a:rPr>
             <a:t>Thực hiện chạy các kịch bản kiểm thử</a:t>
@@ -2107,7 +2100,7 @@
         <a:lstStyle/>
         <a:p>
           <a:r>
-            <a:rPr lang="en-US" sz="2800" dirty="0" err="1" smtClean="0">
+            <a:rPr lang="en-US" sz="2800" dirty="0" err="1">
               <a:latin typeface="Times New Roman (Headings)"/>
               <a:ea typeface="Roboto" panose="02000000000000000000" pitchFamily="2" charset="0"/>
               <a:cs typeface="Times New Roman" panose="02020603050405020304" pitchFamily="18" charset="0"/>
@@ -2115,7 +2108,7 @@
             <a:t>Tìm</a:t>
           </a:r>
           <a:r>
-            <a:rPr lang="en-US" sz="2800" dirty="0" smtClean="0">
+            <a:rPr lang="en-US" sz="2800" dirty="0">
               <a:latin typeface="Times New Roman (Headings)"/>
               <a:ea typeface="Roboto" panose="02000000000000000000" pitchFamily="2" charset="0"/>
               <a:cs typeface="Times New Roman" panose="02020603050405020304" pitchFamily="18" charset="0"/>
@@ -2123,7 +2116,7 @@
             <a:t> </a:t>
           </a:r>
           <a:r>
-            <a:rPr lang="en-US" sz="2800" dirty="0" err="1" smtClean="0">
+            <a:rPr lang="en-US" sz="2800" dirty="0" err="1">
               <a:latin typeface="Times New Roman (Headings)"/>
               <a:ea typeface="Roboto" panose="02000000000000000000" pitchFamily="2" charset="0"/>
               <a:cs typeface="Times New Roman" panose="02020603050405020304" pitchFamily="18" charset="0"/>
@@ -2131,7 +2124,7 @@
             <a:t>hiểu</a:t>
           </a:r>
           <a:r>
-            <a:rPr lang="en-US" sz="2800" dirty="0" smtClean="0">
+            <a:rPr lang="en-US" sz="2800" dirty="0">
               <a:latin typeface="Times New Roman (Headings)"/>
               <a:ea typeface="Roboto" panose="02000000000000000000" pitchFamily="2" charset="0"/>
               <a:cs typeface="Times New Roman" panose="02020603050405020304" pitchFamily="18" charset="0"/>
@@ -2139,7 +2132,7 @@
             <a:t> </a:t>
           </a:r>
           <a:r>
-            <a:rPr lang="en-US" sz="2800" dirty="0" err="1" smtClean="0">
+            <a:rPr lang="en-US" sz="2800" dirty="0" err="1">
               <a:latin typeface="Times New Roman (Headings)"/>
               <a:ea typeface="Roboto" panose="02000000000000000000" pitchFamily="2" charset="0"/>
               <a:cs typeface="Times New Roman" panose="02020603050405020304" pitchFamily="18" charset="0"/>
@@ -2147,7 +2140,7 @@
             <a:t>kiểm</a:t>
           </a:r>
           <a:r>
-            <a:rPr lang="en-US" sz="2800" dirty="0" smtClean="0">
+            <a:rPr lang="en-US" sz="2800" dirty="0">
               <a:latin typeface="Times New Roman (Headings)"/>
               <a:ea typeface="Roboto" panose="02000000000000000000" pitchFamily="2" charset="0"/>
               <a:cs typeface="Times New Roman" panose="02020603050405020304" pitchFamily="18" charset="0"/>
@@ -2155,7 +2148,7 @@
             <a:t> </a:t>
           </a:r>
           <a:r>
-            <a:rPr lang="en-US" sz="2800" dirty="0" err="1" smtClean="0">
+            <a:rPr lang="en-US" sz="2800" dirty="0" err="1">
               <a:latin typeface="Times New Roman (Headings)"/>
               <a:ea typeface="Roboto" panose="02000000000000000000" pitchFamily="2" charset="0"/>
               <a:cs typeface="Times New Roman" panose="02020603050405020304" pitchFamily="18" charset="0"/>
@@ -2163,7 +2156,7 @@
             <a:t>thử</a:t>
           </a:r>
           <a:r>
-            <a:rPr lang="en-US" sz="2800" dirty="0" smtClean="0">
+            <a:rPr lang="en-US" sz="2800" dirty="0">
               <a:latin typeface="Times New Roman (Headings)"/>
               <a:ea typeface="Roboto" panose="02000000000000000000" pitchFamily="2" charset="0"/>
               <a:cs typeface="Times New Roman" panose="02020603050405020304" pitchFamily="18" charset="0"/>
@@ -2171,20 +2164,12 @@
             <a:t> </a:t>
           </a:r>
           <a:r>
-            <a:rPr lang="vi-VN" sz="2800" dirty="0" smtClean="0">
+            <a:rPr lang="vi-VN" sz="2800" dirty="0">
               <a:latin typeface="Times New Roman (Headings)"/>
               <a:ea typeface="Roboto" panose="02000000000000000000" pitchFamily="2" charset="0"/>
               <a:cs typeface="Times New Roman" panose="02020603050405020304" pitchFamily="18" charset="0"/>
             </a:rPr>
-            <a:t>với công cụ Katalon </a:t>
-          </a:r>
-          <a:r>
-            <a:rPr lang="vi-VN" sz="2800" dirty="0" smtClean="0">
-              <a:latin typeface="Times New Roman (Headings)"/>
-              <a:ea typeface="Roboto" panose="02000000000000000000" pitchFamily="2" charset="0"/>
-              <a:cs typeface="Times New Roman" panose="02020603050405020304" pitchFamily="18" charset="0"/>
-            </a:rPr>
-            <a:t>Studio</a:t>
+            <a:t>với công cụ Katalon Studio</a:t>
           </a:r>
           <a:endParaRPr lang="en-US" sz="2800" dirty="0">
             <a:latin typeface="Times New Roman (Headings)"/>
@@ -2222,7 +2207,7 @@
         <a:lstStyle/>
         <a:p>
           <a:r>
-            <a:rPr lang="vi-VN" sz="2800" dirty="0" smtClean="0">
+            <a:rPr lang="vi-VN" sz="2800" dirty="0">
               <a:latin typeface="Times New Roman (Headings)"/>
               <a:ea typeface="Roboto" panose="02000000000000000000" pitchFamily="2" charset="0"/>
               <a:cs typeface="Times New Roman" panose="02020603050405020304" pitchFamily="18" charset="0"/>
@@ -2266,13 +2251,6 @@
         </dgm:presLayoutVars>
       </dgm:prSet>
       <dgm:spPr/>
-      <dgm:t>
-        <a:bodyPr/>
-        <a:lstStyle/>
-        <a:p>
-          <a:endParaRPr lang="en-US"/>
-        </a:p>
-      </dgm:t>
     </dgm:pt>
     <dgm:pt modelId="{94EE4761-63DB-4645-A252-1EC3354EC6C4}" type="pres">
       <dgm:prSet presAssocID="{1C15FBF6-E50A-45F2-8C88-3CA5D6F8C531}" presName="Name1" presStyleCnt="0"/>
@@ -2289,13 +2267,6 @@
     <dgm:pt modelId="{4D327771-9913-4F5A-8C92-70AAF94F9A97}" type="pres">
       <dgm:prSet presAssocID="{1C15FBF6-E50A-45F2-8C88-3CA5D6F8C531}" presName="conn" presStyleLbl="parChTrans1D2" presStyleIdx="0" presStyleCnt="1"/>
       <dgm:spPr/>
-      <dgm:t>
-        <a:bodyPr/>
-        <a:lstStyle/>
-        <a:p>
-          <a:endParaRPr lang="en-US"/>
-        </a:p>
-      </dgm:t>
     </dgm:pt>
     <dgm:pt modelId="{FD1DAF94-11D4-411E-9678-175A2344EBFF}" type="pres">
       <dgm:prSet presAssocID="{1C15FBF6-E50A-45F2-8C88-3CA5D6F8C531}" presName="extraNode" presStyleLbl="node1" presStyleIdx="0" presStyleCnt="3"/>
@@ -2312,13 +2283,6 @@
         </dgm:presLayoutVars>
       </dgm:prSet>
       <dgm:spPr/>
-      <dgm:t>
-        <a:bodyPr/>
-        <a:lstStyle/>
-        <a:p>
-          <a:endParaRPr lang="en-US"/>
-        </a:p>
-      </dgm:t>
     </dgm:pt>
     <dgm:pt modelId="{37EC5EEE-D870-4A4B-9ADF-F1715A5D2113}" type="pres">
       <dgm:prSet presAssocID="{1369B7C7-C611-4AF7-B40A-FF5AF8C0510B}" presName="accent_1" presStyleCnt="0"/>
@@ -2335,13 +2299,6 @@
         </dgm:presLayoutVars>
       </dgm:prSet>
       <dgm:spPr/>
-      <dgm:t>
-        <a:bodyPr/>
-        <a:lstStyle/>
-        <a:p>
-          <a:endParaRPr lang="en-US"/>
-        </a:p>
-      </dgm:t>
     </dgm:pt>
     <dgm:pt modelId="{C450EAF4-D4A2-4EFE-AA5B-4D28344FC9BF}" type="pres">
       <dgm:prSet presAssocID="{2D9FFAA0-91A5-40E4-AD20-F8EA0E3617EA}" presName="accent_2" presStyleCnt="0"/>
@@ -2358,13 +2315,6 @@
         </dgm:presLayoutVars>
       </dgm:prSet>
       <dgm:spPr/>
-      <dgm:t>
-        <a:bodyPr/>
-        <a:lstStyle/>
-        <a:p>
-          <a:endParaRPr lang="en-US"/>
-        </a:p>
-      </dgm:t>
     </dgm:pt>
     <dgm:pt modelId="{7B2A956B-8C48-449F-9E5E-FA982ED1CCF8}" type="pres">
       <dgm:prSet presAssocID="{823F882D-CC2D-405F-B48D-1117FE3B7723}" presName="accent_3" presStyleCnt="0"/>
@@ -2377,13 +2327,13 @@
   </dgm:ptLst>
   <dgm:cxnLst>
     <dgm:cxn modelId="{6400AD1D-2EF3-4F1C-B72C-D9D1397D2C99}" type="presOf" srcId="{0E690C7A-4458-47A8-B8DC-05C386236946}" destId="{4D327771-9913-4F5A-8C92-70AAF94F9A97}" srcOrd="0" destOrd="0" presId="urn:microsoft.com/office/officeart/2008/layout/VerticalCurvedList"/>
+    <dgm:cxn modelId="{D161A221-2A55-48E1-A9FF-706CBA61FF39}" srcId="{1C15FBF6-E50A-45F2-8C88-3CA5D6F8C531}" destId="{823F882D-CC2D-405F-B48D-1117FE3B7723}" srcOrd="2" destOrd="0" parTransId="{C24B9060-19F8-48D7-B485-D8371F3C1D02}" sibTransId="{742DEA19-EC76-4F1B-AC82-68D255D572AA}"/>
     <dgm:cxn modelId="{A0A6806A-6B88-44A9-B548-B8B6E286539F}" srcId="{1C15FBF6-E50A-45F2-8C88-3CA5D6F8C531}" destId="{2D9FFAA0-91A5-40E4-AD20-F8EA0E3617EA}" srcOrd="1" destOrd="0" parTransId="{7E0ED2E5-F963-47B9-A03B-FCCAA63C0E14}" sibTransId="{3D863B4C-8C48-4AAA-AAA2-9E154E8D5916}"/>
+    <dgm:cxn modelId="{60609974-6401-4FCD-B64D-85D145310412}" type="presOf" srcId="{1369B7C7-C611-4AF7-B40A-FF5AF8C0510B}" destId="{3CC0397C-2B3A-431D-A33E-503FA4620F80}" srcOrd="0" destOrd="0" presId="urn:microsoft.com/office/officeart/2008/layout/VerticalCurvedList"/>
+    <dgm:cxn modelId="{C152F287-C671-4B78-8849-8C06EDC43326}" type="presOf" srcId="{823F882D-CC2D-405F-B48D-1117FE3B7723}" destId="{9DE73039-F0D5-4F94-B639-117D4547B951}" srcOrd="0" destOrd="0" presId="urn:microsoft.com/office/officeart/2008/layout/VerticalCurvedList"/>
+    <dgm:cxn modelId="{0D4DF993-A740-4611-89AB-95291A000FC4}" srcId="{1C15FBF6-E50A-45F2-8C88-3CA5D6F8C531}" destId="{1369B7C7-C611-4AF7-B40A-FF5AF8C0510B}" srcOrd="0" destOrd="0" parTransId="{D54B1C7C-B462-41B6-BEDB-C26A1B5C932F}" sibTransId="{0E690C7A-4458-47A8-B8DC-05C386236946}"/>
+    <dgm:cxn modelId="{28BD2596-8603-481F-BCB9-3A4DB58C81C3}" type="presOf" srcId="{1C15FBF6-E50A-45F2-8C88-3CA5D6F8C531}" destId="{39A87877-CACF-4E27-94C8-9662D0FBBFBC}" srcOrd="0" destOrd="0" presId="urn:microsoft.com/office/officeart/2008/layout/VerticalCurvedList"/>
     <dgm:cxn modelId="{18A6D6B4-42C9-4E01-B5AD-73A52FA500FF}" type="presOf" srcId="{2D9FFAA0-91A5-40E4-AD20-F8EA0E3617EA}" destId="{CE59B63D-1981-4BBC-AC6E-5D8651CCD609}" srcOrd="0" destOrd="0" presId="urn:microsoft.com/office/officeart/2008/layout/VerticalCurvedList"/>
-    <dgm:cxn modelId="{D161A221-2A55-48E1-A9FF-706CBA61FF39}" srcId="{1C15FBF6-E50A-45F2-8C88-3CA5D6F8C531}" destId="{823F882D-CC2D-405F-B48D-1117FE3B7723}" srcOrd="2" destOrd="0" parTransId="{C24B9060-19F8-48D7-B485-D8371F3C1D02}" sibTransId="{742DEA19-EC76-4F1B-AC82-68D255D572AA}"/>
-    <dgm:cxn modelId="{0D4DF993-A740-4611-89AB-95291A000FC4}" srcId="{1C15FBF6-E50A-45F2-8C88-3CA5D6F8C531}" destId="{1369B7C7-C611-4AF7-B40A-FF5AF8C0510B}" srcOrd="0" destOrd="0" parTransId="{D54B1C7C-B462-41B6-BEDB-C26A1B5C932F}" sibTransId="{0E690C7A-4458-47A8-B8DC-05C386236946}"/>
-    <dgm:cxn modelId="{C152F287-C671-4B78-8849-8C06EDC43326}" type="presOf" srcId="{823F882D-CC2D-405F-B48D-1117FE3B7723}" destId="{9DE73039-F0D5-4F94-B639-117D4547B951}" srcOrd="0" destOrd="0" presId="urn:microsoft.com/office/officeart/2008/layout/VerticalCurvedList"/>
-    <dgm:cxn modelId="{60609974-6401-4FCD-B64D-85D145310412}" type="presOf" srcId="{1369B7C7-C611-4AF7-B40A-FF5AF8C0510B}" destId="{3CC0397C-2B3A-431D-A33E-503FA4620F80}" srcOrd="0" destOrd="0" presId="urn:microsoft.com/office/officeart/2008/layout/VerticalCurvedList"/>
-    <dgm:cxn modelId="{28BD2596-8603-481F-BCB9-3A4DB58C81C3}" type="presOf" srcId="{1C15FBF6-E50A-45F2-8C88-3CA5D6F8C531}" destId="{39A87877-CACF-4E27-94C8-9662D0FBBFBC}" srcOrd="0" destOrd="0" presId="urn:microsoft.com/office/officeart/2008/layout/VerticalCurvedList"/>
     <dgm:cxn modelId="{7657BDF3-61A5-4714-B2EA-588A5E1CE6FA}" type="presParOf" srcId="{39A87877-CACF-4E27-94C8-9662D0FBBFBC}" destId="{94EE4761-63DB-4645-A252-1EC3354EC6C4}" srcOrd="0" destOrd="0" presId="urn:microsoft.com/office/officeart/2008/layout/VerticalCurvedList"/>
     <dgm:cxn modelId="{563642E2-A664-4560-B983-D30711941B4B}" type="presParOf" srcId="{94EE4761-63DB-4645-A252-1EC3354EC6C4}" destId="{D20F926F-C145-4309-A0CE-04ECA07D9899}" srcOrd="0" destOrd="0" presId="urn:microsoft.com/office/officeart/2008/layout/VerticalCurvedList"/>
     <dgm:cxn modelId="{D144BE97-D945-43CF-86B1-77AAD1B66257}" type="presParOf" srcId="{D20F926F-C145-4309-A0CE-04ECA07D9899}" destId="{71C84AE4-DB0D-490B-ADD9-37B9D1061352}" srcOrd="0" destOrd="0" presId="urn:microsoft.com/office/officeart/2008/layout/VerticalCurvedList"/>
@@ -2414,7 +2364,7 @@
 <dgm:dataModel xmlns:dgm="http://schemas.openxmlformats.org/drawingml/2006/diagram" xmlns:a="http://schemas.openxmlformats.org/drawingml/2006/main">
   <dgm:ptLst>
     <dgm:pt modelId="{F2CBAB69-A145-440A-8E4E-B97402ACB675}" type="doc">
-      <dgm:prSet loTypeId="urn:microsoft.com/office/officeart/2005/8/layout/default" loCatId="list" qsTypeId="urn:microsoft.com/office/officeart/2005/8/quickstyle/simple1" qsCatId="simple" csTypeId="urn:microsoft.com/office/officeart/2005/8/colors/accent3_4" csCatId="accent3"/>
+      <dgm:prSet loTypeId="urn:microsoft.com/office/officeart/2005/8/layout/default" loCatId="list" qsTypeId="urn:microsoft.com/office/officeart/2005/8/quickstyle/simple1" qsCatId="simple" csTypeId="urn:microsoft.com/office/officeart/2005/8/colors/accent3_4" csCatId="accent3" phldr="1"/>
       <dgm:spPr/>
       <dgm:t>
         <a:bodyPr/>
@@ -2433,15 +2383,15 @@
         <a:p>
           <a:pPr rtl="0"/>
           <a:r>
-            <a:rPr lang="en-US" sz="2400" b="0" i="0" dirty="0" err="1" smtClean="0"/>
+            <a:rPr lang="en-US" sz="2400" b="0" i="0" dirty="0" err="1"/>
             <a:t>Đăng</a:t>
           </a:r>
           <a:r>
-            <a:rPr lang="en-US" sz="2400" b="0" i="0" dirty="0" smtClean="0"/>
+            <a:rPr lang="en-US" sz="2400" b="0" i="0" dirty="0"/>
             <a:t> </a:t>
           </a:r>
           <a:r>
-            <a:rPr lang="en-US" sz="2400" b="0" i="0" dirty="0" err="1" smtClean="0"/>
+            <a:rPr lang="en-US" sz="2400" b="0" i="0" dirty="0" err="1"/>
             <a:t>ký</a:t>
           </a:r>
           <a:endParaRPr lang="en-US" sz="2400" dirty="0"/>
@@ -2479,7 +2429,7 @@
         <a:p>
           <a:pPr rtl="0"/>
           <a:r>
-            <a:rPr lang="vi-VN" sz="2400" b="0" i="0" dirty="0" smtClean="0"/>
+            <a:rPr lang="vi-VN" sz="2400" b="0" i="0" dirty="0"/>
             <a:t>Đăng nhập</a:t>
           </a:r>
           <a:endParaRPr lang="en-US" sz="2400" dirty="0"/>
@@ -2517,7 +2467,7 @@
         <a:p>
           <a:pPr rtl="0"/>
           <a:r>
-            <a:rPr lang="vi-VN" sz="2400" b="0" i="0" dirty="0" smtClean="0"/>
+            <a:rPr lang="vi-VN" sz="2400" b="0" i="0" dirty="0"/>
             <a:t>Đăng xuất</a:t>
           </a:r>
           <a:endParaRPr lang="en-US" sz="2400" dirty="0"/>
@@ -2555,7 +2505,7 @@
         <a:p>
           <a:pPr rtl="0"/>
           <a:r>
-            <a:rPr lang="vi-VN" sz="2400" b="0" i="0" dirty="0" smtClean="0"/>
+            <a:rPr lang="vi-VN" sz="2400" b="0" i="0" dirty="0"/>
             <a:t>Tìm kiếm sản phẩm</a:t>
           </a:r>
           <a:endParaRPr lang="en-US" sz="2400" dirty="0"/>
@@ -2586,14 +2536,21 @@
     </dgm:pt>
     <dgm:pt modelId="{DDAE6A8E-455A-40CA-A457-9C2C8618A73A}">
       <dgm:prSet custT="1"/>
-      <dgm:spPr/>
+      <dgm:spPr>
+        <a:solidFill>
+          <a:schemeClr val="bg2">
+            <a:lumMod val="40000"/>
+            <a:lumOff val="60000"/>
+          </a:schemeClr>
+        </a:solidFill>
+      </dgm:spPr>
       <dgm:t>
         <a:bodyPr/>
         <a:lstStyle/>
         <a:p>
           <a:pPr rtl="0"/>
           <a:r>
-            <a:rPr lang="vi-VN" sz="2400" b="0" i="0" dirty="0" smtClean="0"/>
+            <a:rPr lang="vi-VN" sz="2400" b="0" i="0" dirty="0"/>
             <a:t>Xem chi tiết sản phẩm</a:t>
           </a:r>
           <a:endParaRPr lang="en-US" sz="2400" dirty="0"/>
@@ -2631,7 +2588,7 @@
         <a:p>
           <a:pPr rtl="0"/>
           <a:r>
-            <a:rPr lang="vi-VN" sz="2400" b="0" i="0" dirty="0" smtClean="0"/>
+            <a:rPr lang="vi-VN" sz="2400" b="0" i="0" dirty="0"/>
             <a:t>Địa chỉ</a:t>
           </a:r>
           <a:endParaRPr lang="en-US" sz="2400" dirty="0"/>
@@ -2669,7 +2626,7 @@
         <a:p>
           <a:pPr rtl="0"/>
           <a:r>
-            <a:rPr lang="vi-VN" sz="2400" b="0" i="0" dirty="0" smtClean="0"/>
+            <a:rPr lang="vi-VN" sz="2400" b="0" i="0" dirty="0"/>
             <a:t>Giỏ hàng</a:t>
           </a:r>
           <a:endParaRPr lang="en-US" sz="2400" dirty="0"/>
@@ -2707,15 +2664,15 @@
         <a:p>
           <a:pPr rtl="0"/>
           <a:r>
-            <a:rPr lang="en-US" sz="2400" b="0" i="0" dirty="0" err="1" smtClean="0"/>
+            <a:rPr lang="en-US" sz="2400" b="0" i="0" dirty="0" err="1"/>
             <a:t>Đặt</a:t>
           </a:r>
           <a:r>
-            <a:rPr lang="en-US" sz="2400" b="0" i="0" dirty="0" smtClean="0"/>
+            <a:rPr lang="en-US" sz="2400" b="0" i="0" dirty="0"/>
             <a:t> </a:t>
           </a:r>
           <a:r>
-            <a:rPr lang="en-US" sz="2400" b="0" i="0" dirty="0" err="1" smtClean="0"/>
+            <a:rPr lang="en-US" sz="2400" b="0" i="0" dirty="0" err="1"/>
             <a:t>hàng</a:t>
           </a:r>
           <a:endParaRPr lang="en-US" sz="2400" dirty="0"/>
@@ -2752,13 +2709,6 @@
         </dgm:presLayoutVars>
       </dgm:prSet>
       <dgm:spPr/>
-      <dgm:t>
-        <a:bodyPr/>
-        <a:lstStyle/>
-        <a:p>
-          <a:endParaRPr lang="en-US"/>
-        </a:p>
-      </dgm:t>
     </dgm:pt>
     <dgm:pt modelId="{1E82D328-7889-4F24-A549-70DD75C37334}" type="pres">
       <dgm:prSet presAssocID="{44C6922B-D3DB-441C-8C20-6506FBB1A329}" presName="node" presStyleLbl="node1" presStyleIdx="0" presStyleCnt="8">
@@ -2767,24 +2717,10 @@
         </dgm:presLayoutVars>
       </dgm:prSet>
       <dgm:spPr/>
-      <dgm:t>
-        <a:bodyPr/>
-        <a:lstStyle/>
-        <a:p>
-          <a:endParaRPr lang="en-US"/>
-        </a:p>
-      </dgm:t>
     </dgm:pt>
     <dgm:pt modelId="{A3AAAF44-B38B-44FC-A0DF-7934491DBA97}" type="pres">
       <dgm:prSet presAssocID="{A5B0E499-EC39-4AEA-9466-E3FD96F9C94B}" presName="sibTrans" presStyleCnt="0"/>
       <dgm:spPr/>
-      <dgm:t>
-        <a:bodyPr/>
-        <a:lstStyle/>
-        <a:p>
-          <a:endParaRPr lang="en-US"/>
-        </a:p>
-      </dgm:t>
     </dgm:pt>
     <dgm:pt modelId="{36426E02-D678-483B-A7C0-C27D48030E17}" type="pres">
       <dgm:prSet presAssocID="{A206DB9E-C56F-4BD0-99B8-A903A5ACB100}" presName="node" presStyleLbl="node1" presStyleIdx="1" presStyleCnt="8">
@@ -2793,24 +2729,10 @@
         </dgm:presLayoutVars>
       </dgm:prSet>
       <dgm:spPr/>
-      <dgm:t>
-        <a:bodyPr/>
-        <a:lstStyle/>
-        <a:p>
-          <a:endParaRPr lang="en-US"/>
-        </a:p>
-      </dgm:t>
     </dgm:pt>
     <dgm:pt modelId="{A23E76B2-989B-4BFB-945B-8C8215DD2CD4}" type="pres">
       <dgm:prSet presAssocID="{16539EE8-E477-4E9E-A760-4A23EFB35AAD}" presName="sibTrans" presStyleCnt="0"/>
       <dgm:spPr/>
-      <dgm:t>
-        <a:bodyPr/>
-        <a:lstStyle/>
-        <a:p>
-          <a:endParaRPr lang="en-US"/>
-        </a:p>
-      </dgm:t>
     </dgm:pt>
     <dgm:pt modelId="{8A56D103-2541-4DA3-9685-12CC6C62A5E6}" type="pres">
       <dgm:prSet presAssocID="{4B8EC1D6-9F95-481A-8C8B-D4177BDD5343}" presName="node" presStyleLbl="node1" presStyleIdx="2" presStyleCnt="8">
@@ -2819,24 +2741,10 @@
         </dgm:presLayoutVars>
       </dgm:prSet>
       <dgm:spPr/>
-      <dgm:t>
-        <a:bodyPr/>
-        <a:lstStyle/>
-        <a:p>
-          <a:endParaRPr lang="en-US"/>
-        </a:p>
-      </dgm:t>
     </dgm:pt>
     <dgm:pt modelId="{18835E32-FD0A-42D2-9CCB-42D7A92E3DC4}" type="pres">
       <dgm:prSet presAssocID="{CAA646FE-76B7-4AB9-84AB-13EE447DE4E6}" presName="sibTrans" presStyleCnt="0"/>
       <dgm:spPr/>
-      <dgm:t>
-        <a:bodyPr/>
-        <a:lstStyle/>
-        <a:p>
-          <a:endParaRPr lang="en-US"/>
-        </a:p>
-      </dgm:t>
     </dgm:pt>
     <dgm:pt modelId="{5EC9E5F1-AF19-4663-82B3-63FB7A5DFA82}" type="pres">
       <dgm:prSet presAssocID="{8396500D-203B-405F-9297-09D670FFF74F}" presName="node" presStyleLbl="node1" presStyleIdx="3" presStyleCnt="8">
@@ -2845,24 +2753,10 @@
         </dgm:presLayoutVars>
       </dgm:prSet>
       <dgm:spPr/>
-      <dgm:t>
-        <a:bodyPr/>
-        <a:lstStyle/>
-        <a:p>
-          <a:endParaRPr lang="en-US"/>
-        </a:p>
-      </dgm:t>
     </dgm:pt>
     <dgm:pt modelId="{72B2E4BB-088A-473A-8164-3B62EEF6F47D}" type="pres">
       <dgm:prSet presAssocID="{D59F1FAB-89FF-4934-A47B-3701E008B7C1}" presName="sibTrans" presStyleCnt="0"/>
       <dgm:spPr/>
-      <dgm:t>
-        <a:bodyPr/>
-        <a:lstStyle/>
-        <a:p>
-          <a:endParaRPr lang="en-US"/>
-        </a:p>
-      </dgm:t>
     </dgm:pt>
     <dgm:pt modelId="{A9D08980-7A6A-40EB-9D5B-BB23841476B5}" type="pres">
       <dgm:prSet presAssocID="{DDAE6A8E-455A-40CA-A457-9C2C8618A73A}" presName="node" presStyleLbl="node1" presStyleIdx="4" presStyleCnt="8">
@@ -2871,24 +2765,10 @@
         </dgm:presLayoutVars>
       </dgm:prSet>
       <dgm:spPr/>
-      <dgm:t>
-        <a:bodyPr/>
-        <a:lstStyle/>
-        <a:p>
-          <a:endParaRPr lang="en-US"/>
-        </a:p>
-      </dgm:t>
     </dgm:pt>
     <dgm:pt modelId="{40678EAD-66E5-4F01-809E-91A4289636B8}" type="pres">
       <dgm:prSet presAssocID="{6D6BE257-B23E-45F6-8A91-B8CD3AE8D5E8}" presName="sibTrans" presStyleCnt="0"/>
       <dgm:spPr/>
-      <dgm:t>
-        <a:bodyPr/>
-        <a:lstStyle/>
-        <a:p>
-          <a:endParaRPr lang="en-US"/>
-        </a:p>
-      </dgm:t>
     </dgm:pt>
     <dgm:pt modelId="{1110329E-566F-4F37-9F49-62AE71A3B52A}" type="pres">
       <dgm:prSet presAssocID="{E7B9B7B4-02DC-4EFC-B8BB-DCA5FFBE077E}" presName="node" presStyleLbl="node1" presStyleIdx="5" presStyleCnt="8">
@@ -2897,24 +2777,10 @@
         </dgm:presLayoutVars>
       </dgm:prSet>
       <dgm:spPr/>
-      <dgm:t>
-        <a:bodyPr/>
-        <a:lstStyle/>
-        <a:p>
-          <a:endParaRPr lang="en-US"/>
-        </a:p>
-      </dgm:t>
     </dgm:pt>
     <dgm:pt modelId="{0969C909-A26C-48D8-A6FD-A52F11C714A5}" type="pres">
       <dgm:prSet presAssocID="{8A9AD97D-9498-44A8-B9C2-3CD67F2D32FC}" presName="sibTrans" presStyleCnt="0"/>
       <dgm:spPr/>
-      <dgm:t>
-        <a:bodyPr/>
-        <a:lstStyle/>
-        <a:p>
-          <a:endParaRPr lang="en-US"/>
-        </a:p>
-      </dgm:t>
     </dgm:pt>
     <dgm:pt modelId="{A2BF5A52-5CC8-4095-A109-6C787DA890BB}" type="pres">
       <dgm:prSet presAssocID="{DE634A4F-BBCD-47D2-A19B-91685CB99BA3}" presName="node" presStyleLbl="node1" presStyleIdx="6" presStyleCnt="8">
@@ -2923,24 +2789,10 @@
         </dgm:presLayoutVars>
       </dgm:prSet>
       <dgm:spPr/>
-      <dgm:t>
-        <a:bodyPr/>
-        <a:lstStyle/>
-        <a:p>
-          <a:endParaRPr lang="en-US"/>
-        </a:p>
-      </dgm:t>
     </dgm:pt>
     <dgm:pt modelId="{B03D8C53-7218-42DF-8EA7-C21295ABE7DC}" type="pres">
       <dgm:prSet presAssocID="{42A35C8C-799E-490C-822E-74D05D4363A3}" presName="sibTrans" presStyleCnt="0"/>
       <dgm:spPr/>
-      <dgm:t>
-        <a:bodyPr/>
-        <a:lstStyle/>
-        <a:p>
-          <a:endParaRPr lang="en-US"/>
-        </a:p>
-      </dgm:t>
     </dgm:pt>
     <dgm:pt modelId="{88F14069-25F6-4871-AFF0-A1BCC1B71DF4}" type="pres">
       <dgm:prSet presAssocID="{E7443B30-631F-48F8-B0C4-58FC44F5DC92}" presName="node" presStyleLbl="node1" presStyleIdx="7" presStyleCnt="8">
@@ -2949,33 +2801,26 @@
         </dgm:presLayoutVars>
       </dgm:prSet>
       <dgm:spPr/>
-      <dgm:t>
-        <a:bodyPr/>
-        <a:lstStyle/>
-        <a:p>
-          <a:endParaRPr lang="en-US"/>
-        </a:p>
-      </dgm:t>
     </dgm:pt>
   </dgm:ptLst>
   <dgm:cxnLst>
-    <dgm:cxn modelId="{62A38FFA-89F8-4A75-AA13-C7E3A4E787BF}" srcId="{F2CBAB69-A145-440A-8E4E-B97402ACB675}" destId="{DDAE6A8E-455A-40CA-A457-9C2C8618A73A}" srcOrd="4" destOrd="0" parTransId="{0F2DF8F2-700A-4A8F-AFE4-0FD7E75F1067}" sibTransId="{6D6BE257-B23E-45F6-8A91-B8CD3AE8D5E8}"/>
+    <dgm:cxn modelId="{62F57E05-A1B5-4B2D-A0F1-C026AF7D5842}" type="presOf" srcId="{44C6922B-D3DB-441C-8C20-6506FBB1A329}" destId="{1E82D328-7889-4F24-A549-70DD75C37334}" srcOrd="0" destOrd="0" presId="urn:microsoft.com/office/officeart/2005/8/layout/default"/>
+    <dgm:cxn modelId="{D7991111-CD1A-40D9-921D-24FF1D9173A9}" srcId="{F2CBAB69-A145-440A-8E4E-B97402ACB675}" destId="{8396500D-203B-405F-9297-09D670FFF74F}" srcOrd="3" destOrd="0" parTransId="{8DF55B8F-397E-41D3-B4B1-BA9B5DB4B143}" sibTransId="{D59F1FAB-89FF-4934-A47B-3701E008B7C1}"/>
     <dgm:cxn modelId="{05CFFB13-80A6-47D6-A8A6-AACB03672850}" srcId="{F2CBAB69-A145-440A-8E4E-B97402ACB675}" destId="{44C6922B-D3DB-441C-8C20-6506FBB1A329}" srcOrd="0" destOrd="0" parTransId="{D4D36B05-D094-4EF8-B485-5B1CAADEF99A}" sibTransId="{A5B0E499-EC39-4AEA-9466-E3FD96F9C94B}"/>
+    <dgm:cxn modelId="{3A0B4D24-DAC0-42A4-96AD-5E1CA129669B}" srcId="{F2CBAB69-A145-440A-8E4E-B97402ACB675}" destId="{E7443B30-631F-48F8-B0C4-58FC44F5DC92}" srcOrd="7" destOrd="0" parTransId="{F3193431-89CC-45C9-8886-C07A97D65AD1}" sibTransId="{3618B8E0-33E8-4449-B1B1-8196106EF429}"/>
     <dgm:cxn modelId="{ED7B852E-4BFA-46AF-91CC-87559B46FB44}" type="presOf" srcId="{DE634A4F-BBCD-47D2-A19B-91685CB99BA3}" destId="{A2BF5A52-5CC8-4095-A109-6C787DA890BB}" srcOrd="0" destOrd="0" presId="urn:microsoft.com/office/officeart/2005/8/layout/default"/>
-    <dgm:cxn modelId="{AAF967C1-CCA2-495F-9167-41D3BC1323B5}" type="presOf" srcId="{F2CBAB69-A145-440A-8E4E-B97402ACB675}" destId="{98085582-7C1E-4BD3-92FA-DEA5FC069C7D}" srcOrd="0" destOrd="0" presId="urn:microsoft.com/office/officeart/2005/8/layout/default"/>
-    <dgm:cxn modelId="{DE15E897-140A-41C3-9501-69D3C0777ACB}" type="presOf" srcId="{DDAE6A8E-455A-40CA-A457-9C2C8618A73A}" destId="{A9D08980-7A6A-40EB-9D5B-BB23841476B5}" srcOrd="0" destOrd="0" presId="urn:microsoft.com/office/officeart/2005/8/layout/default"/>
-    <dgm:cxn modelId="{853712D1-77D2-4EBC-832E-7DE727808652}" srcId="{F2CBAB69-A145-440A-8E4E-B97402ACB675}" destId="{A206DB9E-C56F-4BD0-99B8-A903A5ACB100}" srcOrd="1" destOrd="0" parTransId="{02A5D4CE-1B19-4D60-9557-398DFD29A131}" sibTransId="{16539EE8-E477-4E9E-A760-4A23EFB35AAD}"/>
-    <dgm:cxn modelId="{C952C1B6-172C-4C1B-98E2-27B3F2C41F6F}" srcId="{F2CBAB69-A145-440A-8E4E-B97402ACB675}" destId="{E7B9B7B4-02DC-4EFC-B8BB-DCA5FFBE077E}" srcOrd="5" destOrd="0" parTransId="{DD497B04-7802-4D73-8E9A-5DD0C5FA28AD}" sibTransId="{8A9AD97D-9498-44A8-B9C2-3CD67F2D32FC}"/>
-    <dgm:cxn modelId="{3A0B4D24-DAC0-42A4-96AD-5E1CA129669B}" srcId="{F2CBAB69-A145-440A-8E4E-B97402ACB675}" destId="{E7443B30-631F-48F8-B0C4-58FC44F5DC92}" srcOrd="7" destOrd="0" parTransId="{F3193431-89CC-45C9-8886-C07A97D65AD1}" sibTransId="{3618B8E0-33E8-4449-B1B1-8196106EF429}"/>
-    <dgm:cxn modelId="{0A9FEF74-F1BE-4484-A0B7-505315B24372}" type="presOf" srcId="{4B8EC1D6-9F95-481A-8C8B-D4177BDD5343}" destId="{8A56D103-2541-4DA3-9685-12CC6C62A5E6}" srcOrd="0" destOrd="0" presId="urn:microsoft.com/office/officeart/2005/8/layout/default"/>
-    <dgm:cxn modelId="{EC23D3AD-E5A6-4588-843E-2A8F9DFCB6D7}" type="presOf" srcId="{A206DB9E-C56F-4BD0-99B8-A903A5ACB100}" destId="{36426E02-D678-483B-A7C0-C27D48030E17}" srcOrd="0" destOrd="0" presId="urn:microsoft.com/office/officeart/2005/8/layout/default"/>
-    <dgm:cxn modelId="{A5B3B1D7-9B50-42C2-AA6D-AA2E3D021D79}" type="presOf" srcId="{E7443B30-631F-48F8-B0C4-58FC44F5DC92}" destId="{88F14069-25F6-4871-AFF0-A1BCC1B71DF4}" srcOrd="0" destOrd="0" presId="urn:microsoft.com/office/officeart/2005/8/layout/default"/>
     <dgm:cxn modelId="{D21AC644-7897-419A-A540-740F2CF2B5B2}" type="presOf" srcId="{E7B9B7B4-02DC-4EFC-B8BB-DCA5FFBE077E}" destId="{1110329E-566F-4F37-9F49-62AE71A3B52A}" srcOrd="0" destOrd="0" presId="urn:microsoft.com/office/officeart/2005/8/layout/default"/>
-    <dgm:cxn modelId="{53F8B1E6-13DF-42EB-8B0F-E4E117003C58}" srcId="{F2CBAB69-A145-440A-8E4E-B97402ACB675}" destId="{4B8EC1D6-9F95-481A-8C8B-D4177BDD5343}" srcOrd="2" destOrd="0" parTransId="{E228264E-BE33-445A-8DB3-0F4A8809CA93}" sibTransId="{CAA646FE-76B7-4AB9-84AB-13EE447DE4E6}"/>
     <dgm:cxn modelId="{FFAFEA4E-C3C1-4E51-9182-5DAC86647C88}" type="presOf" srcId="{8396500D-203B-405F-9297-09D670FFF74F}" destId="{5EC9E5F1-AF19-4663-82B3-63FB7A5DFA82}" srcOrd="0" destOrd="0" presId="urn:microsoft.com/office/officeart/2005/8/layout/default"/>
     <dgm:cxn modelId="{98F0E96E-1B7B-4149-9AB4-0F9B4C69D926}" srcId="{F2CBAB69-A145-440A-8E4E-B97402ACB675}" destId="{DE634A4F-BBCD-47D2-A19B-91685CB99BA3}" srcOrd="6" destOrd="0" parTransId="{D9D70061-BA6D-4F26-90BC-F5607B2EE1C5}" sibTransId="{42A35C8C-799E-490C-822E-74D05D4363A3}"/>
-    <dgm:cxn modelId="{62F57E05-A1B5-4B2D-A0F1-C026AF7D5842}" type="presOf" srcId="{44C6922B-D3DB-441C-8C20-6506FBB1A329}" destId="{1E82D328-7889-4F24-A549-70DD75C37334}" srcOrd="0" destOrd="0" presId="urn:microsoft.com/office/officeart/2005/8/layout/default"/>
-    <dgm:cxn modelId="{D7991111-CD1A-40D9-921D-24FF1D9173A9}" srcId="{F2CBAB69-A145-440A-8E4E-B97402ACB675}" destId="{8396500D-203B-405F-9297-09D670FFF74F}" srcOrd="3" destOrd="0" parTransId="{8DF55B8F-397E-41D3-B4B1-BA9B5DB4B143}" sibTransId="{D59F1FAB-89FF-4934-A47B-3701E008B7C1}"/>
+    <dgm:cxn modelId="{0A9FEF74-F1BE-4484-A0B7-505315B24372}" type="presOf" srcId="{4B8EC1D6-9F95-481A-8C8B-D4177BDD5343}" destId="{8A56D103-2541-4DA3-9685-12CC6C62A5E6}" srcOrd="0" destOrd="0" presId="urn:microsoft.com/office/officeart/2005/8/layout/default"/>
+    <dgm:cxn modelId="{DE15E897-140A-41C3-9501-69D3C0777ACB}" type="presOf" srcId="{DDAE6A8E-455A-40CA-A457-9C2C8618A73A}" destId="{A9D08980-7A6A-40EB-9D5B-BB23841476B5}" srcOrd="0" destOrd="0" presId="urn:microsoft.com/office/officeart/2005/8/layout/default"/>
+    <dgm:cxn modelId="{EC23D3AD-E5A6-4588-843E-2A8F9DFCB6D7}" type="presOf" srcId="{A206DB9E-C56F-4BD0-99B8-A903A5ACB100}" destId="{36426E02-D678-483B-A7C0-C27D48030E17}" srcOrd="0" destOrd="0" presId="urn:microsoft.com/office/officeart/2005/8/layout/default"/>
+    <dgm:cxn modelId="{C952C1B6-172C-4C1B-98E2-27B3F2C41F6F}" srcId="{F2CBAB69-A145-440A-8E4E-B97402ACB675}" destId="{E7B9B7B4-02DC-4EFC-B8BB-DCA5FFBE077E}" srcOrd="5" destOrd="0" parTransId="{DD497B04-7802-4D73-8E9A-5DD0C5FA28AD}" sibTransId="{8A9AD97D-9498-44A8-B9C2-3CD67F2D32FC}"/>
+    <dgm:cxn modelId="{AAF967C1-CCA2-495F-9167-41D3BC1323B5}" type="presOf" srcId="{F2CBAB69-A145-440A-8E4E-B97402ACB675}" destId="{98085582-7C1E-4BD3-92FA-DEA5FC069C7D}" srcOrd="0" destOrd="0" presId="urn:microsoft.com/office/officeart/2005/8/layout/default"/>
+    <dgm:cxn modelId="{853712D1-77D2-4EBC-832E-7DE727808652}" srcId="{F2CBAB69-A145-440A-8E4E-B97402ACB675}" destId="{A206DB9E-C56F-4BD0-99B8-A903A5ACB100}" srcOrd="1" destOrd="0" parTransId="{02A5D4CE-1B19-4D60-9557-398DFD29A131}" sibTransId="{16539EE8-E477-4E9E-A760-4A23EFB35AAD}"/>
+    <dgm:cxn modelId="{A5B3B1D7-9B50-42C2-AA6D-AA2E3D021D79}" type="presOf" srcId="{E7443B30-631F-48F8-B0C4-58FC44F5DC92}" destId="{88F14069-25F6-4871-AFF0-A1BCC1B71DF4}" srcOrd="0" destOrd="0" presId="urn:microsoft.com/office/officeart/2005/8/layout/default"/>
+    <dgm:cxn modelId="{53F8B1E6-13DF-42EB-8B0F-E4E117003C58}" srcId="{F2CBAB69-A145-440A-8E4E-B97402ACB675}" destId="{4B8EC1D6-9F95-481A-8C8B-D4177BDD5343}" srcOrd="2" destOrd="0" parTransId="{E228264E-BE33-445A-8DB3-0F4A8809CA93}" sibTransId="{CAA646FE-76B7-4AB9-84AB-13EE447DE4E6}"/>
+    <dgm:cxn modelId="{62A38FFA-89F8-4A75-AA13-C7E3A4E787BF}" srcId="{F2CBAB69-A145-440A-8E4E-B97402ACB675}" destId="{DDAE6A8E-455A-40CA-A457-9C2C8618A73A}" srcOrd="4" destOrd="0" parTransId="{0F2DF8F2-700A-4A8F-AFE4-0FD7E75F1067}" sibTransId="{6D6BE257-B23E-45F6-8A91-B8CD3AE8D5E8}"/>
     <dgm:cxn modelId="{30850F4A-041B-4894-8D96-D895B4EF89EF}" type="presParOf" srcId="{98085582-7C1E-4BD3-92FA-DEA5FC069C7D}" destId="{1E82D328-7889-4F24-A549-70DD75C37334}" srcOrd="0" destOrd="0" presId="urn:microsoft.com/office/officeart/2005/8/layout/default"/>
     <dgm:cxn modelId="{6A4301B7-0EAE-45B2-AD70-8C713791B4CB}" type="presParOf" srcId="{98085582-7C1E-4BD3-92FA-DEA5FC069C7D}" destId="{A3AAAF44-B38B-44FC-A0DF-7934491DBA97}" srcOrd="1" destOrd="0" presId="urn:microsoft.com/office/officeart/2005/8/layout/default"/>
     <dgm:cxn modelId="{ECAC2760-6932-40AE-828A-596701D3B789}" type="presParOf" srcId="{98085582-7C1E-4BD3-92FA-DEA5FC069C7D}" destId="{36426E02-D678-483B-A7C0-C27D48030E17}" srcOrd="2" destOrd="0" presId="urn:microsoft.com/office/officeart/2005/8/layout/default"/>
@@ -3110,7 +2955,7 @@
         </a:bodyPr>
         <a:lstStyle/>
         <a:p>
-          <a:pPr lvl="0" algn="l" defTabSz="1244600">
+          <a:pPr marL="0" lvl="0" indent="0" algn="l" defTabSz="1244600">
             <a:lnSpc>
               <a:spcPct val="90000"/>
             </a:lnSpc>
@@ -3120,9 +2965,10 @@
             <a:spcAft>
               <a:spcPct val="35000"/>
             </a:spcAft>
+            <a:buNone/>
           </a:pPr>
           <a:r>
-            <a:rPr lang="vi-VN" sz="2800" kern="1200" dirty="0" smtClean="0">
+            <a:rPr lang="vi-VN" sz="2800" kern="1200" dirty="0">
               <a:latin typeface="Times New Roman (Headings)"/>
               <a:ea typeface="Roboto" panose="02000000000000000000" pitchFamily="2" charset="0"/>
               <a:cs typeface="Times New Roman" panose="02020603050405020304" pitchFamily="18" charset="0"/>
@@ -3242,7 +3088,7 @@
         </a:bodyPr>
         <a:lstStyle/>
         <a:p>
-          <a:pPr lvl="0" algn="l" defTabSz="1244600">
+          <a:pPr marL="0" lvl="0" indent="0" algn="l" defTabSz="1244600">
             <a:lnSpc>
               <a:spcPct val="90000"/>
             </a:lnSpc>
@@ -3252,9 +3098,10 @@
             <a:spcAft>
               <a:spcPct val="35000"/>
             </a:spcAft>
+            <a:buNone/>
           </a:pPr>
           <a:r>
-            <a:rPr lang="en-US" sz="2800" kern="1200" dirty="0" err="1" smtClean="0">
+            <a:rPr lang="en-US" sz="2800" kern="1200" dirty="0" err="1">
               <a:latin typeface="Times New Roman (Headings)"/>
               <a:ea typeface="Roboto" panose="02000000000000000000" pitchFamily="2" charset="0"/>
               <a:cs typeface="Times New Roman" panose="02020603050405020304" pitchFamily="18" charset="0"/>
@@ -3262,7 +3109,7 @@
             <a:t>Tìm</a:t>
           </a:r>
           <a:r>
-            <a:rPr lang="en-US" sz="2800" kern="1200" dirty="0" smtClean="0">
+            <a:rPr lang="en-US" sz="2800" kern="1200" dirty="0">
               <a:latin typeface="Times New Roman (Headings)"/>
               <a:ea typeface="Roboto" panose="02000000000000000000" pitchFamily="2" charset="0"/>
               <a:cs typeface="Times New Roman" panose="02020603050405020304" pitchFamily="18" charset="0"/>
@@ -3270,7 +3117,7 @@
             <a:t> </a:t>
           </a:r>
           <a:r>
-            <a:rPr lang="en-US" sz="2800" kern="1200" dirty="0" err="1" smtClean="0">
+            <a:rPr lang="en-US" sz="2800" kern="1200" dirty="0" err="1">
               <a:latin typeface="Times New Roman (Headings)"/>
               <a:ea typeface="Roboto" panose="02000000000000000000" pitchFamily="2" charset="0"/>
               <a:cs typeface="Times New Roman" panose="02020603050405020304" pitchFamily="18" charset="0"/>
@@ -3278,7 +3125,7 @@
             <a:t>hiểu</a:t>
           </a:r>
           <a:r>
-            <a:rPr lang="en-US" sz="2800" kern="1200" dirty="0" smtClean="0">
+            <a:rPr lang="en-US" sz="2800" kern="1200" dirty="0">
               <a:latin typeface="Times New Roman (Headings)"/>
               <a:ea typeface="Roboto" panose="02000000000000000000" pitchFamily="2" charset="0"/>
               <a:cs typeface="Times New Roman" panose="02020603050405020304" pitchFamily="18" charset="0"/>
@@ -3286,7 +3133,7 @@
             <a:t> </a:t>
           </a:r>
           <a:r>
-            <a:rPr lang="en-US" sz="2800" kern="1200" dirty="0" err="1" smtClean="0">
+            <a:rPr lang="en-US" sz="2800" kern="1200" dirty="0" err="1">
               <a:latin typeface="Times New Roman (Headings)"/>
               <a:ea typeface="Roboto" panose="02000000000000000000" pitchFamily="2" charset="0"/>
               <a:cs typeface="Times New Roman" panose="02020603050405020304" pitchFamily="18" charset="0"/>
@@ -3294,7 +3141,7 @@
             <a:t>kiểm</a:t>
           </a:r>
           <a:r>
-            <a:rPr lang="en-US" sz="2800" kern="1200" dirty="0" smtClean="0">
+            <a:rPr lang="en-US" sz="2800" kern="1200" dirty="0">
               <a:latin typeface="Times New Roman (Headings)"/>
               <a:ea typeface="Roboto" panose="02000000000000000000" pitchFamily="2" charset="0"/>
               <a:cs typeface="Times New Roman" panose="02020603050405020304" pitchFamily="18" charset="0"/>
@@ -3302,7 +3149,7 @@
             <a:t> </a:t>
           </a:r>
           <a:r>
-            <a:rPr lang="en-US" sz="2800" kern="1200" dirty="0" err="1" smtClean="0">
+            <a:rPr lang="en-US" sz="2800" kern="1200" dirty="0" err="1">
               <a:latin typeface="Times New Roman (Headings)"/>
               <a:ea typeface="Roboto" panose="02000000000000000000" pitchFamily="2" charset="0"/>
               <a:cs typeface="Times New Roman" panose="02020603050405020304" pitchFamily="18" charset="0"/>
@@ -3310,7 +3157,7 @@
             <a:t>thử</a:t>
           </a:r>
           <a:r>
-            <a:rPr lang="en-US" sz="2800" kern="1200" dirty="0" smtClean="0">
+            <a:rPr lang="en-US" sz="2800" kern="1200" dirty="0">
               <a:latin typeface="Times New Roman (Headings)"/>
               <a:ea typeface="Roboto" panose="02000000000000000000" pitchFamily="2" charset="0"/>
               <a:cs typeface="Times New Roman" panose="02020603050405020304" pitchFamily="18" charset="0"/>
@@ -3318,20 +3165,12 @@
             <a:t> </a:t>
           </a:r>
           <a:r>
-            <a:rPr lang="vi-VN" sz="2800" kern="1200" dirty="0" smtClean="0">
+            <a:rPr lang="vi-VN" sz="2800" kern="1200" dirty="0">
               <a:latin typeface="Times New Roman (Headings)"/>
               <a:ea typeface="Roboto" panose="02000000000000000000" pitchFamily="2" charset="0"/>
               <a:cs typeface="Times New Roman" panose="02020603050405020304" pitchFamily="18" charset="0"/>
             </a:rPr>
-            <a:t>với công cụ Katalon </a:t>
-          </a:r>
-          <a:r>
-            <a:rPr lang="vi-VN" sz="2800" kern="1200" dirty="0" smtClean="0">
-              <a:latin typeface="Times New Roman (Headings)"/>
-              <a:ea typeface="Roboto" panose="02000000000000000000" pitchFamily="2" charset="0"/>
-              <a:cs typeface="Times New Roman" panose="02020603050405020304" pitchFamily="18" charset="0"/>
-            </a:rPr>
-            <a:t>Studio</a:t>
+            <a:t>với công cụ Katalon Studio</a:t>
           </a:r>
           <a:endParaRPr lang="en-US" sz="2800" kern="1200" dirty="0">
             <a:latin typeface="Times New Roman (Headings)"/>
@@ -3446,7 +3285,7 @@
         </a:bodyPr>
         <a:lstStyle/>
         <a:p>
-          <a:pPr lvl="0" algn="l" defTabSz="1244600">
+          <a:pPr marL="0" lvl="0" indent="0" algn="l" defTabSz="1244600">
             <a:lnSpc>
               <a:spcPct val="90000"/>
             </a:lnSpc>
@@ -3456,9 +3295,10 @@
             <a:spcAft>
               <a:spcPct val="35000"/>
             </a:spcAft>
+            <a:buNone/>
           </a:pPr>
           <a:r>
-            <a:rPr lang="vi-VN" sz="2800" kern="1200" dirty="0" smtClean="0">
+            <a:rPr lang="vi-VN" sz="2800" kern="1200" dirty="0">
               <a:latin typeface="Times New Roman (Headings)"/>
             </a:rPr>
             <a:t>Thực hiện chạy các kịch bản kiểm thử</a:t>
@@ -3588,7 +3428,7 @@
         </a:bodyPr>
         <a:lstStyle/>
         <a:p>
-          <a:pPr lvl="0" algn="ctr" defTabSz="1066800" rtl="0">
+          <a:pPr marL="0" lvl="0" indent="0" algn="ctr" defTabSz="1066800" rtl="0">
             <a:lnSpc>
               <a:spcPct val="90000"/>
             </a:lnSpc>
@@ -3598,17 +3438,18 @@
             <a:spcAft>
               <a:spcPct val="35000"/>
             </a:spcAft>
+            <a:buNone/>
           </a:pPr>
           <a:r>
-            <a:rPr lang="en-US" sz="2400" b="0" i="0" kern="1200" dirty="0" err="1" smtClean="0"/>
+            <a:rPr lang="en-US" sz="2400" b="0" i="0" kern="1200" dirty="0" err="1"/>
             <a:t>Đăng</a:t>
           </a:r>
           <a:r>
-            <a:rPr lang="en-US" sz="2400" b="0" i="0" kern="1200" dirty="0" smtClean="0"/>
+            <a:rPr lang="en-US" sz="2400" b="0" i="0" kern="1200" dirty="0"/>
             <a:t> </a:t>
           </a:r>
           <a:r>
-            <a:rPr lang="en-US" sz="2400" b="0" i="0" kern="1200" dirty="0" err="1" smtClean="0"/>
+            <a:rPr lang="en-US" sz="2400" b="0" i="0" kern="1200" dirty="0" err="1"/>
             <a:t>ký</a:t>
           </a:r>
           <a:endParaRPr lang="en-US" sz="2400" kern="1200" dirty="0"/>
@@ -3674,7 +3515,7 @@
         </a:bodyPr>
         <a:lstStyle/>
         <a:p>
-          <a:pPr lvl="0" algn="ctr" defTabSz="1066800" rtl="0">
+          <a:pPr marL="0" lvl="0" indent="0" algn="ctr" defTabSz="1066800" rtl="0">
             <a:lnSpc>
               <a:spcPct val="90000"/>
             </a:lnSpc>
@@ -3684,9 +3525,10 @@
             <a:spcAft>
               <a:spcPct val="35000"/>
             </a:spcAft>
+            <a:buNone/>
           </a:pPr>
           <a:r>
-            <a:rPr lang="vi-VN" sz="2400" b="0" i="0" kern="1200" dirty="0" smtClean="0"/>
+            <a:rPr lang="vi-VN" sz="2400" b="0" i="0" kern="1200" dirty="0"/>
             <a:t>Đăng nhập</a:t>
           </a:r>
           <a:endParaRPr lang="en-US" sz="2400" kern="1200" dirty="0"/>
@@ -3752,7 +3594,7 @@
         </a:bodyPr>
         <a:lstStyle/>
         <a:p>
-          <a:pPr lvl="0" algn="ctr" defTabSz="1066800" rtl="0">
+          <a:pPr marL="0" lvl="0" indent="0" algn="ctr" defTabSz="1066800" rtl="0">
             <a:lnSpc>
               <a:spcPct val="90000"/>
             </a:lnSpc>
@@ -3762,9 +3604,10 @@
             <a:spcAft>
               <a:spcPct val="35000"/>
             </a:spcAft>
+            <a:buNone/>
           </a:pPr>
           <a:r>
-            <a:rPr lang="vi-VN" sz="2400" b="0" i="0" kern="1200" dirty="0" smtClean="0"/>
+            <a:rPr lang="vi-VN" sz="2400" b="0" i="0" kern="1200" dirty="0"/>
             <a:t>Đăng xuất</a:t>
           </a:r>
           <a:endParaRPr lang="en-US" sz="2400" kern="1200" dirty="0"/>
@@ -3830,7 +3673,7 @@
         </a:bodyPr>
         <a:lstStyle/>
         <a:p>
-          <a:pPr lvl="0" algn="ctr" defTabSz="1066800" rtl="0">
+          <a:pPr marL="0" lvl="0" indent="0" algn="ctr" defTabSz="1066800" rtl="0">
             <a:lnSpc>
               <a:spcPct val="90000"/>
             </a:lnSpc>
@@ -3840,9 +3683,10 @@
             <a:spcAft>
               <a:spcPct val="35000"/>
             </a:spcAft>
+            <a:buNone/>
           </a:pPr>
           <a:r>
-            <a:rPr lang="vi-VN" sz="2400" b="0" i="0" kern="1200" dirty="0" smtClean="0"/>
+            <a:rPr lang="vi-VN" sz="2400" b="0" i="0" kern="1200" dirty="0"/>
             <a:t>Tìm kiếm sản phẩm</a:t>
           </a:r>
           <a:endParaRPr lang="en-US" sz="2400" kern="1200" dirty="0"/>
@@ -3867,12 +3711,9 @@
           <a:avLst/>
         </a:prstGeom>
         <a:solidFill>
-          <a:schemeClr val="accent3">
-            <a:shade val="50000"/>
-            <a:hueOff val="372523"/>
-            <a:satOff val="-3087"/>
-            <a:lumOff val="41767"/>
-            <a:alphaOff val="0"/>
+          <a:schemeClr val="bg2">
+            <a:lumMod val="40000"/>
+            <a:lumOff val="60000"/>
           </a:schemeClr>
         </a:solidFill>
         <a:ln w="25400" cap="flat" cmpd="sng" algn="ctr">
@@ -3908,7 +3749,7 @@
         </a:bodyPr>
         <a:lstStyle/>
         <a:p>
-          <a:pPr lvl="0" algn="ctr" defTabSz="1066800" rtl="0">
+          <a:pPr marL="0" lvl="0" indent="0" algn="ctr" defTabSz="1066800" rtl="0">
             <a:lnSpc>
               <a:spcPct val="90000"/>
             </a:lnSpc>
@@ -3918,9 +3759,10 @@
             <a:spcAft>
               <a:spcPct val="35000"/>
             </a:spcAft>
+            <a:buNone/>
           </a:pPr>
           <a:r>
-            <a:rPr lang="vi-VN" sz="2400" b="0" i="0" kern="1200" dirty="0" smtClean="0"/>
+            <a:rPr lang="vi-VN" sz="2400" b="0" i="0" kern="1200" dirty="0"/>
             <a:t>Xem chi tiết sản phẩm</a:t>
           </a:r>
           <a:endParaRPr lang="en-US" sz="2400" kern="1200" dirty="0"/>
@@ -3986,7 +3828,7 @@
         </a:bodyPr>
         <a:lstStyle/>
         <a:p>
-          <a:pPr lvl="0" algn="ctr" defTabSz="1066800" rtl="0">
+          <a:pPr marL="0" lvl="0" indent="0" algn="ctr" defTabSz="1066800" rtl="0">
             <a:lnSpc>
               <a:spcPct val="90000"/>
             </a:lnSpc>
@@ -3996,9 +3838,10 @@
             <a:spcAft>
               <a:spcPct val="35000"/>
             </a:spcAft>
+            <a:buNone/>
           </a:pPr>
           <a:r>
-            <a:rPr lang="vi-VN" sz="2400" b="0" i="0" kern="1200" dirty="0" smtClean="0"/>
+            <a:rPr lang="vi-VN" sz="2400" b="0" i="0" kern="1200" dirty="0"/>
             <a:t>Địa chỉ</a:t>
           </a:r>
           <a:endParaRPr lang="en-US" sz="2400" kern="1200" dirty="0"/>
@@ -4064,7 +3907,7 @@
         </a:bodyPr>
         <a:lstStyle/>
         <a:p>
-          <a:pPr lvl="0" algn="ctr" defTabSz="1066800" rtl="0">
+          <a:pPr marL="0" lvl="0" indent="0" algn="ctr" defTabSz="1066800" rtl="0">
             <a:lnSpc>
               <a:spcPct val="90000"/>
             </a:lnSpc>
@@ -4074,9 +3917,10 @@
             <a:spcAft>
               <a:spcPct val="35000"/>
             </a:spcAft>
+            <a:buNone/>
           </a:pPr>
           <a:r>
-            <a:rPr lang="vi-VN" sz="2400" b="0" i="0" kern="1200" dirty="0" smtClean="0"/>
+            <a:rPr lang="vi-VN" sz="2400" b="0" i="0" kern="1200" dirty="0"/>
             <a:t>Giỏ hàng</a:t>
           </a:r>
           <a:endParaRPr lang="en-US" sz="2400" kern="1200" dirty="0"/>
@@ -4142,7 +3986,7 @@
         </a:bodyPr>
         <a:lstStyle/>
         <a:p>
-          <a:pPr lvl="0" algn="ctr" defTabSz="1066800" rtl="0">
+          <a:pPr marL="0" lvl="0" indent="0" algn="ctr" defTabSz="1066800" rtl="0">
             <a:lnSpc>
               <a:spcPct val="90000"/>
             </a:lnSpc>
@@ -4152,17 +3996,18 @@
             <a:spcAft>
               <a:spcPct val="35000"/>
             </a:spcAft>
+            <a:buNone/>
           </a:pPr>
           <a:r>
-            <a:rPr lang="en-US" sz="2400" b="0" i="0" kern="1200" dirty="0" err="1" smtClean="0"/>
+            <a:rPr lang="en-US" sz="2400" b="0" i="0" kern="1200" dirty="0" err="1"/>
             <a:t>Đặt</a:t>
           </a:r>
           <a:r>
-            <a:rPr lang="en-US" sz="2400" b="0" i="0" kern="1200" dirty="0" smtClean="0"/>
+            <a:rPr lang="en-US" sz="2400" b="0" i="0" kern="1200" dirty="0"/>
             <a:t> </a:t>
           </a:r>
           <a:r>
-            <a:rPr lang="en-US" sz="2400" b="0" i="0" kern="1200" dirty="0" err="1" smtClean="0"/>
+            <a:rPr lang="en-US" sz="2400" b="0" i="0" kern="1200" dirty="0" err="1"/>
             <a:t>hàng</a:t>
           </a:r>
           <a:endParaRPr lang="en-US" sz="2400" kern="1200" dirty="0"/>
@@ -9296,7 +9141,7 @@
               <a:buSzPts val="1400"/>
               <a:buNone/>
             </a:pPr>
-            <a:endParaRPr/>
+            <a:endParaRPr dirty="0"/>
           </a:p>
         </p:txBody>
       </p:sp>
@@ -9804,7 +9649,191 @@
               <a:buSzPts val="1400"/>
               <a:buNone/>
             </a:pPr>
-            <a:endParaRPr/>
+            <a:r>
+              <a:rPr lang="en-US" dirty="0" err="1"/>
+              <a:t>sau</a:t>
+            </a:r>
+            <a:r>
+              <a:rPr lang="en-US" dirty="0"/>
+              <a:t> </a:t>
+            </a:r>
+            <a:r>
+              <a:rPr lang="en-US" dirty="0" err="1"/>
+              <a:t>khi</a:t>
+            </a:r>
+            <a:r>
+              <a:rPr lang="en-US" dirty="0"/>
+              <a:t> </a:t>
+            </a:r>
+            <a:r>
+              <a:rPr lang="en-US" dirty="0" err="1"/>
+              <a:t>chạy</a:t>
+            </a:r>
+            <a:r>
+              <a:rPr lang="en-US" dirty="0"/>
+              <a:t> </a:t>
+            </a:r>
+            <a:r>
+              <a:rPr lang="en-US" dirty="0" err="1"/>
+              <a:t>tất</a:t>
+            </a:r>
+            <a:r>
+              <a:rPr lang="en-US" dirty="0"/>
+              <a:t> </a:t>
+            </a:r>
+            <a:r>
+              <a:rPr lang="en-US" dirty="0" err="1"/>
+              <a:t>cả</a:t>
+            </a:r>
+            <a:r>
+              <a:rPr lang="en-US" dirty="0"/>
+              <a:t> </a:t>
+            </a:r>
+            <a:r>
+              <a:rPr lang="en-US" dirty="0" err="1"/>
+              <a:t>các</a:t>
+            </a:r>
+            <a:r>
+              <a:rPr lang="en-US" dirty="0"/>
+              <a:t> </a:t>
+            </a:r>
+            <a:r>
+              <a:rPr lang="en-US" dirty="0" err="1"/>
+              <a:t>kịch</a:t>
+            </a:r>
+            <a:r>
+              <a:rPr lang="en-US" dirty="0"/>
+              <a:t> </a:t>
+            </a:r>
+            <a:r>
+              <a:rPr lang="en-US" dirty="0" err="1"/>
+              <a:t>bản</a:t>
+            </a:r>
+            <a:r>
+              <a:rPr lang="en-US" dirty="0"/>
+              <a:t> </a:t>
+            </a:r>
+            <a:r>
+              <a:rPr lang="en-US" dirty="0" err="1"/>
+              <a:t>kiểm</a:t>
+            </a:r>
+            <a:r>
+              <a:rPr lang="en-US" dirty="0"/>
+              <a:t> </a:t>
+            </a:r>
+            <a:r>
+              <a:rPr lang="en-US" dirty="0" err="1"/>
+              <a:t>thử</a:t>
+            </a:r>
+            <a:r>
+              <a:rPr lang="en-US" dirty="0"/>
+              <a:t> </a:t>
+            </a:r>
+            <a:r>
+              <a:rPr lang="en-US" dirty="0" err="1"/>
+              <a:t>của</a:t>
+            </a:r>
+            <a:r>
+              <a:rPr lang="en-US" dirty="0"/>
+              <a:t> </a:t>
+            </a:r>
+            <a:r>
+              <a:rPr lang="en-US" dirty="0" err="1"/>
+              <a:t>các</a:t>
+            </a:r>
+            <a:r>
+              <a:rPr lang="en-US" dirty="0"/>
+              <a:t> </a:t>
+            </a:r>
+            <a:r>
+              <a:rPr lang="en-US" dirty="0" err="1"/>
+              <a:t>cn</a:t>
+            </a:r>
+            <a:r>
+              <a:rPr lang="en-US" dirty="0"/>
+              <a:t> </a:t>
+            </a:r>
+            <a:r>
+              <a:rPr lang="en-US" dirty="0" err="1"/>
+              <a:t>trên</a:t>
+            </a:r>
+            <a:r>
+              <a:rPr lang="en-US" dirty="0"/>
+              <a:t> </a:t>
+            </a:r>
+            <a:r>
+              <a:rPr lang="en-US" dirty="0" err="1"/>
+              <a:t>em</a:t>
+            </a:r>
+            <a:r>
+              <a:rPr lang="en-US" dirty="0"/>
+              <a:t> </a:t>
+            </a:r>
+            <a:r>
+              <a:rPr lang="en-US" dirty="0" err="1"/>
+              <a:t>đã</a:t>
+            </a:r>
+            <a:r>
+              <a:rPr lang="en-US" dirty="0"/>
+              <a:t> </a:t>
+            </a:r>
+            <a:r>
+              <a:rPr lang="en-US" dirty="0" err="1"/>
+              <a:t>có</a:t>
+            </a:r>
+            <a:r>
+              <a:rPr lang="en-US" dirty="0"/>
+              <a:t> </a:t>
+            </a:r>
+            <a:r>
+              <a:rPr lang="en-US" dirty="0" err="1"/>
+              <a:t>một</a:t>
+            </a:r>
+            <a:r>
+              <a:rPr lang="en-US" dirty="0"/>
+              <a:t> </a:t>
+            </a:r>
+            <a:r>
+              <a:rPr lang="en-US" dirty="0" err="1"/>
+              <a:t>bảng</a:t>
+            </a:r>
+            <a:r>
+              <a:rPr lang="en-US" dirty="0"/>
+              <a:t> </a:t>
+            </a:r>
+            <a:r>
+              <a:rPr lang="en-US" dirty="0" err="1"/>
+              <a:t>tổng</a:t>
+            </a:r>
+            <a:r>
+              <a:rPr lang="en-US" dirty="0"/>
+              <a:t> </a:t>
+            </a:r>
+            <a:r>
+              <a:rPr lang="en-US" dirty="0" err="1"/>
+              <a:t>kết</a:t>
+            </a:r>
+            <a:r>
+              <a:rPr lang="en-US" dirty="0"/>
+              <a:t> bao </a:t>
+            </a:r>
+            <a:r>
+              <a:rPr lang="en-US" dirty="0" err="1"/>
+              <a:t>gồm</a:t>
+            </a:r>
+            <a:r>
+              <a:rPr lang="en-US" dirty="0"/>
+              <a:t> </a:t>
+            </a:r>
+            <a:r>
+              <a:rPr lang="en-US" dirty="0" err="1"/>
+              <a:t>có</a:t>
+            </a:r>
+            <a:r>
+              <a:rPr lang="en-US" dirty="0"/>
+              <a:t> </a:t>
+            </a:r>
+            <a:endParaRPr dirty="0"/>
           </a:p>
         </p:txBody>
       </p:sp>
@@ -10294,6 +10323,70 @@
               <a:buSzPts val="1400"/>
               <a:buNone/>
             </a:pPr>
+            <a:r>
+              <a:rPr lang="en-US" dirty="0" err="1"/>
+              <a:t>Vì</a:t>
+            </a:r>
+            <a:r>
+              <a:rPr lang="en-US" dirty="0"/>
+              <a:t> </a:t>
+            </a:r>
+            <a:r>
+              <a:rPr lang="en-US" dirty="0" err="1"/>
+              <a:t>vậy</a:t>
+            </a:r>
+            <a:r>
+              <a:rPr lang="en-US" dirty="0"/>
+              <a:t>, </a:t>
+            </a:r>
+            <a:r>
+              <a:rPr lang="en-US" dirty="0" err="1"/>
+              <a:t>em</a:t>
+            </a:r>
+            <a:r>
+              <a:rPr lang="en-US" dirty="0"/>
+              <a:t> </a:t>
+            </a:r>
+            <a:r>
+              <a:rPr lang="en-US" dirty="0" err="1"/>
+              <a:t>đã</a:t>
+            </a:r>
+            <a:r>
+              <a:rPr lang="en-US" dirty="0"/>
+              <a:t> </a:t>
+            </a:r>
+            <a:r>
+              <a:rPr lang="en-US" dirty="0" err="1"/>
+              <a:t>lựa</a:t>
+            </a:r>
+            <a:r>
+              <a:rPr lang="en-US" dirty="0"/>
+              <a:t> </a:t>
+            </a:r>
+            <a:r>
+              <a:rPr lang="en-US" dirty="0" err="1"/>
+              <a:t>chọn</a:t>
+            </a:r>
+            <a:r>
+              <a:rPr lang="en-US" dirty="0"/>
+              <a:t> </a:t>
+            </a:r>
+            <a:r>
+              <a:rPr lang="en-US" dirty="0" err="1"/>
+              <a:t>đề</a:t>
+            </a:r>
+            <a:r>
+              <a:rPr lang="en-US" dirty="0"/>
+              <a:t> </a:t>
+            </a:r>
+            <a:r>
+              <a:rPr lang="en-US" dirty="0" err="1"/>
+              <a:t>tài</a:t>
+            </a:r>
+            <a:r>
+              <a:rPr lang="en-US" dirty="0"/>
+              <a:t> </a:t>
+            </a:r>
             <a:endParaRPr dirty="0"/>
           </a:p>
         </p:txBody>
@@ -10548,7 +10641,75 @@
               <a:buSzPts val="1400"/>
               <a:buNone/>
             </a:pPr>
-            <a:endParaRPr/>
+            <a:r>
+              <a:rPr lang="en-US" dirty="0" err="1"/>
+              <a:t>trước</a:t>
+            </a:r>
+            <a:r>
+              <a:rPr lang="en-US" dirty="0"/>
+              <a:t> </a:t>
+            </a:r>
+            <a:r>
+              <a:rPr lang="en-US" dirty="0" err="1"/>
+              <a:t>tiên</a:t>
+            </a:r>
+            <a:r>
+              <a:rPr lang="en-US" dirty="0"/>
+              <a:t> </a:t>
+            </a:r>
+            <a:r>
+              <a:rPr lang="en-US" dirty="0" err="1"/>
+              <a:t>em</a:t>
+            </a:r>
+            <a:r>
+              <a:rPr lang="en-US" dirty="0"/>
+              <a:t> </a:t>
+            </a:r>
+            <a:r>
+              <a:rPr lang="en-US" dirty="0" err="1"/>
+              <a:t>xin</a:t>
+            </a:r>
+            <a:r>
+              <a:rPr lang="en-US" dirty="0"/>
+              <a:t> </a:t>
+            </a:r>
+            <a:r>
+              <a:rPr lang="en-US" dirty="0" err="1"/>
+              <a:t>phép</a:t>
+            </a:r>
+            <a:r>
+              <a:rPr lang="en-US" dirty="0"/>
+              <a:t> </a:t>
+            </a:r>
+            <a:r>
+              <a:rPr lang="en-US" dirty="0" err="1"/>
+              <a:t>trình</a:t>
+            </a:r>
+            <a:r>
+              <a:rPr lang="en-US" dirty="0"/>
+              <a:t> </a:t>
+            </a:r>
+            <a:r>
+              <a:rPr lang="en-US" dirty="0" err="1"/>
+              <a:t>bày</a:t>
+            </a:r>
+            <a:r>
+              <a:rPr lang="en-US" dirty="0"/>
+              <a:t> </a:t>
+            </a:r>
+            <a:r>
+              <a:rPr lang="en-US" dirty="0" err="1"/>
+              <a:t>về</a:t>
+            </a:r>
+            <a:r>
+              <a:rPr lang="en-US" dirty="0"/>
+              <a:t> </a:t>
+            </a:r>
+            <a:r>
+              <a:rPr lang="en-US" dirty="0" err="1"/>
+              <a:t>kttd</a:t>
+            </a:r>
+            <a:endParaRPr dirty="0"/>
           </a:p>
         </p:txBody>
       </p:sp>
@@ -10675,7 +10836,858 @@
               <a:buSzPts val="1400"/>
               <a:buNone/>
             </a:pPr>
-            <a:endParaRPr/>
+            <a:r>
+              <a:rPr lang="en-US" dirty="0"/>
+              <a:t>-1 </a:t>
+            </a:r>
+            <a:r>
+              <a:rPr lang="en-US" dirty="0" err="1"/>
+              <a:t>ra</a:t>
+            </a:r>
+            <a:r>
+              <a:rPr lang="en-US" dirty="0"/>
+              <a:t> </a:t>
+            </a:r>
+            <a:r>
+              <a:rPr lang="en-US" dirty="0" err="1"/>
+              <a:t>tài</a:t>
+            </a:r>
+            <a:r>
+              <a:rPr lang="en-US" dirty="0"/>
+              <a:t> </a:t>
+            </a:r>
+            <a:r>
+              <a:rPr lang="en-US" dirty="0" err="1"/>
+              <a:t>liệu</a:t>
+            </a:r>
+            <a:r>
+              <a:rPr lang="en-US" dirty="0"/>
+              <a:t> </a:t>
+            </a:r>
+            <a:r>
+              <a:rPr lang="en-US" dirty="0" err="1"/>
+              <a:t>báo</a:t>
+            </a:r>
+            <a:r>
+              <a:rPr lang="en-US" dirty="0"/>
+              <a:t> </a:t>
+            </a:r>
+            <a:r>
+              <a:rPr lang="en-US" dirty="0" err="1"/>
+              <a:t>cáo</a:t>
+            </a:r>
+            <a:r>
+              <a:rPr lang="en-US" dirty="0"/>
+              <a:t>, </a:t>
+            </a:r>
+            <a:r>
+              <a:rPr lang="en-US" dirty="0" err="1"/>
+              <a:t>tính</a:t>
+            </a:r>
+            <a:r>
+              <a:rPr lang="en-US" dirty="0"/>
+              <a:t> </a:t>
+            </a:r>
+            <a:r>
+              <a:rPr lang="en-US" dirty="0" err="1"/>
+              <a:t>khả</a:t>
+            </a:r>
+            <a:r>
+              <a:rPr lang="en-US" dirty="0"/>
+              <a:t> </a:t>
+            </a:r>
+            <a:r>
+              <a:rPr lang="en-US" dirty="0" err="1"/>
+              <a:t>thi</a:t>
+            </a:r>
+            <a:r>
+              <a:rPr lang="en-US" dirty="0"/>
+              <a:t>, </a:t>
+            </a:r>
+            <a:r>
+              <a:rPr lang="en-US" dirty="0" err="1"/>
+              <a:t>phân</a:t>
+            </a:r>
+            <a:r>
+              <a:rPr lang="en-US" dirty="0"/>
+              <a:t> </a:t>
+            </a:r>
+            <a:r>
+              <a:rPr lang="en-US" dirty="0" err="1"/>
+              <a:t>tích</a:t>
+            </a:r>
+            <a:r>
+              <a:rPr lang="en-US" dirty="0"/>
+              <a:t> </a:t>
+            </a:r>
+            <a:r>
+              <a:rPr lang="en-US" dirty="0" err="1"/>
+              <a:t>rủi</a:t>
+            </a:r>
+            <a:r>
+              <a:rPr lang="en-US" dirty="0"/>
+              <a:t> </a:t>
+            </a:r>
+            <a:r>
+              <a:rPr lang="en-US" dirty="0" err="1"/>
+              <a:t>ro</a:t>
+            </a:r>
+            <a:r>
+              <a:rPr lang="en-US" dirty="0"/>
+              <a:t> </a:t>
+            </a:r>
+            <a:r>
+              <a:rPr lang="en-US" dirty="0" err="1"/>
+              <a:t>của</a:t>
+            </a:r>
+            <a:r>
+              <a:rPr lang="en-US" dirty="0"/>
+              <a:t> </a:t>
+            </a:r>
+            <a:r>
+              <a:rPr lang="en-US" dirty="0" err="1"/>
+              <a:t>quá</a:t>
+            </a:r>
+            <a:r>
+              <a:rPr lang="en-US" dirty="0"/>
+              <a:t> </a:t>
+            </a:r>
+            <a:r>
+              <a:rPr lang="en-US" dirty="0" err="1"/>
+              <a:t>trình</a:t>
+            </a:r>
+            <a:r>
+              <a:rPr lang="en-US" dirty="0"/>
+              <a:t> </a:t>
+            </a:r>
+            <a:r>
+              <a:rPr lang="en-US" dirty="0" err="1"/>
+              <a:t>ktpm</a:t>
+            </a:r>
+            <a:endParaRPr lang="en-US" dirty="0"/>
+          </a:p>
+          <a:p>
+            <a:pPr marL="0" lvl="0" indent="0" algn="l" rtl="0">
+              <a:lnSpc>
+                <a:spcPct val="100000"/>
+              </a:lnSpc>
+              <a:spcBef>
+                <a:spcPts val="0"/>
+              </a:spcBef>
+              <a:spcAft>
+                <a:spcPts val="0"/>
+              </a:spcAft>
+              <a:buSzPts val="1400"/>
+              <a:buNone/>
+            </a:pPr>
+            <a:r>
+              <a:rPr lang="en-US" dirty="0"/>
+              <a:t>2 </a:t>
+            </a:r>
+            <a:r>
+              <a:rPr lang="en-US" dirty="0" err="1"/>
+              <a:t>xd</a:t>
+            </a:r>
+            <a:r>
+              <a:rPr lang="en-US" dirty="0"/>
+              <a:t> </a:t>
+            </a:r>
+            <a:r>
+              <a:rPr lang="en-US" dirty="0" err="1"/>
+              <a:t>pvi</a:t>
+            </a:r>
+            <a:r>
+              <a:rPr lang="en-US" dirty="0"/>
+              <a:t> </a:t>
+            </a:r>
+            <a:r>
+              <a:rPr lang="en-US" dirty="0" err="1"/>
+              <a:t>của</a:t>
+            </a:r>
+            <a:r>
+              <a:rPr lang="en-US" dirty="0"/>
+              <a:t> </a:t>
+            </a:r>
+            <a:r>
+              <a:rPr lang="en-US" dirty="0" err="1"/>
+              <a:t>dự</a:t>
+            </a:r>
+            <a:r>
+              <a:rPr lang="en-US" dirty="0"/>
+              <a:t> </a:t>
+            </a:r>
+            <a:r>
+              <a:rPr lang="en-US" dirty="0" err="1"/>
+              <a:t>án</a:t>
+            </a:r>
+            <a:r>
+              <a:rPr lang="en-US" dirty="0"/>
+              <a:t>, </a:t>
+            </a:r>
+            <a:r>
+              <a:rPr lang="en-US" dirty="0" err="1"/>
+              <a:t>phương</a:t>
+            </a:r>
+            <a:r>
+              <a:rPr lang="en-US" dirty="0"/>
+              <a:t> </a:t>
+            </a:r>
+            <a:r>
+              <a:rPr lang="en-US" dirty="0" err="1"/>
+              <a:t>pháp</a:t>
+            </a:r>
+            <a:r>
+              <a:rPr lang="en-US" dirty="0"/>
+              <a:t> </a:t>
+            </a:r>
+            <a:r>
+              <a:rPr lang="en-US" dirty="0" err="1"/>
+              <a:t>tiếp</a:t>
+            </a:r>
+            <a:r>
+              <a:rPr lang="en-US" dirty="0"/>
+              <a:t> </a:t>
+            </a:r>
+            <a:r>
+              <a:rPr lang="en-US" dirty="0" err="1"/>
+              <a:t>cận</a:t>
+            </a:r>
+            <a:r>
+              <a:rPr lang="en-US" dirty="0"/>
+              <a:t>, </a:t>
+            </a:r>
+            <a:r>
+              <a:rPr lang="en-US" dirty="0" err="1"/>
+              <a:t>nguồn</a:t>
+            </a:r>
+            <a:r>
+              <a:rPr lang="en-US" dirty="0"/>
+              <a:t> </a:t>
+            </a:r>
+            <a:r>
+              <a:rPr lang="en-US" dirty="0" err="1"/>
+              <a:t>lực</a:t>
+            </a:r>
+            <a:r>
+              <a:rPr lang="en-US" dirty="0"/>
+              <a:t> </a:t>
+            </a:r>
+            <a:r>
+              <a:rPr lang="en-US" dirty="0" err="1"/>
+              <a:t>dự</a:t>
+            </a:r>
+            <a:r>
+              <a:rPr lang="en-US" dirty="0"/>
+              <a:t> </a:t>
+            </a:r>
+            <a:r>
+              <a:rPr lang="en-US" dirty="0" err="1"/>
+              <a:t>án</a:t>
+            </a:r>
+            <a:r>
+              <a:rPr lang="en-US" dirty="0"/>
+              <a:t>, </a:t>
+            </a:r>
+            <a:r>
+              <a:rPr lang="en-US" dirty="0" err="1"/>
+              <a:t>lập</a:t>
+            </a:r>
+            <a:r>
+              <a:rPr lang="en-US" dirty="0"/>
+              <a:t> </a:t>
+            </a:r>
+            <a:r>
+              <a:rPr lang="en-US" dirty="0" err="1"/>
+              <a:t>kế</a:t>
+            </a:r>
+            <a:r>
+              <a:rPr lang="en-US" dirty="0"/>
+              <a:t> </a:t>
+            </a:r>
+            <a:r>
+              <a:rPr lang="en-US" dirty="0" err="1"/>
+              <a:t>hoạch</a:t>
+            </a:r>
+            <a:r>
+              <a:rPr lang="en-US" dirty="0"/>
+              <a:t> </a:t>
+            </a:r>
+            <a:r>
+              <a:rPr lang="en-US" dirty="0" err="1"/>
+              <a:t>thiết</a:t>
+            </a:r>
+            <a:r>
+              <a:rPr lang="en-US" dirty="0"/>
+              <a:t> </a:t>
+            </a:r>
+            <a:r>
+              <a:rPr lang="en-US" dirty="0" err="1"/>
+              <a:t>kế</a:t>
+            </a:r>
+            <a:r>
+              <a:rPr lang="en-US" dirty="0"/>
+              <a:t> </a:t>
+            </a:r>
+            <a:r>
+              <a:rPr lang="en-US" dirty="0" err="1"/>
+              <a:t>công</a:t>
+            </a:r>
+            <a:r>
+              <a:rPr lang="en-US" dirty="0"/>
+              <a:t> </a:t>
+            </a:r>
+            <a:r>
+              <a:rPr lang="en-US" dirty="0" err="1"/>
+              <a:t>việc</a:t>
+            </a:r>
+            <a:r>
+              <a:rPr lang="en-US" dirty="0"/>
+              <a:t> </a:t>
+            </a:r>
+            <a:r>
+              <a:rPr lang="en-US" dirty="0" err="1"/>
+              <a:t>kiểm</a:t>
+            </a:r>
+            <a:r>
+              <a:rPr lang="en-US" dirty="0"/>
+              <a:t> </a:t>
+            </a:r>
+            <a:r>
+              <a:rPr lang="en-US" dirty="0" err="1"/>
+              <a:t>thử</a:t>
+            </a:r>
+            <a:endParaRPr lang="en-US" dirty="0"/>
+          </a:p>
+          <a:p>
+            <a:pPr marL="0" lvl="0" indent="0" algn="l" rtl="0">
+              <a:lnSpc>
+                <a:spcPct val="100000"/>
+              </a:lnSpc>
+              <a:spcBef>
+                <a:spcPts val="0"/>
+              </a:spcBef>
+              <a:spcAft>
+                <a:spcPts val="0"/>
+              </a:spcAft>
+              <a:buSzPts val="1400"/>
+              <a:buNone/>
+            </a:pPr>
+            <a:r>
+              <a:rPr lang="en-US" dirty="0"/>
+              <a:t>3 </a:t>
+            </a:r>
+            <a:r>
+              <a:rPr lang="en-US" dirty="0" err="1"/>
+              <a:t>viết</a:t>
+            </a:r>
+            <a:r>
+              <a:rPr lang="en-US" dirty="0"/>
+              <a:t> </a:t>
+            </a:r>
+            <a:r>
+              <a:rPr lang="en-US" dirty="0" err="1"/>
+              <a:t>các</a:t>
+            </a:r>
+            <a:r>
+              <a:rPr lang="en-US" dirty="0"/>
+              <a:t> test case, </a:t>
+            </a:r>
+            <a:r>
+              <a:rPr lang="en-US" dirty="0" err="1"/>
+              <a:t>chuẩn</a:t>
+            </a:r>
+            <a:r>
+              <a:rPr lang="en-US" dirty="0"/>
+              <a:t> </a:t>
+            </a:r>
+            <a:r>
+              <a:rPr lang="en-US" dirty="0" err="1"/>
+              <a:t>bị</a:t>
+            </a:r>
+            <a:r>
+              <a:rPr lang="en-US" dirty="0"/>
+              <a:t> </a:t>
+            </a:r>
+            <a:r>
+              <a:rPr lang="en-US" dirty="0" err="1"/>
+              <a:t>dữ</a:t>
+            </a:r>
+            <a:r>
+              <a:rPr lang="en-US" dirty="0"/>
+              <a:t> </a:t>
+            </a:r>
+            <a:r>
+              <a:rPr lang="en-US" dirty="0" err="1"/>
+              <a:t>liệu</a:t>
+            </a:r>
+            <a:r>
+              <a:rPr lang="en-US" dirty="0"/>
+              <a:t> </a:t>
+            </a:r>
+            <a:r>
+              <a:rPr lang="en-US" dirty="0" err="1"/>
+              <a:t>kiểm</a:t>
+            </a:r>
+            <a:r>
+              <a:rPr lang="en-US" dirty="0"/>
+              <a:t> </a:t>
+            </a:r>
+            <a:r>
+              <a:rPr lang="en-US" dirty="0" err="1"/>
+              <a:t>thử</a:t>
+            </a:r>
+            <a:endParaRPr lang="en-US" dirty="0"/>
+          </a:p>
+          <a:p>
+            <a:pPr marL="0" lvl="0" indent="0" algn="l" rtl="0">
+              <a:lnSpc>
+                <a:spcPct val="100000"/>
+              </a:lnSpc>
+              <a:spcBef>
+                <a:spcPts val="0"/>
+              </a:spcBef>
+              <a:spcAft>
+                <a:spcPts val="0"/>
+              </a:spcAft>
+              <a:buSzPts val="1400"/>
+              <a:buNone/>
+            </a:pPr>
+            <a:r>
+              <a:rPr lang="en-US" dirty="0"/>
+              <a:t>4 </a:t>
+            </a:r>
+            <a:r>
+              <a:rPr lang="en-US" dirty="0" err="1"/>
+              <a:t>kiểm</a:t>
+            </a:r>
+            <a:r>
+              <a:rPr lang="en-US" dirty="0"/>
+              <a:t> </a:t>
+            </a:r>
+            <a:r>
+              <a:rPr lang="en-US" dirty="0" err="1"/>
+              <a:t>tra</a:t>
+            </a:r>
+            <a:r>
+              <a:rPr lang="en-US" dirty="0"/>
+              <a:t> </a:t>
+            </a:r>
+            <a:r>
+              <a:rPr lang="en-US" dirty="0" err="1"/>
+              <a:t>môi</a:t>
+            </a:r>
+            <a:r>
+              <a:rPr lang="en-US" dirty="0"/>
+              <a:t> </a:t>
+            </a:r>
+            <a:r>
+              <a:rPr lang="en-US" dirty="0" err="1"/>
+              <a:t>trường</a:t>
+            </a:r>
+            <a:r>
+              <a:rPr lang="en-US" dirty="0"/>
+              <a:t> </a:t>
+            </a:r>
+            <a:r>
+              <a:rPr lang="en-US" dirty="0" err="1"/>
+              <a:t>kiểm</a:t>
+            </a:r>
+            <a:r>
+              <a:rPr lang="en-US" dirty="0"/>
+              <a:t> </a:t>
+            </a:r>
+            <a:r>
+              <a:rPr lang="en-US" dirty="0" err="1"/>
+              <a:t>thử</a:t>
+            </a:r>
+            <a:r>
+              <a:rPr lang="en-US" dirty="0"/>
+              <a:t> </a:t>
+            </a:r>
+            <a:r>
+              <a:rPr lang="en-US" dirty="0" err="1"/>
+              <a:t>bằng</a:t>
+            </a:r>
+            <a:r>
+              <a:rPr lang="en-US" dirty="0"/>
+              <a:t> </a:t>
+            </a:r>
+            <a:r>
+              <a:rPr lang="en-US" dirty="0" err="1"/>
+              <a:t>các</a:t>
+            </a:r>
+            <a:r>
+              <a:rPr lang="en-US" dirty="0"/>
+              <a:t> smoke test</a:t>
+            </a:r>
+          </a:p>
+          <a:p>
+            <a:pPr marL="0" lvl="0" indent="0" algn="l" rtl="0">
+              <a:lnSpc>
+                <a:spcPct val="100000"/>
+              </a:lnSpc>
+              <a:spcBef>
+                <a:spcPts val="0"/>
+              </a:spcBef>
+              <a:spcAft>
+                <a:spcPts val="0"/>
+              </a:spcAft>
+              <a:buSzPts val="1400"/>
+              <a:buNone/>
+            </a:pPr>
+            <a:r>
+              <a:rPr lang="en-US" dirty="0"/>
+              <a:t>5 so </a:t>
+            </a:r>
+            <a:r>
+              <a:rPr lang="en-US" dirty="0" err="1"/>
+              <a:t>sánh</a:t>
+            </a:r>
+            <a:r>
+              <a:rPr lang="en-US" dirty="0"/>
+              <a:t> </a:t>
+            </a:r>
+            <a:r>
+              <a:rPr lang="en-US" dirty="0" err="1"/>
+              <a:t>kết</a:t>
+            </a:r>
+            <a:r>
+              <a:rPr lang="en-US" dirty="0"/>
+              <a:t> </a:t>
+            </a:r>
+            <a:r>
+              <a:rPr lang="en-US" dirty="0" err="1"/>
+              <a:t>quả</a:t>
+            </a:r>
+            <a:r>
+              <a:rPr lang="en-US" dirty="0"/>
+              <a:t>, </a:t>
+            </a:r>
+            <a:r>
+              <a:rPr lang="en-US" dirty="0" err="1"/>
+              <a:t>thực</a:t>
+            </a:r>
+            <a:r>
+              <a:rPr lang="en-US" dirty="0"/>
+              <a:t> </a:t>
+            </a:r>
+            <a:r>
+              <a:rPr lang="en-US" dirty="0" err="1"/>
+              <a:t>hiện</a:t>
+            </a:r>
+            <a:r>
+              <a:rPr lang="en-US" dirty="0"/>
+              <a:t> re-test, regression test, </a:t>
+            </a:r>
+            <a:r>
+              <a:rPr lang="en-US" dirty="0" err="1"/>
+              <a:t>điều</a:t>
+            </a:r>
+            <a:r>
+              <a:rPr lang="en-US" dirty="0"/>
+              <a:t> </a:t>
+            </a:r>
+            <a:r>
+              <a:rPr lang="en-US" dirty="0" err="1"/>
+              <a:t>chỉnh</a:t>
+            </a:r>
+            <a:r>
+              <a:rPr lang="en-US" dirty="0"/>
+              <a:t> </a:t>
+            </a:r>
+            <a:r>
+              <a:rPr lang="en-US" dirty="0" err="1"/>
+              <a:t>kế</a:t>
+            </a:r>
+            <a:r>
+              <a:rPr lang="en-US" dirty="0"/>
+              <a:t> </a:t>
+            </a:r>
+            <a:r>
+              <a:rPr lang="en-US" dirty="0" err="1"/>
+              <a:t>hoạch</a:t>
+            </a:r>
+            <a:r>
+              <a:rPr lang="en-US" dirty="0"/>
+              <a:t> so </a:t>
+            </a:r>
+            <a:r>
+              <a:rPr lang="en-US" dirty="0" err="1"/>
+              <a:t>với</a:t>
+            </a:r>
+            <a:r>
+              <a:rPr lang="en-US" dirty="0"/>
+              <a:t> </a:t>
+            </a:r>
+            <a:r>
+              <a:rPr lang="en-US" dirty="0" err="1"/>
+              <a:t>tình</a:t>
+            </a:r>
+            <a:r>
+              <a:rPr lang="en-US" dirty="0"/>
+              <a:t> </a:t>
+            </a:r>
+            <a:r>
+              <a:rPr lang="en-US" dirty="0" err="1"/>
+              <a:t>hình</a:t>
+            </a:r>
+            <a:r>
+              <a:rPr lang="en-US" dirty="0"/>
+              <a:t> </a:t>
+            </a:r>
+            <a:r>
+              <a:rPr lang="en-US" dirty="0" err="1"/>
+              <a:t>thực</a:t>
+            </a:r>
+            <a:r>
+              <a:rPr lang="en-US" dirty="0"/>
+              <a:t> </a:t>
+            </a:r>
+            <a:r>
+              <a:rPr lang="en-US" dirty="0" err="1"/>
+              <a:t>tế</a:t>
+            </a:r>
+            <a:r>
+              <a:rPr lang="en-US" dirty="0"/>
+              <a:t>, </a:t>
+            </a:r>
+            <a:r>
+              <a:rPr lang="en-US" dirty="0" err="1"/>
+              <a:t>bác</a:t>
+            </a:r>
+            <a:r>
+              <a:rPr lang="en-US" dirty="0"/>
+              <a:t> </a:t>
+            </a:r>
+            <a:r>
+              <a:rPr lang="en-US" dirty="0" err="1"/>
+              <a:t>cáo</a:t>
+            </a:r>
+            <a:r>
+              <a:rPr lang="en-US" dirty="0"/>
+              <a:t> </a:t>
+            </a:r>
+            <a:r>
+              <a:rPr lang="en-US" dirty="0" err="1"/>
+              <a:t>thường</a:t>
+            </a:r>
+            <a:r>
+              <a:rPr lang="en-US" dirty="0"/>
+              <a:t> </a:t>
+            </a:r>
+            <a:r>
+              <a:rPr lang="en-US" dirty="0" err="1"/>
+              <a:t>xuyên</a:t>
+            </a:r>
+            <a:r>
+              <a:rPr lang="en-US" dirty="0"/>
+              <a:t> </a:t>
+            </a:r>
+            <a:r>
+              <a:rPr lang="en-US" dirty="0" err="1"/>
+              <a:t>cho</a:t>
+            </a:r>
+            <a:r>
+              <a:rPr lang="en-US" dirty="0"/>
+              <a:t> </a:t>
+            </a:r>
+            <a:r>
+              <a:rPr lang="en-US" dirty="0" err="1"/>
+              <a:t>quản</a:t>
+            </a:r>
+            <a:r>
+              <a:rPr lang="en-US" dirty="0"/>
+              <a:t> </a:t>
+            </a:r>
+            <a:r>
+              <a:rPr lang="en-US" dirty="0" err="1"/>
+              <a:t>lí</a:t>
+            </a:r>
+            <a:r>
+              <a:rPr lang="en-US" dirty="0"/>
+              <a:t> </a:t>
+            </a:r>
+            <a:r>
+              <a:rPr lang="en-US" dirty="0" err="1"/>
+              <a:t>và</a:t>
+            </a:r>
+            <a:r>
+              <a:rPr lang="en-US" dirty="0"/>
+              <a:t> </a:t>
+            </a:r>
+            <a:r>
+              <a:rPr lang="en-US" dirty="0" err="1"/>
+              <a:t>khách</a:t>
+            </a:r>
+            <a:r>
+              <a:rPr lang="en-US" dirty="0"/>
+              <a:t> </a:t>
+            </a:r>
+            <a:r>
+              <a:rPr lang="en-US" dirty="0" err="1"/>
+              <a:t>hàng</a:t>
+            </a:r>
+            <a:r>
+              <a:rPr lang="en-US" dirty="0"/>
+              <a:t> </a:t>
+            </a:r>
+            <a:r>
+              <a:rPr lang="en-US" dirty="0" err="1"/>
+              <a:t>tính</a:t>
+            </a:r>
+            <a:r>
+              <a:rPr lang="en-US" dirty="0"/>
+              <a:t> </a:t>
+            </a:r>
+            <a:r>
+              <a:rPr lang="en-US" dirty="0" err="1"/>
+              <a:t>tình</a:t>
+            </a:r>
+            <a:r>
+              <a:rPr lang="en-US" dirty="0"/>
+              <a:t> </a:t>
+            </a:r>
+            <a:r>
+              <a:rPr lang="en-US" dirty="0" err="1"/>
+              <a:t>thực</a:t>
+            </a:r>
+            <a:r>
+              <a:rPr lang="en-US" dirty="0"/>
+              <a:t> </a:t>
+            </a:r>
+            <a:r>
+              <a:rPr lang="en-US" dirty="0" err="1"/>
+              <a:t>tế</a:t>
+            </a:r>
+            <a:endParaRPr lang="en-US" dirty="0"/>
+          </a:p>
+          <a:p>
+            <a:pPr marL="0" lvl="0" indent="0" algn="l" rtl="0">
+              <a:lnSpc>
+                <a:spcPct val="100000"/>
+              </a:lnSpc>
+              <a:spcBef>
+                <a:spcPts val="0"/>
+              </a:spcBef>
+              <a:spcAft>
+                <a:spcPts val="0"/>
+              </a:spcAft>
+              <a:buSzPts val="1400"/>
+              <a:buNone/>
+            </a:pPr>
+            <a:r>
+              <a:rPr lang="en-US" dirty="0"/>
+              <a:t>6 </a:t>
+            </a:r>
+            <a:r>
+              <a:rPr lang="en-US" dirty="0" err="1"/>
+              <a:t>tổng</a:t>
+            </a:r>
+            <a:r>
+              <a:rPr lang="en-US" dirty="0"/>
+              <a:t> </a:t>
+            </a:r>
+            <a:r>
+              <a:rPr lang="en-US" dirty="0" err="1"/>
+              <a:t>kết</a:t>
+            </a:r>
+            <a:r>
+              <a:rPr lang="en-US" dirty="0"/>
+              <a:t> </a:t>
+            </a:r>
+            <a:r>
+              <a:rPr lang="en-US" dirty="0" err="1"/>
+              <a:t>báo</a:t>
+            </a:r>
+            <a:r>
+              <a:rPr lang="en-US" dirty="0"/>
+              <a:t> </a:t>
+            </a:r>
+            <a:r>
+              <a:rPr lang="en-US" dirty="0" err="1"/>
+              <a:t>cáo</a:t>
+            </a:r>
+            <a:r>
+              <a:rPr lang="en-US" dirty="0"/>
+              <a:t> , </a:t>
+            </a:r>
+            <a:r>
+              <a:rPr lang="en-US" dirty="0" err="1"/>
+              <a:t>đánh</a:t>
+            </a:r>
+            <a:r>
+              <a:rPr lang="en-US" dirty="0"/>
+              <a:t> </a:t>
+            </a:r>
+            <a:r>
+              <a:rPr lang="en-US" dirty="0" err="1"/>
+              <a:t>giá</a:t>
+            </a:r>
+            <a:r>
+              <a:rPr lang="en-US" dirty="0"/>
+              <a:t> </a:t>
+            </a:r>
+            <a:r>
+              <a:rPr lang="en-US" dirty="0" err="1"/>
+              <a:t>các</a:t>
+            </a:r>
+            <a:r>
+              <a:rPr lang="en-US" dirty="0"/>
+              <a:t> </a:t>
+            </a:r>
+            <a:r>
+              <a:rPr lang="en-US" dirty="0" err="1"/>
+              <a:t>tiêu</a:t>
+            </a:r>
+            <a:r>
+              <a:rPr lang="en-US" dirty="0"/>
+              <a:t> </a:t>
+            </a:r>
+            <a:r>
+              <a:rPr lang="en-US" dirty="0" err="1"/>
+              <a:t>chí</a:t>
+            </a:r>
+            <a:r>
+              <a:rPr lang="en-US" dirty="0"/>
+              <a:t> </a:t>
+            </a:r>
+            <a:r>
+              <a:rPr lang="en-US" dirty="0" err="1"/>
+              <a:t>và</a:t>
+            </a:r>
+            <a:r>
+              <a:rPr lang="en-US" dirty="0"/>
+              <a:t> </a:t>
+            </a:r>
+            <a:r>
+              <a:rPr lang="en-US" dirty="0" err="1"/>
+              <a:t>rút</a:t>
+            </a:r>
+            <a:r>
+              <a:rPr lang="en-US" dirty="0"/>
+              <a:t> </a:t>
+            </a:r>
+            <a:r>
+              <a:rPr lang="en-US" dirty="0" err="1"/>
+              <a:t>ra</a:t>
+            </a:r>
+            <a:r>
+              <a:rPr lang="en-US" dirty="0"/>
+              <a:t> </a:t>
+            </a:r>
+            <a:r>
+              <a:rPr lang="en-US" dirty="0" err="1"/>
+              <a:t>bài</a:t>
+            </a:r>
+            <a:r>
+              <a:rPr lang="en-US" dirty="0"/>
+              <a:t> </a:t>
+            </a:r>
+            <a:r>
+              <a:rPr lang="en-US" dirty="0" err="1"/>
+              <a:t>học</a:t>
+            </a:r>
+            <a:endParaRPr dirty="0"/>
           </a:p>
         </p:txBody>
       </p:sp>
@@ -10802,7 +11814,7 @@
               <a:buSzPts val="1400"/>
               <a:buNone/>
             </a:pPr>
-            <a:endParaRPr/>
+            <a:endParaRPr dirty="0"/>
           </a:p>
         </p:txBody>
       </p:sp>
@@ -11056,7 +12068,235 @@
               <a:buSzPts val="1400"/>
               <a:buNone/>
             </a:pPr>
-            <a:endParaRPr/>
+            <a:r>
+              <a:rPr lang="en-US" dirty="0" err="1"/>
+              <a:t>Để</a:t>
+            </a:r>
+            <a:r>
+              <a:rPr lang="en-US" dirty="0"/>
+              <a:t> </a:t>
+            </a:r>
+            <a:r>
+              <a:rPr lang="en-US" dirty="0" err="1"/>
+              <a:t>nghiên</a:t>
+            </a:r>
+            <a:r>
+              <a:rPr lang="en-US" dirty="0"/>
+              <a:t> </a:t>
+            </a:r>
+            <a:r>
+              <a:rPr lang="en-US" dirty="0" err="1"/>
+              <a:t>cứu</a:t>
+            </a:r>
+            <a:r>
+              <a:rPr lang="en-US" dirty="0"/>
+              <a:t> </a:t>
+            </a:r>
+            <a:r>
+              <a:rPr lang="en-US" dirty="0" err="1"/>
+              <a:t>sâu</a:t>
+            </a:r>
+            <a:r>
+              <a:rPr lang="en-US" dirty="0"/>
+              <a:t> </a:t>
+            </a:r>
+            <a:r>
+              <a:rPr lang="en-US" dirty="0" err="1"/>
+              <a:t>hơn</a:t>
+            </a:r>
+            <a:r>
+              <a:rPr lang="en-US" dirty="0"/>
+              <a:t> </a:t>
+            </a:r>
+            <a:r>
+              <a:rPr lang="en-US" dirty="0" err="1"/>
+              <a:t>về</a:t>
+            </a:r>
+            <a:r>
+              <a:rPr lang="en-US" dirty="0"/>
+              <a:t> </a:t>
+            </a:r>
+            <a:r>
+              <a:rPr lang="en-US" dirty="0" err="1"/>
+              <a:t>Katalon</a:t>
+            </a:r>
+            <a:r>
+              <a:rPr lang="en-US" dirty="0"/>
+              <a:t>, </a:t>
+            </a:r>
+            <a:r>
+              <a:rPr lang="en-US" dirty="0" err="1"/>
+              <a:t>em</a:t>
+            </a:r>
+            <a:r>
+              <a:rPr lang="en-US" dirty="0"/>
+              <a:t> </a:t>
+            </a:r>
+            <a:r>
+              <a:rPr lang="en-US" dirty="0" err="1"/>
+              <a:t>đã</a:t>
+            </a:r>
+            <a:r>
+              <a:rPr lang="en-US" dirty="0"/>
+              <a:t> </a:t>
+            </a:r>
+            <a:r>
+              <a:rPr lang="en-US" dirty="0" err="1"/>
+              <a:t>thực</a:t>
+            </a:r>
+            <a:r>
+              <a:rPr lang="en-US" dirty="0"/>
+              <a:t> </a:t>
+            </a:r>
+            <a:r>
+              <a:rPr lang="en-US" dirty="0" err="1"/>
+              <a:t>hiện</a:t>
+            </a:r>
+            <a:r>
+              <a:rPr lang="en-US" dirty="0"/>
+              <a:t> </a:t>
+            </a:r>
+            <a:r>
+              <a:rPr lang="en-US" dirty="0" err="1"/>
+              <a:t>các</a:t>
+            </a:r>
+            <a:r>
+              <a:rPr lang="en-US" dirty="0"/>
+              <a:t> </a:t>
+            </a:r>
+            <a:r>
+              <a:rPr lang="en-US" dirty="0" err="1"/>
+              <a:t>kịch</a:t>
+            </a:r>
+            <a:r>
+              <a:rPr lang="en-US" dirty="0"/>
+              <a:t> </a:t>
+            </a:r>
+            <a:r>
+              <a:rPr lang="en-US" dirty="0" err="1"/>
+              <a:t>bản</a:t>
+            </a:r>
+            <a:r>
+              <a:rPr lang="en-US" dirty="0"/>
+              <a:t> </a:t>
+            </a:r>
+            <a:r>
+              <a:rPr lang="en-US" dirty="0" err="1"/>
+              <a:t>kiểm</a:t>
+            </a:r>
+            <a:r>
+              <a:rPr lang="en-US" dirty="0"/>
+              <a:t> </a:t>
+            </a:r>
+            <a:r>
+              <a:rPr lang="en-US" dirty="0" err="1"/>
+              <a:t>thử</a:t>
+            </a:r>
+            <a:r>
+              <a:rPr lang="en-US" dirty="0"/>
+              <a:t> </a:t>
+            </a:r>
+            <a:r>
+              <a:rPr lang="en-US" dirty="0" err="1"/>
+              <a:t>trên</a:t>
+            </a:r>
+            <a:r>
+              <a:rPr lang="en-US" dirty="0"/>
+              <a:t> </a:t>
+            </a:r>
+            <a:r>
+              <a:rPr lang="en-US" dirty="0" err="1"/>
+              <a:t>trang</a:t>
+            </a:r>
+            <a:r>
+              <a:rPr lang="en-US" dirty="0"/>
+              <a:t> web </a:t>
+            </a:r>
+            <a:r>
+              <a:rPr lang="en-US" dirty="0" err="1"/>
+              <a:t>nopCommerce</a:t>
+            </a:r>
+            <a:r>
+              <a:rPr lang="en-US" dirty="0"/>
+              <a:t>. </a:t>
+            </a:r>
+            <a:r>
+              <a:rPr lang="en-US" dirty="0" err="1"/>
+              <a:t>đây</a:t>
+            </a:r>
+            <a:r>
+              <a:rPr lang="en-US" dirty="0"/>
+              <a:t> </a:t>
+            </a:r>
+            <a:r>
+              <a:rPr lang="en-US" dirty="0" err="1"/>
+              <a:t>là</a:t>
+            </a:r>
+            <a:r>
+              <a:rPr lang="en-US" dirty="0"/>
+              <a:t> 1 </a:t>
+            </a:r>
+            <a:r>
+              <a:rPr lang="en-US" dirty="0" err="1"/>
+              <a:t>trang</a:t>
+            </a:r>
+            <a:r>
+              <a:rPr lang="en-US" dirty="0"/>
+              <a:t> web </a:t>
+            </a:r>
+            <a:r>
+              <a:rPr lang="en-US" dirty="0" err="1"/>
+              <a:t>bán</a:t>
+            </a:r>
+            <a:r>
+              <a:rPr lang="en-US" dirty="0"/>
+              <a:t> </a:t>
+            </a:r>
+            <a:r>
+              <a:rPr lang="en-US" dirty="0" err="1"/>
+              <a:t>hàng</a:t>
+            </a:r>
+            <a:r>
+              <a:rPr lang="en-US" dirty="0"/>
+              <a:t> </a:t>
+            </a:r>
+            <a:r>
+              <a:rPr lang="en-US" dirty="0" err="1"/>
+              <a:t>trực</a:t>
+            </a:r>
+            <a:r>
+              <a:rPr lang="en-US" dirty="0"/>
+              <a:t> </a:t>
+            </a:r>
+            <a:r>
+              <a:rPr lang="en-US" dirty="0" err="1"/>
+              <a:t>tuyến</a:t>
+            </a:r>
+            <a:r>
+              <a:rPr lang="en-US" dirty="0"/>
+              <a:t> </a:t>
+            </a:r>
+            <a:r>
+              <a:rPr lang="en-US" dirty="0" err="1"/>
+              <a:t>có</a:t>
+            </a:r>
+            <a:r>
+              <a:rPr lang="en-US" dirty="0"/>
+              <a:t> </a:t>
+            </a:r>
+            <a:r>
+              <a:rPr lang="en-US" dirty="0" err="1"/>
+              <a:t>các</a:t>
+            </a:r>
+            <a:r>
+              <a:rPr lang="en-US" dirty="0"/>
+              <a:t> </a:t>
+            </a:r>
+            <a:r>
+              <a:rPr lang="en-US" dirty="0" err="1"/>
+              <a:t>cn</a:t>
+            </a:r>
+            <a:endParaRPr dirty="0"/>
           </a:p>
         </p:txBody>
       </p:sp>
@@ -11411,10 +12651,9 @@
               <a:t>‹#›</a:t>
             </a:fld>
             <a:r>
-              <a:rPr lang="en-US" dirty="0" smtClean="0"/>
+              <a:rPr lang="en-US" dirty="0"/>
               <a:t>/17</a:t>
             </a:r>
-            <a:endParaRPr lang="en-US" dirty="0"/>
           </a:p>
         </p:txBody>
       </p:sp>
@@ -11423,13 +12662,6 @@
   <p:clrMapOvr>
     <a:masterClrMapping/>
   </p:clrMapOvr>
-  <p:timing>
-    <p:tnLst>
-      <p:par>
-        <p:cTn id="1" dur="indefinite" restart="never" nodeType="tmRoot"/>
-      </p:par>
-    </p:tnLst>
-  </p:timing>
 </p:sldLayout>
 </file>
 
@@ -12501,13 +13733,6 @@
   <p:clrMapOvr>
     <a:masterClrMapping/>
   </p:clrMapOvr>
-  <p:timing>
-    <p:tnLst>
-      <p:par>
-        <p:cTn id="1" dur="indefinite" restart="never" nodeType="tmRoot"/>
-      </p:par>
-    </p:tnLst>
-  </p:timing>
 </p:sldLayout>
 </file>
 
@@ -15096,7 +16321,7 @@
               <a:buNone/>
             </a:pPr>
             <a:r>
-              <a:rPr lang="vi-VN" sz="2800" b="1" i="0" u="none" strike="noStrike" cap="none" dirty="0" smtClean="0">
+              <a:rPr lang="vi-VN" sz="2800" b="1" i="0" u="none" strike="noStrike" cap="none" dirty="0">
                 <a:solidFill>
                   <a:schemeClr val="lt1"/>
                 </a:solidFill>
@@ -15108,7 +16333,7 @@
               <a:t>BÁO CÁO </a:t>
             </a:r>
             <a:r>
-              <a:rPr lang="en-US" sz="2800" b="1" i="0" u="none" strike="noStrike" cap="none" dirty="0" smtClean="0">
+              <a:rPr lang="en-US" sz="2800" b="1" i="0" u="none" strike="noStrike" cap="none" dirty="0">
                 <a:solidFill>
                   <a:schemeClr val="lt1"/>
                 </a:solidFill>
@@ -15164,7 +16389,7 @@
               <a:t>GV</a:t>
             </a:r>
             <a:r>
-              <a:rPr lang="en-US" sz="2800" b="0" i="0" u="none" strike="noStrike" cap="none" dirty="0" smtClean="0">
+              <a:rPr lang="en-US" sz="2800" b="0" i="0" u="none" strike="noStrike" cap="none" dirty="0">
                 <a:solidFill>
                   <a:schemeClr val="bg1"/>
                 </a:solidFill>
@@ -15185,19 +16410,7 @@
                 <a:cs typeface="Times New Roman"/>
                 <a:sym typeface="Times New Roman"/>
               </a:rPr>
-              <a:t>ThS. Trần Phương </a:t>
-            </a:r>
-            <a:r>
-              <a:rPr lang="vi-VN" sz="2800" dirty="0" smtClean="0">
-                <a:solidFill>
-                  <a:schemeClr val="bg1"/>
-                </a:solidFill>
-                <a:latin typeface="Times New Roman"/>
-                <a:ea typeface="Times New Roman"/>
-                <a:cs typeface="Times New Roman"/>
-                <a:sym typeface="Times New Roman"/>
-              </a:rPr>
-              <a:t>Nhung</a:t>
+              <a:t>ThS. Trần Phương Nhung</a:t>
             </a:r>
           </a:p>
           <a:p>
@@ -15219,7 +16432,7 @@
               <a:buNone/>
             </a:pPr>
             <a:r>
-              <a:rPr lang="en-US" sz="2800" dirty="0" err="1" smtClean="0">
+              <a:rPr lang="en-US" sz="2800" dirty="0" err="1">
                 <a:solidFill>
                   <a:schemeClr val="bg1"/>
                 </a:solidFill>
@@ -15231,7 +16444,7 @@
               <a:t>Sinh</a:t>
             </a:r>
             <a:r>
-              <a:rPr lang="en-US" sz="2800" dirty="0" smtClean="0">
+              <a:rPr lang="en-US" sz="2800" dirty="0">
                 <a:solidFill>
                   <a:schemeClr val="bg1"/>
                 </a:solidFill>
@@ -15243,7 +16456,7 @@
               <a:t> </a:t>
             </a:r>
             <a:r>
-              <a:rPr lang="en-US" sz="2800" dirty="0" err="1" smtClean="0">
+              <a:rPr lang="en-US" sz="2800" dirty="0" err="1">
                 <a:solidFill>
                   <a:schemeClr val="bg1"/>
                 </a:solidFill>
@@ -15255,7 +16468,7 @@
               <a:t>viên</a:t>
             </a:r>
             <a:r>
-              <a:rPr lang="en-US" sz="2800" dirty="0" smtClean="0">
+              <a:rPr lang="en-US" sz="2800" dirty="0">
                 <a:solidFill>
                   <a:schemeClr val="bg1"/>
                 </a:solidFill>
@@ -15267,7 +16480,7 @@
               <a:t>:</a:t>
             </a:r>
             <a:r>
-              <a:rPr lang="vi-VN" sz="2800" dirty="0" smtClean="0">
+              <a:rPr lang="vi-VN" sz="2800" dirty="0">
                 <a:solidFill>
                   <a:schemeClr val="bg1"/>
                 </a:solidFill>
@@ -15278,7 +16491,7 @@
               </a:rPr>
               <a:t> Nguyễn Hải Luyến</a:t>
             </a:r>
-            <a:endParaRPr lang="en-US" sz="2800" dirty="0" smtClean="0">
+            <a:endParaRPr lang="en-US" sz="2800" dirty="0">
               <a:solidFill>
                 <a:schemeClr val="bg1"/>
               </a:solidFill>
@@ -15307,7 +16520,7 @@
               <a:buNone/>
             </a:pPr>
             <a:r>
-              <a:rPr lang="en-US" sz="2800" b="0" i="0" u="none" strike="noStrike" cap="none" dirty="0" err="1" smtClean="0">
+              <a:rPr lang="en-US" sz="2800" b="0" i="0" u="none" strike="noStrike" cap="none" dirty="0" err="1">
                 <a:solidFill>
                   <a:schemeClr val="bg1"/>
                 </a:solidFill>
@@ -15319,7 +16532,7 @@
               <a:t>Mã</a:t>
             </a:r>
             <a:r>
-              <a:rPr lang="en-US" sz="2800" b="0" i="0" u="none" strike="noStrike" cap="none" dirty="0" smtClean="0">
+              <a:rPr lang="en-US" sz="2800" b="0" i="0" u="none" strike="noStrike" cap="none" dirty="0">
                 <a:solidFill>
                   <a:schemeClr val="bg1"/>
                 </a:solidFill>
@@ -15331,7 +16544,7 @@
               <a:t> </a:t>
             </a:r>
             <a:r>
-              <a:rPr lang="en-US" sz="2800" b="0" i="0" u="none" strike="noStrike" cap="none" dirty="0" err="1" smtClean="0">
+              <a:rPr lang="en-US" sz="2800" b="0" i="0" u="none" strike="noStrike" cap="none" dirty="0" err="1">
                 <a:solidFill>
                   <a:schemeClr val="bg1"/>
                 </a:solidFill>
@@ -15343,7 +16556,7 @@
               <a:t>số</a:t>
             </a:r>
             <a:r>
-              <a:rPr lang="en-US" sz="2800" b="0" i="0" u="none" strike="noStrike" cap="none" dirty="0" smtClean="0">
+              <a:rPr lang="en-US" sz="2800" b="0" i="0" u="none" strike="noStrike" cap="none" dirty="0">
                 <a:solidFill>
                   <a:schemeClr val="bg1"/>
                 </a:solidFill>
@@ -15355,7 +16568,7 @@
               <a:t> </a:t>
             </a:r>
             <a:r>
-              <a:rPr lang="en-US" sz="2800" b="0" i="0" u="none" strike="noStrike" cap="none" dirty="0" err="1" smtClean="0">
+              <a:rPr lang="en-US" sz="2800" b="0" i="0" u="none" strike="noStrike" cap="none" dirty="0" err="1">
                 <a:solidFill>
                   <a:schemeClr val="bg1"/>
                 </a:solidFill>
@@ -15367,7 +16580,7 @@
               <a:t>sinh</a:t>
             </a:r>
             <a:r>
-              <a:rPr lang="en-US" sz="2800" b="0" i="0" u="none" strike="noStrike" cap="none" dirty="0" smtClean="0">
+              <a:rPr lang="en-US" sz="2800" b="0" i="0" u="none" strike="noStrike" cap="none" dirty="0">
                 <a:solidFill>
                   <a:schemeClr val="bg1"/>
                 </a:solidFill>
@@ -15379,7 +16592,7 @@
               <a:t> </a:t>
             </a:r>
             <a:r>
-              <a:rPr lang="en-US" sz="2800" b="0" i="0" u="none" strike="noStrike" cap="none" dirty="0" err="1" smtClean="0">
+              <a:rPr lang="en-US" sz="2800" b="0" i="0" u="none" strike="noStrike" cap="none" dirty="0" err="1">
                 <a:solidFill>
                   <a:schemeClr val="bg1"/>
                 </a:solidFill>
@@ -15391,7 +16604,7 @@
               <a:t>viên</a:t>
             </a:r>
             <a:r>
-              <a:rPr lang="en-US" sz="2800" b="0" i="0" u="none" strike="noStrike" cap="none" dirty="0" smtClean="0">
+              <a:rPr lang="en-US" sz="2800" b="0" i="0" u="none" strike="noStrike" cap="none" dirty="0">
                 <a:solidFill>
                   <a:schemeClr val="bg1"/>
                 </a:solidFill>
@@ -15403,7 +16616,7 @@
               <a:t>: </a:t>
             </a:r>
             <a:r>
-              <a:rPr lang="vi-VN" sz="2800" b="0" i="0" u="none" strike="noStrike" cap="none" dirty="0" smtClean="0">
+              <a:rPr lang="vi-VN" sz="2800" b="0" i="0" u="none" strike="noStrike" cap="none" dirty="0">
                 <a:solidFill>
                   <a:schemeClr val="bg1"/>
                 </a:solidFill>
@@ -15495,7 +16708,7 @@
               <a:t>1</a:t>
             </a:fld>
             <a:r>
-              <a:rPr lang="en-US" smtClean="0"/>
+              <a:rPr lang="en-US"/>
               <a:t>/17</a:t>
             </a:r>
             <a:endParaRPr lang="en-US" dirty="0"/>
@@ -15507,13 +16720,6 @@
   <p:clrMapOvr>
     <a:masterClrMapping/>
   </p:clrMapOvr>
-  <p:timing>
-    <p:tnLst>
-      <p:par>
-        <p:cTn id="1" dur="indefinite" restart="never" nodeType="tmRoot"/>
-      </p:par>
-    </p:tnLst>
-  </p:timing>
 </p:sld>
 </file>
 
@@ -15673,7 +16879,7 @@
               <a:t>10</a:t>
             </a:fld>
             <a:r>
-              <a:rPr lang="en-US" smtClean="0"/>
+              <a:rPr lang="en-US"/>
               <a:t>/17</a:t>
             </a:r>
             <a:endParaRPr lang="en-US" dirty="0"/>
@@ -15685,7 +16891,7 @@
           <p:cNvPr id="10" name="TextBox 9">
             <a:extLst>
               <a:ext uri="{FF2B5EF4-FFF2-40B4-BE49-F238E27FC236}">
-                <a16:creationId xmlns="" xmlns:a16="http://schemas.microsoft.com/office/drawing/2014/main" id="{DF4931F6-81C5-A1C4-2D09-D598B0CFB4A5}"/>
+                <a16:creationId xmlns:a16="http://schemas.microsoft.com/office/drawing/2014/main" id="{DF4931F6-81C5-A1C4-2D09-D598B0CFB4A5}"/>
               </a:ext>
             </a:extLst>
           </p:cNvPr>
@@ -15718,7 +16924,7 @@
               </a:tabLst>
             </a:pPr>
             <a:r>
-              <a:rPr lang="vi-VN" sz="2400" b="1" dirty="0" smtClean="0">
+              <a:rPr lang="vi-VN" sz="2400" b="1" dirty="0">
                 <a:solidFill>
                   <a:schemeClr val="bg1"/>
                 </a:solidFill>
@@ -15746,7 +16952,7 @@
           <p:nvPr>
             <p:extLst>
               <p:ext uri="{D42A27DB-BD31-4B8C-83A1-F6EECF244321}">
-                <p14:modId xmlns:p14="http://schemas.microsoft.com/office/powerpoint/2010/main" val="3463213138"/>
+                <p14:modId xmlns:p14="http://schemas.microsoft.com/office/powerpoint/2010/main" val="403320089"/>
               </p:ext>
             </p:extLst>
           </p:nvPr>
@@ -15774,13 +16980,6 @@
   <p:transition spd="slow">
     <p:wipe/>
   </p:transition>
-  <p:timing>
-    <p:tnLst>
-      <p:par>
-        <p:cTn id="1" dur="indefinite" restart="never" nodeType="tmRoot"/>
-      </p:par>
-    </p:tnLst>
-  </p:timing>
 </p:sld>
 </file>
 
@@ -15822,7 +17021,7 @@
               <a:t>11</a:t>
             </a:fld>
             <a:r>
-              <a:rPr lang="en-US" smtClean="0"/>
+              <a:rPr lang="en-US"/>
               <a:t>/17</a:t>
             </a:r>
             <a:endParaRPr lang="en-US" dirty="0"/>
@@ -15858,7 +17057,7 @@
           <p:cNvPr id="10" name="TextBox 9">
             <a:extLst>
               <a:ext uri="{FF2B5EF4-FFF2-40B4-BE49-F238E27FC236}">
-                <a16:creationId xmlns="" xmlns:a16="http://schemas.microsoft.com/office/drawing/2014/main" id="{DF4931F6-81C5-A1C4-2D09-D598B0CFB4A5}"/>
+                <a16:creationId xmlns:a16="http://schemas.microsoft.com/office/drawing/2014/main" id="{DF4931F6-81C5-A1C4-2D09-D598B0CFB4A5}"/>
               </a:ext>
             </a:extLst>
           </p:cNvPr>
@@ -15891,7 +17090,7 @@
               </a:tabLst>
             </a:pPr>
             <a:r>
-              <a:rPr lang="vi-VN" sz="2800" dirty="0" smtClean="0">
+              <a:rPr lang="vi-VN" sz="2800" dirty="0">
                 <a:solidFill>
                   <a:schemeClr val="bg1"/>
                 </a:solidFill>
@@ -15974,7 +17173,7 @@
               <a:t> </a:t>
             </a:r>
             <a:r>
-              <a:rPr lang="vi-VN" sz="2400" dirty="0" smtClean="0">
+              <a:rPr lang="vi-VN" sz="2400" dirty="0">
                 <a:solidFill>
                   <a:schemeClr val="bg1"/>
                 </a:solidFill>
@@ -15984,7 +17183,7 @@
               <a:t>của chức năng </a:t>
             </a:r>
             <a:r>
-              <a:rPr lang="en-US" sz="2400" dirty="0" err="1" smtClean="0">
+              <a:rPr lang="en-US" sz="2400" dirty="0" err="1">
                 <a:solidFill>
                   <a:schemeClr val="bg1"/>
                 </a:solidFill>
@@ -15994,7 +17193,7 @@
               <a:t>Đăng</a:t>
             </a:r>
             <a:r>
-              <a:rPr lang="en-US" sz="2400" dirty="0" smtClean="0">
+              <a:rPr lang="en-US" sz="2400" dirty="0">
                 <a:solidFill>
                   <a:schemeClr val="bg1"/>
                 </a:solidFill>
@@ -16034,13 +17233,6 @@
   <p:transition spd="slow">
     <p:wipe/>
   </p:transition>
-  <p:timing>
-    <p:tnLst>
-      <p:par>
-        <p:cTn id="1" dur="indefinite" restart="never" nodeType="tmRoot"/>
-      </p:par>
-    </p:tnLst>
-  </p:timing>
 </p:sld>
 </file>
 
@@ -16082,7 +17274,7 @@
               <a:t>12</a:t>
             </a:fld>
             <a:r>
-              <a:rPr lang="en-US" smtClean="0"/>
+              <a:rPr lang="en-US"/>
               <a:t>/17</a:t>
             </a:r>
             <a:endParaRPr lang="en-US" dirty="0"/>
@@ -16094,7 +17286,7 @@
           <p:cNvPr id="10" name="TextBox 9">
             <a:extLst>
               <a:ext uri="{FF2B5EF4-FFF2-40B4-BE49-F238E27FC236}">
-                <a16:creationId xmlns="" xmlns:a16="http://schemas.microsoft.com/office/drawing/2014/main" id="{DF4931F6-81C5-A1C4-2D09-D598B0CFB4A5}"/>
+                <a16:creationId xmlns:a16="http://schemas.microsoft.com/office/drawing/2014/main" id="{DF4931F6-81C5-A1C4-2D09-D598B0CFB4A5}"/>
               </a:ext>
             </a:extLst>
           </p:cNvPr>
@@ -16127,7 +17319,7 @@
               </a:tabLst>
             </a:pPr>
             <a:r>
-              <a:rPr lang="vi-VN" sz="2800" dirty="0" smtClean="0">
+              <a:rPr lang="vi-VN" sz="2800" dirty="0">
                 <a:solidFill>
                   <a:schemeClr val="bg1"/>
                 </a:solidFill>
@@ -16210,7 +17402,7 @@
               <a:t> </a:t>
             </a:r>
             <a:r>
-              <a:rPr lang="vi-VN" sz="2400" dirty="0" smtClean="0">
+              <a:rPr lang="vi-VN" sz="2400" dirty="0">
                 <a:solidFill>
                   <a:schemeClr val="bg1"/>
                 </a:solidFill>
@@ -16220,7 +17412,7 @@
               <a:t>của chức năng</a:t>
             </a:r>
             <a:r>
-              <a:rPr lang="en-US" sz="2400" dirty="0" smtClean="0">
+              <a:rPr lang="en-US" sz="2400" dirty="0">
                 <a:solidFill>
                   <a:schemeClr val="bg1"/>
                 </a:solidFill>
@@ -16230,7 +17422,7 @@
               <a:t> </a:t>
             </a:r>
             <a:r>
-              <a:rPr lang="vi-VN" sz="2400" dirty="0" smtClean="0">
+              <a:rPr lang="vi-VN" sz="2400" dirty="0">
                 <a:solidFill>
                   <a:schemeClr val="bg1"/>
                 </a:solidFill>
@@ -16282,13 +17474,6 @@
   <p:transition spd="slow">
     <p:wipe/>
   </p:transition>
-  <p:timing>
-    <p:tnLst>
-      <p:par>
-        <p:cTn id="1" dur="indefinite" restart="never" nodeType="tmRoot"/>
-      </p:par>
-    </p:tnLst>
-  </p:timing>
 </p:sld>
 </file>
 
@@ -16330,7 +17515,7 @@
               <a:t>13</a:t>
             </a:fld>
             <a:r>
-              <a:rPr lang="en-US" smtClean="0"/>
+              <a:rPr lang="en-US"/>
               <a:t>/17</a:t>
             </a:r>
             <a:endParaRPr lang="en-US" dirty="0"/>
@@ -16342,7 +17527,7 @@
           <p:cNvPr id="10" name="TextBox 9">
             <a:extLst>
               <a:ext uri="{FF2B5EF4-FFF2-40B4-BE49-F238E27FC236}">
-                <a16:creationId xmlns="" xmlns:a16="http://schemas.microsoft.com/office/drawing/2014/main" id="{DF4931F6-81C5-A1C4-2D09-D598B0CFB4A5}"/>
+                <a16:creationId xmlns:a16="http://schemas.microsoft.com/office/drawing/2014/main" id="{DF4931F6-81C5-A1C4-2D09-D598B0CFB4A5}"/>
               </a:ext>
             </a:extLst>
           </p:cNvPr>
@@ -16375,7 +17560,7 @@
               </a:tabLst>
             </a:pPr>
             <a:r>
-              <a:rPr lang="vi-VN" sz="2800" dirty="0" smtClean="0">
+              <a:rPr lang="vi-VN" sz="2800" dirty="0">
                 <a:solidFill>
                   <a:schemeClr val="bg1"/>
                 </a:solidFill>
@@ -16458,7 +17643,7 @@
               <a:t> </a:t>
             </a:r>
             <a:r>
-              <a:rPr lang="vi-VN" sz="2400" dirty="0" smtClean="0">
+              <a:rPr lang="vi-VN" sz="2400" dirty="0">
                 <a:solidFill>
                   <a:schemeClr val="bg1"/>
                 </a:solidFill>
@@ -16468,7 +17653,7 @@
               <a:t>của chức năng</a:t>
             </a:r>
             <a:r>
-              <a:rPr lang="en-US" sz="2400" dirty="0" smtClean="0">
+              <a:rPr lang="en-US" sz="2400" dirty="0">
                 <a:solidFill>
                   <a:schemeClr val="bg1"/>
                 </a:solidFill>
@@ -16478,7 +17663,7 @@
               <a:t> </a:t>
             </a:r>
             <a:r>
-              <a:rPr lang="vi-VN" sz="2400" dirty="0" smtClean="0">
+              <a:rPr lang="vi-VN" sz="2400" dirty="0">
                 <a:solidFill>
                   <a:schemeClr val="bg1"/>
                 </a:solidFill>
@@ -16530,13 +17715,6 @@
   <p:transition spd="slow">
     <p:wipe/>
   </p:transition>
-  <p:timing>
-    <p:tnLst>
-      <p:par>
-        <p:cTn id="1" dur="indefinite" restart="never" nodeType="tmRoot"/>
-      </p:par>
-    </p:tnLst>
-  </p:timing>
 </p:sld>
 </file>
 
@@ -16578,7 +17756,7 @@
               <a:t>14</a:t>
             </a:fld>
             <a:r>
-              <a:rPr lang="en-US" smtClean="0"/>
+              <a:rPr lang="en-US"/>
               <a:t>/17</a:t>
             </a:r>
             <a:endParaRPr lang="en-US" dirty="0"/>
@@ -16590,7 +17768,7 @@
           <p:cNvPr id="10" name="TextBox 9">
             <a:extLst>
               <a:ext uri="{FF2B5EF4-FFF2-40B4-BE49-F238E27FC236}">
-                <a16:creationId xmlns="" xmlns:a16="http://schemas.microsoft.com/office/drawing/2014/main" id="{DF4931F6-81C5-A1C4-2D09-D598B0CFB4A5}"/>
+                <a16:creationId xmlns:a16="http://schemas.microsoft.com/office/drawing/2014/main" id="{DF4931F6-81C5-A1C4-2D09-D598B0CFB4A5}"/>
               </a:ext>
             </a:extLst>
           </p:cNvPr>
@@ -16623,7 +17801,7 @@
               </a:tabLst>
             </a:pPr>
             <a:r>
-              <a:rPr lang="vi-VN" sz="2800" dirty="0" smtClean="0">
+              <a:rPr lang="vi-VN" sz="2800" dirty="0">
                 <a:solidFill>
                   <a:schemeClr val="bg1"/>
                 </a:solidFill>
@@ -16666,7 +17844,7 @@
           <a:lstStyle/>
           <a:p>
             <a:r>
-              <a:rPr lang="vi-VN" sz="2800" dirty="0" smtClean="0">
+              <a:rPr lang="vi-VN" sz="2800" dirty="0">
                 <a:solidFill>
                   <a:schemeClr val="bg1"/>
                 </a:solidFill>
@@ -16708,12 +17886,48 @@
                 <a:tableStyleId>{69C7853C-536D-4A76-A0AE-DD22124D55A5}</a:tableStyleId>
               </a:tblPr>
               <a:tblGrid>
-                <a:gridCol w="832513"/>
-                <a:gridCol w="2206840"/>
-                <a:gridCol w="1560382"/>
-                <a:gridCol w="1447311"/>
-                <a:gridCol w="1397560"/>
-                <a:gridCol w="1126188"/>
+                <a:gridCol w="832513">
+                  <a:extLst>
+                    <a:ext uri="{9D8B030D-6E8A-4147-A177-3AD203B41FA5}">
+                      <a16:colId xmlns:a16="http://schemas.microsoft.com/office/drawing/2014/main" val="20000"/>
+                    </a:ext>
+                  </a:extLst>
+                </a:gridCol>
+                <a:gridCol w="2206840">
+                  <a:extLst>
+                    <a:ext uri="{9D8B030D-6E8A-4147-A177-3AD203B41FA5}">
+                      <a16:colId xmlns:a16="http://schemas.microsoft.com/office/drawing/2014/main" val="20001"/>
+                    </a:ext>
+                  </a:extLst>
+                </a:gridCol>
+                <a:gridCol w="1560382">
+                  <a:extLst>
+                    <a:ext uri="{9D8B030D-6E8A-4147-A177-3AD203B41FA5}">
+                      <a16:colId xmlns:a16="http://schemas.microsoft.com/office/drawing/2014/main" val="20002"/>
+                    </a:ext>
+                  </a:extLst>
+                </a:gridCol>
+                <a:gridCol w="1447311">
+                  <a:extLst>
+                    <a:ext uri="{9D8B030D-6E8A-4147-A177-3AD203B41FA5}">
+                      <a16:colId xmlns:a16="http://schemas.microsoft.com/office/drawing/2014/main" val="20003"/>
+                    </a:ext>
+                  </a:extLst>
+                </a:gridCol>
+                <a:gridCol w="1397560">
+                  <a:extLst>
+                    <a:ext uri="{9D8B030D-6E8A-4147-A177-3AD203B41FA5}">
+                      <a16:colId xmlns:a16="http://schemas.microsoft.com/office/drawing/2014/main" val="20004"/>
+                    </a:ext>
+                  </a:extLst>
+                </a:gridCol>
+                <a:gridCol w="1126188">
+                  <a:extLst>
+                    <a:ext uri="{9D8B030D-6E8A-4147-A177-3AD203B41FA5}">
+                      <a16:colId xmlns:a16="http://schemas.microsoft.com/office/drawing/2014/main" val="20005"/>
+                    </a:ext>
+                  </a:extLst>
+                </a:gridCol>
               </a:tblGrid>
               <a:tr h="697393">
                 <a:tc>
@@ -16781,7 +17995,7 @@
                     <a:p>
                       <a:pPr algn="ctr" fontAlgn="ctr"/>
                       <a:r>
-                        <a:rPr lang="en-US" sz="2400" b="1" u="none" strike="noStrike" dirty="0" smtClean="0">
+                        <a:rPr lang="en-US" sz="2400" b="1" u="none" strike="noStrike" dirty="0">
                           <a:effectLst/>
                         </a:rPr>
                         <a:t>Pass</a:t>
@@ -16804,7 +18018,7 @@
                     <a:p>
                       <a:pPr algn="ctr" fontAlgn="ctr"/>
                       <a:r>
-                        <a:rPr lang="en-US" sz="2400" b="1" u="none" strike="noStrike" dirty="0" smtClean="0">
+                        <a:rPr lang="en-US" sz="2400" b="1" u="none" strike="noStrike" dirty="0">
                           <a:effectLst/>
                         </a:rPr>
                         <a:t>Fail</a:t>
@@ -16866,6 +18080,11 @@
                   </a:txBody>
                   <a:tcPr marL="9525" marR="9525" marT="9525" marB="0" anchor="ctr"/>
                 </a:tc>
+                <a:extLst>
+                  <a:ext uri="{0D108BD9-81ED-4DB2-BD59-A6C34878D82A}">
+                    <a16:rowId xmlns:a16="http://schemas.microsoft.com/office/drawing/2014/main" val="10000"/>
+                  </a:ext>
+                </a:extLst>
               </a:tr>
               <a:tr h="318235">
                 <a:tc>
@@ -17018,6 +18237,11 @@
                   </a:txBody>
                   <a:tcPr marL="9525" marR="9525" marT="9525" marB="0"/>
                 </a:tc>
+                <a:extLst>
+                  <a:ext uri="{0D108BD9-81ED-4DB2-BD59-A6C34878D82A}">
+                    <a16:rowId xmlns:a16="http://schemas.microsoft.com/office/drawing/2014/main" val="10001"/>
+                  </a:ext>
+                </a:extLst>
               </a:tr>
               <a:tr h="318235">
                 <a:tc>
@@ -17170,6 +18394,11 @@
                   </a:txBody>
                   <a:tcPr marL="9525" marR="9525" marT="9525" marB="0"/>
                 </a:tc>
+                <a:extLst>
+                  <a:ext uri="{0D108BD9-81ED-4DB2-BD59-A6C34878D82A}">
+                    <a16:rowId xmlns:a16="http://schemas.microsoft.com/office/drawing/2014/main" val="10002"/>
+                  </a:ext>
+                </a:extLst>
               </a:tr>
               <a:tr h="318235">
                 <a:tc>
@@ -17322,6 +18551,11 @@
                   </a:txBody>
                   <a:tcPr marL="9525" marR="9525" marT="9525" marB="0"/>
                 </a:tc>
+                <a:extLst>
+                  <a:ext uri="{0D108BD9-81ED-4DB2-BD59-A6C34878D82A}">
+                    <a16:rowId xmlns:a16="http://schemas.microsoft.com/office/drawing/2014/main" val="10003"/>
+                  </a:ext>
+                </a:extLst>
               </a:tr>
               <a:tr h="318235">
                 <a:tc>
@@ -17462,6 +18696,11 @@
                   </a:txBody>
                   <a:tcPr marL="9525" marR="9525" marT="9525" marB="0"/>
                 </a:tc>
+                <a:extLst>
+                  <a:ext uri="{0D108BD9-81ED-4DB2-BD59-A6C34878D82A}">
+                    <a16:rowId xmlns:a16="http://schemas.microsoft.com/office/drawing/2014/main" val="10004"/>
+                  </a:ext>
+                </a:extLst>
               </a:tr>
               <a:tr h="318235">
                 <a:tc>
@@ -17602,6 +18841,11 @@
                   </a:txBody>
                   <a:tcPr marL="9525" marR="9525" marT="9525" marB="0"/>
                 </a:tc>
+                <a:extLst>
+                  <a:ext uri="{0D108BD9-81ED-4DB2-BD59-A6C34878D82A}">
+                    <a16:rowId xmlns:a16="http://schemas.microsoft.com/office/drawing/2014/main" val="10005"/>
+                  </a:ext>
+                </a:extLst>
               </a:tr>
               <a:tr h="318235">
                 <a:tc>
@@ -17742,6 +18986,11 @@
                   </a:txBody>
                   <a:tcPr marL="9525" marR="9525" marT="9525" marB="0"/>
                 </a:tc>
+                <a:extLst>
+                  <a:ext uri="{0D108BD9-81ED-4DB2-BD59-A6C34878D82A}">
+                    <a16:rowId xmlns:a16="http://schemas.microsoft.com/office/drawing/2014/main" val="10006"/>
+                  </a:ext>
+                </a:extLst>
               </a:tr>
               <a:tr h="318235">
                 <a:tc>
@@ -17882,6 +19131,11 @@
                   </a:txBody>
                   <a:tcPr marL="9525" marR="9525" marT="9525" marB="0"/>
                 </a:tc>
+                <a:extLst>
+                  <a:ext uri="{0D108BD9-81ED-4DB2-BD59-A6C34878D82A}">
+                    <a16:rowId xmlns:a16="http://schemas.microsoft.com/office/drawing/2014/main" val="10007"/>
+                  </a:ext>
+                </a:extLst>
               </a:tr>
               <a:tr h="318235">
                 <a:tc>
@@ -18022,6 +19276,11 @@
                   </a:txBody>
                   <a:tcPr marL="9525" marR="9525" marT="9525" marB="0"/>
                 </a:tc>
+                <a:extLst>
+                  <a:ext uri="{0D108BD9-81ED-4DB2-BD59-A6C34878D82A}">
+                    <a16:rowId xmlns:a16="http://schemas.microsoft.com/office/drawing/2014/main" val="10008"/>
+                  </a:ext>
+                </a:extLst>
               </a:tr>
               <a:tr h="318235">
                 <a:tc>
@@ -18174,6 +19433,11 @@
                   </a:txBody>
                   <a:tcPr marL="9525" marR="9525" marT="9525" marB="0" anchor="ctr"/>
                 </a:tc>
+                <a:extLst>
+                  <a:ext uri="{0D108BD9-81ED-4DB2-BD59-A6C34878D82A}">
+                    <a16:rowId xmlns:a16="http://schemas.microsoft.com/office/drawing/2014/main" val="10009"/>
+                  </a:ext>
+                </a:extLst>
               </a:tr>
             </a:tbl>
           </a:graphicData>
@@ -18192,13 +19456,6 @@
   <p:transition spd="slow">
     <p:wipe/>
   </p:transition>
-  <p:timing>
-    <p:tnLst>
-      <p:par>
-        <p:cTn id="1" dur="indefinite" restart="never" nodeType="tmRoot"/>
-      </p:par>
-    </p:tnLst>
-  </p:timing>
 </p:sld>
 </file>
 
@@ -18246,7 +19503,7 @@
           <a:p>
             <a:pPr lvl="1"/>
             <a:r>
-              <a:rPr lang="en-US" sz="3200" b="1" dirty="0" smtClean="0">
+              <a:rPr lang="en-US" sz="3200" b="1" dirty="0">
                 <a:solidFill>
                   <a:schemeClr val="bg1"/>
                 </a:solidFill>
@@ -18256,7 +19513,7 @@
               <a:t>4. </a:t>
             </a:r>
             <a:r>
-              <a:rPr lang="vi-VN" sz="3200" b="1" dirty="0" smtClean="0">
+              <a:rPr lang="vi-VN" sz="3200" b="1" dirty="0">
                 <a:solidFill>
                   <a:schemeClr val="bg1"/>
                 </a:solidFill>
@@ -18266,7 +19523,7 @@
               <a:t>Hạn chế và h</a:t>
             </a:r>
             <a:r>
-              <a:rPr lang="en-US" sz="3200" b="1" dirty="0" err="1" smtClean="0">
+              <a:rPr lang="en-US" sz="3200" b="1" dirty="0" err="1">
                 <a:solidFill>
                   <a:schemeClr val="bg1"/>
                 </a:solidFill>
@@ -18276,7 +19533,7 @@
               <a:t>ướng</a:t>
             </a:r>
             <a:r>
-              <a:rPr lang="en-US" sz="3200" b="1" dirty="0" smtClean="0">
+              <a:rPr lang="en-US" sz="3200" b="1" dirty="0">
                 <a:solidFill>
                   <a:schemeClr val="bg1"/>
                 </a:solidFill>
@@ -18286,7 +19543,7 @@
               <a:t> </a:t>
             </a:r>
             <a:r>
-              <a:rPr lang="en-US" sz="3200" b="1" dirty="0" err="1" smtClean="0">
+              <a:rPr lang="en-US" sz="3200" b="1" dirty="0" err="1">
                 <a:solidFill>
                   <a:schemeClr val="bg1"/>
                 </a:solidFill>
@@ -18296,7 +19553,7 @@
               <a:t>phát</a:t>
             </a:r>
             <a:r>
-              <a:rPr lang="en-US" sz="3200" b="1" dirty="0" smtClean="0">
+              <a:rPr lang="en-US" sz="3200" b="1" dirty="0">
                 <a:solidFill>
                   <a:schemeClr val="bg1"/>
                 </a:solidFill>
@@ -18306,7 +19563,7 @@
               <a:t> </a:t>
             </a:r>
             <a:r>
-              <a:rPr lang="en-US" sz="3200" b="1" dirty="0" err="1" smtClean="0">
+              <a:rPr lang="en-US" sz="3200" b="1" dirty="0" err="1">
                 <a:solidFill>
                   <a:schemeClr val="bg1"/>
                 </a:solidFill>
@@ -18346,7 +19603,7 @@
               <a:t>15</a:t>
             </a:fld>
             <a:r>
-              <a:rPr lang="en-US" smtClean="0"/>
+              <a:rPr lang="en-US"/>
               <a:t>/17</a:t>
             </a:r>
             <a:endParaRPr lang="en-US" dirty="0"/>
@@ -18385,7 +19642,7 @@
               <a:buChar char="o"/>
             </a:pPr>
             <a:r>
-              <a:rPr lang="vi-VN" sz="2400" dirty="0" smtClean="0">
+              <a:rPr lang="vi-VN" sz="2400" dirty="0">
                 <a:solidFill>
                   <a:schemeClr val="bg1"/>
                 </a:solidFill>
@@ -18393,40 +19650,7 @@
                 <a:ea typeface="Calibri" panose="020F0502020204030204" pitchFamily="34" charset="0"/>
                 <a:cs typeface="Times New Roman" panose="02020603050405020304" pitchFamily="18" charset="0"/>
               </a:rPr>
-              <a:t>Chưa </a:t>
-            </a:r>
-            <a:r>
-              <a:rPr lang="vi-VN" sz="2400" dirty="0">
-                <a:solidFill>
-                  <a:schemeClr val="bg1"/>
-                </a:solidFill>
-                <a:latin typeface="Times New Roman" panose="02020603050405020304" pitchFamily="18" charset="0"/>
-                <a:ea typeface="Calibri" panose="020F0502020204030204" pitchFamily="34" charset="0"/>
-                <a:cs typeface="Times New Roman" panose="02020603050405020304" pitchFamily="18" charset="0"/>
-              </a:rPr>
-              <a:t>thể trình bày đầy đủ các tính </a:t>
-            </a:r>
-            <a:r>
-              <a:rPr lang="vi-VN" sz="2400" dirty="0" smtClean="0">
-                <a:solidFill>
-                  <a:schemeClr val="bg1"/>
-                </a:solidFill>
-                <a:latin typeface="Times New Roman" panose="02020603050405020304" pitchFamily="18" charset="0"/>
-                <a:ea typeface="Calibri" panose="020F0502020204030204" pitchFamily="34" charset="0"/>
-                <a:cs typeface="Times New Roman" panose="02020603050405020304" pitchFamily="18" charset="0"/>
-              </a:rPr>
-              <a:t>năng và </a:t>
-            </a:r>
-            <a:r>
-              <a:rPr lang="vi-VN" sz="2400" dirty="0">
-                <a:solidFill>
-                  <a:schemeClr val="bg1"/>
-                </a:solidFill>
-                <a:latin typeface="Times New Roman" panose="02020603050405020304" pitchFamily="18" charset="0"/>
-                <a:ea typeface="Calibri" panose="020F0502020204030204" pitchFamily="34" charset="0"/>
-                <a:cs typeface="Times New Roman" panose="02020603050405020304" pitchFamily="18" charset="0"/>
-              </a:rPr>
-              <a:t>nghiên cứu các kỹ thuật nâng cao được sử dụng trong Katalon Studio như test API</a:t>
+              <a:t>Chưa thể trình bày đầy đủ các tính năng và nghiên cứu các kỹ thuật nâng cao được sử dụng trong Katalon Studio như test API</a:t>
             </a:r>
             <a:endParaRPr lang="en-US" sz="2400" dirty="0">
               <a:solidFill>
@@ -18457,29 +19681,7 @@
                 <a:ea typeface="Calibri" panose="020F0502020204030204" pitchFamily="34" charset="0"/>
                 <a:cs typeface="Times New Roman" panose="02020603050405020304" pitchFamily="18" charset="0"/>
               </a:rPr>
-              <a:t>Cần nghiên cứu sâu hơn về Katalon Studio trong lĩnh vực an toàn thông tin. Kết hợp </a:t>
-            </a:r>
-            <a:r>
-              <a:rPr lang="vi-VN" sz="2400" dirty="0" smtClean="0">
-                <a:solidFill>
-                  <a:schemeClr val="bg1"/>
-                </a:solidFill>
-                <a:latin typeface="Times New Roman" panose="02020603050405020304" pitchFamily="18" charset="0"/>
-                <a:ea typeface="Calibri" panose="020F0502020204030204" pitchFamily="34" charset="0"/>
-                <a:cs typeface="Times New Roman" panose="02020603050405020304" pitchFamily="18" charset="0"/>
-              </a:rPr>
-              <a:t>công cụ kiểm thử tự động Katalon </a:t>
-            </a:r>
-            <a:r>
-              <a:rPr lang="vi-VN" sz="2400" dirty="0">
-                <a:solidFill>
-                  <a:schemeClr val="bg1"/>
-                </a:solidFill>
-                <a:latin typeface="Times New Roman" panose="02020603050405020304" pitchFamily="18" charset="0"/>
-                <a:ea typeface="Calibri" panose="020F0502020204030204" pitchFamily="34" charset="0"/>
-                <a:cs typeface="Times New Roman" panose="02020603050405020304" pitchFamily="18" charset="0"/>
-              </a:rPr>
-              <a:t>Studio với công cụ kiểm thử bảo mật để có thể cải tiến được quy trình kiểm thử. Đảm bảo ứng dụng web có thể được kiểm tra về chức năng cũng như về bảo mật </a:t>
+              <a:t>Cần nghiên cứu sâu hơn về Katalon trong lĩnh vực an toàn thông tin. Kết hợp công cụ kiểm thử tự động Katalon với công cụ kiểm thử bảo mật để có thể cải tiến được quy trình kiểm thử. Đảm bảo ứng dụng web có thể được kiểm tra về chức năng cũng như về bảo mật </a:t>
             </a:r>
             <a:endParaRPr lang="en-US" sz="2400" dirty="0">
               <a:solidFill>
@@ -18505,13 +19707,6 @@
   <p:transition spd="slow">
     <p:push dir="u"/>
   </p:transition>
-  <p:timing>
-    <p:tnLst>
-      <p:par>
-        <p:cTn id="1" dur="indefinite" restart="never" nodeType="tmRoot"/>
-      </p:par>
-    </p:tnLst>
-  </p:timing>
 </p:sld>
 </file>
 
@@ -18580,7 +19775,7 @@
           <a:lstStyle/>
           <a:p>
             <a:r>
-              <a:rPr lang="en-US" sz="1400" smtClean="0">
+              <a:rPr lang="en-US" sz="1400">
                 <a:latin typeface="Times New Roman" panose="02020603050405020304" pitchFamily="18" charset="0"/>
                 <a:cs typeface="Times New Roman" panose="02020603050405020304" pitchFamily="18" charset="0"/>
               </a:rPr>
@@ -18606,13 +19801,6 @@
   <p:transition spd="slow">
     <p:randomBar dir="vert"/>
   </p:transition>
-  <p:timing>
-    <p:tnLst>
-      <p:par>
-        <p:cTn id="1" dur="indefinite" restart="never" nodeType="tmRoot"/>
-      </p:par>
-    </p:tnLst>
-  </p:timing>
 </p:sld>
 </file>
 
@@ -18671,7 +19859,7 @@
               <a:buNone/>
             </a:pPr>
             <a:r>
-              <a:rPr lang="en-US" sz="3200" b="1" i="0" u="none" strike="noStrike" cap="none" dirty="0" err="1" smtClean="0">
+              <a:rPr lang="en-US" sz="3200" b="1" i="0" u="none" strike="noStrike" cap="none" dirty="0" err="1">
                 <a:solidFill>
                   <a:schemeClr val="lt1"/>
                 </a:solidFill>
@@ -18683,7 +19871,7 @@
               <a:t>Nội</a:t>
             </a:r>
             <a:r>
-              <a:rPr lang="en-US" sz="3200" b="1" i="0" u="none" strike="noStrike" cap="none" dirty="0" smtClean="0">
+              <a:rPr lang="en-US" sz="3200" b="1" i="0" u="none" strike="noStrike" cap="none" dirty="0">
                 <a:solidFill>
                   <a:schemeClr val="lt1"/>
                 </a:solidFill>
@@ -18725,7 +19913,7 @@
           <a:p>
             <a:pPr lvl="1"/>
             <a:r>
-              <a:rPr lang="en-US" sz="3600" i="0" u="none" strike="noStrike" cap="none" dirty="0" smtClean="0">
+              <a:rPr lang="en-US" sz="3600" i="0" u="none" strike="noStrike" cap="none" dirty="0">
                 <a:solidFill>
                   <a:schemeClr val="bg1"/>
                 </a:solidFill>
@@ -18752,7 +19940,7 @@
               <a:t>	</a:t>
             </a:r>
             <a:r>
-              <a:rPr lang="en-US" sz="3600" i="0" u="none" strike="noStrike" cap="none" dirty="0" smtClean="0">
+              <a:rPr lang="en-US" sz="3600" i="0" u="none" strike="noStrike" cap="none" dirty="0">
                 <a:solidFill>
                   <a:schemeClr val="bg1"/>
                 </a:solidFill>
@@ -18764,7 +19952,7 @@
               <a:t>1. </a:t>
             </a:r>
             <a:r>
-              <a:rPr lang="vi-VN" sz="3600" i="0" u="none" strike="noStrike" cap="none" dirty="0" smtClean="0">
+              <a:rPr lang="vi-VN" sz="3600" i="0" u="none" strike="noStrike" cap="none" dirty="0">
                 <a:solidFill>
                   <a:schemeClr val="bg1"/>
                 </a:solidFill>
@@ -18778,7 +19966,7 @@
           </a:p>
           <a:p>
             <a:pPr lvl="1"/>
-            <a:endParaRPr lang="en-US" sz="3600" i="0" u="none" strike="noStrike" cap="none" dirty="0" smtClean="0">
+            <a:endParaRPr lang="en-US" sz="3600" i="0" u="none" strike="noStrike" cap="none" dirty="0">
               <a:solidFill>
                 <a:schemeClr val="bg1"/>
               </a:solidFill>
@@ -18791,7 +19979,7 @@
           <a:p>
             <a:pPr lvl="1"/>
             <a:r>
-              <a:rPr lang="en-US" sz="3600" dirty="0" smtClean="0">
+              <a:rPr lang="en-US" sz="3600" dirty="0">
                 <a:solidFill>
                   <a:schemeClr val="bg1"/>
                 </a:solidFill>
@@ -18801,7 +19989,7 @@
               <a:t>	2. </a:t>
             </a:r>
             <a:r>
-              <a:rPr lang="vi-VN" sz="3600" dirty="0" smtClean="0">
+              <a:rPr lang="vi-VN" sz="3600" dirty="0">
                 <a:solidFill>
                   <a:schemeClr val="bg1"/>
                 </a:solidFill>
@@ -18810,107 +19998,7 @@
               </a:rPr>
               <a:t>Kiểm thử tự động với Katalon Studio</a:t>
             </a:r>
-            <a:endParaRPr lang="en-US" sz="3600" dirty="0" smtClean="0">
-              <a:solidFill>
-                <a:schemeClr val="bg1"/>
-              </a:solidFill>
-              <a:latin typeface="Times New Roman" panose="02020603050405020304" pitchFamily="18" charset="0"/>
-              <a:cs typeface="Times New Roman" panose="02020603050405020304" pitchFamily="18" charset="0"/>
-            </a:endParaRPr>
-          </a:p>
-          <a:p>
-            <a:pPr lvl="1"/>
-            <a:endParaRPr lang="en-US" sz="3600" dirty="0" smtClean="0">
-              <a:solidFill>
-                <a:schemeClr val="bg1"/>
-              </a:solidFill>
-              <a:latin typeface="Times New Roman" panose="02020603050405020304" pitchFamily="18" charset="0"/>
-              <a:cs typeface="Times New Roman" panose="02020603050405020304" pitchFamily="18" charset="0"/>
-            </a:endParaRPr>
-          </a:p>
-          <a:p>
-            <a:pPr lvl="1"/>
-            <a:r>
-              <a:rPr lang="en-US" sz="3600" dirty="0" smtClean="0">
-                <a:solidFill>
-                  <a:schemeClr val="bg1"/>
-                </a:solidFill>
-                <a:latin typeface="Times New Roman" panose="02020603050405020304" pitchFamily="18" charset="0"/>
-                <a:cs typeface="Times New Roman" panose="02020603050405020304" pitchFamily="18" charset="0"/>
-              </a:rPr>
-              <a:t>	3. </a:t>
-            </a:r>
-            <a:r>
-              <a:rPr lang="en-US" sz="3600" dirty="0" err="1" smtClean="0">
-                <a:solidFill>
-                  <a:schemeClr val="bg1"/>
-                </a:solidFill>
-                <a:latin typeface="Times New Roman" panose="02020603050405020304" pitchFamily="18" charset="0"/>
-                <a:cs typeface="Times New Roman" panose="02020603050405020304" pitchFamily="18" charset="0"/>
-              </a:rPr>
-              <a:t>Kết</a:t>
-            </a:r>
-            <a:r>
-              <a:rPr lang="en-US" sz="3600" dirty="0" smtClean="0">
-                <a:solidFill>
-                  <a:schemeClr val="bg1"/>
-                </a:solidFill>
-                <a:latin typeface="Times New Roman" panose="02020603050405020304" pitchFamily="18" charset="0"/>
-                <a:cs typeface="Times New Roman" panose="02020603050405020304" pitchFamily="18" charset="0"/>
-              </a:rPr>
-              <a:t> </a:t>
-            </a:r>
-            <a:r>
-              <a:rPr lang="en-US" sz="3600" dirty="0" err="1" smtClean="0">
-                <a:solidFill>
-                  <a:schemeClr val="bg1"/>
-                </a:solidFill>
-                <a:latin typeface="Times New Roman" panose="02020603050405020304" pitchFamily="18" charset="0"/>
-                <a:cs typeface="Times New Roman" panose="02020603050405020304" pitchFamily="18" charset="0"/>
-              </a:rPr>
-              <a:t>quả</a:t>
-            </a:r>
-            <a:r>
-              <a:rPr lang="en-US" sz="3600" dirty="0" smtClean="0">
-                <a:solidFill>
-                  <a:schemeClr val="bg1"/>
-                </a:solidFill>
-                <a:latin typeface="Times New Roman" panose="02020603050405020304" pitchFamily="18" charset="0"/>
-                <a:cs typeface="Times New Roman" panose="02020603050405020304" pitchFamily="18" charset="0"/>
-              </a:rPr>
-              <a:t> </a:t>
-            </a:r>
-            <a:r>
-              <a:rPr lang="en-US" sz="3600" dirty="0" err="1" smtClean="0">
-                <a:solidFill>
-                  <a:schemeClr val="bg1"/>
-                </a:solidFill>
-                <a:latin typeface="Times New Roman" panose="02020603050405020304" pitchFamily="18" charset="0"/>
-                <a:cs typeface="Times New Roman" panose="02020603050405020304" pitchFamily="18" charset="0"/>
-              </a:rPr>
-              <a:t>đạt</a:t>
-            </a:r>
-            <a:r>
-              <a:rPr lang="en-US" sz="3600" dirty="0" smtClean="0">
-                <a:solidFill>
-                  <a:schemeClr val="bg1"/>
-                </a:solidFill>
-                <a:latin typeface="Times New Roman" panose="02020603050405020304" pitchFamily="18" charset="0"/>
-                <a:cs typeface="Times New Roman" panose="02020603050405020304" pitchFamily="18" charset="0"/>
-              </a:rPr>
-              <a:t> </a:t>
-            </a:r>
-            <a:r>
-              <a:rPr lang="en-US" sz="3600" dirty="0" err="1" smtClean="0">
-                <a:solidFill>
-                  <a:schemeClr val="bg1"/>
-                </a:solidFill>
-                <a:latin typeface="Times New Roman" panose="02020603050405020304" pitchFamily="18" charset="0"/>
-                <a:cs typeface="Times New Roman" panose="02020603050405020304" pitchFamily="18" charset="0"/>
-              </a:rPr>
-              <a:t>được</a:t>
-            </a:r>
-            <a:endParaRPr lang="en-US" sz="3600" dirty="0" smtClean="0">
+            <a:endParaRPr lang="en-US" sz="3600" dirty="0">
               <a:solidFill>
                 <a:schemeClr val="bg1"/>
               </a:solidFill>
@@ -18931,14 +20019,24 @@
           <a:p>
             <a:pPr lvl="1"/>
             <a:r>
-              <a:rPr lang="en-US" sz="3600" dirty="0" smtClean="0">
+              <a:rPr lang="en-US" sz="3600" dirty="0">
                 <a:solidFill>
                   <a:schemeClr val="bg1"/>
                 </a:solidFill>
                 <a:latin typeface="Times New Roman" panose="02020603050405020304" pitchFamily="18" charset="0"/>
                 <a:cs typeface="Times New Roman" panose="02020603050405020304" pitchFamily="18" charset="0"/>
               </a:rPr>
-              <a:t>	</a:t>
+              <a:t>	3. </a:t>
+            </a:r>
+            <a:r>
+              <a:rPr lang="en-US" sz="3600" dirty="0" err="1">
+                <a:solidFill>
+                  <a:schemeClr val="bg1"/>
+                </a:solidFill>
+                <a:latin typeface="Times New Roman" panose="02020603050405020304" pitchFamily="18" charset="0"/>
+                <a:cs typeface="Times New Roman" panose="02020603050405020304" pitchFamily="18" charset="0"/>
+              </a:rPr>
+              <a:t>Kết</a:t>
             </a:r>
             <a:r>
               <a:rPr lang="en-US" sz="3600" dirty="0">
@@ -18948,20 +20046,100 @@
                 <a:latin typeface="Times New Roman" panose="02020603050405020304" pitchFamily="18" charset="0"/>
                 <a:cs typeface="Times New Roman" panose="02020603050405020304" pitchFamily="18" charset="0"/>
               </a:rPr>
-              <a:t>4</a:t>
-            </a:r>
-            <a:r>
-              <a:rPr lang="vi-VN" sz="3600" dirty="0" smtClean="0">
+              <a:t> </a:t>
+            </a:r>
+            <a:r>
+              <a:rPr lang="en-US" sz="3600" dirty="0" err="1">
                 <a:solidFill>
                   <a:schemeClr val="bg1"/>
                 </a:solidFill>
                 <a:latin typeface="Times New Roman" panose="02020603050405020304" pitchFamily="18" charset="0"/>
                 <a:cs typeface="Times New Roman" panose="02020603050405020304" pitchFamily="18" charset="0"/>
               </a:rPr>
+              <a:t>quả</a:t>
+            </a:r>
+            <a:r>
+              <a:rPr lang="en-US" sz="3600" dirty="0">
+                <a:solidFill>
+                  <a:schemeClr val="bg1"/>
+                </a:solidFill>
+                <a:latin typeface="Times New Roman" panose="02020603050405020304" pitchFamily="18" charset="0"/>
+                <a:cs typeface="Times New Roman" panose="02020603050405020304" pitchFamily="18" charset="0"/>
+              </a:rPr>
+              <a:t> </a:t>
+            </a:r>
+            <a:r>
+              <a:rPr lang="en-US" sz="3600" dirty="0" err="1">
+                <a:solidFill>
+                  <a:schemeClr val="bg1"/>
+                </a:solidFill>
+                <a:latin typeface="Times New Roman" panose="02020603050405020304" pitchFamily="18" charset="0"/>
+                <a:cs typeface="Times New Roman" panose="02020603050405020304" pitchFamily="18" charset="0"/>
+              </a:rPr>
+              <a:t>đạt</a:t>
+            </a:r>
+            <a:r>
+              <a:rPr lang="en-US" sz="3600" dirty="0">
+                <a:solidFill>
+                  <a:schemeClr val="bg1"/>
+                </a:solidFill>
+                <a:latin typeface="Times New Roman" panose="02020603050405020304" pitchFamily="18" charset="0"/>
+                <a:cs typeface="Times New Roman" panose="02020603050405020304" pitchFamily="18" charset="0"/>
+              </a:rPr>
+              <a:t> </a:t>
+            </a:r>
+            <a:r>
+              <a:rPr lang="en-US" sz="3600" dirty="0" err="1">
+                <a:solidFill>
+                  <a:schemeClr val="bg1"/>
+                </a:solidFill>
+                <a:latin typeface="Times New Roman" panose="02020603050405020304" pitchFamily="18" charset="0"/>
+                <a:cs typeface="Times New Roman" panose="02020603050405020304" pitchFamily="18" charset="0"/>
+              </a:rPr>
+              <a:t>được</a:t>
+            </a:r>
+            <a:endParaRPr lang="en-US" sz="3600" dirty="0">
+              <a:solidFill>
+                <a:schemeClr val="bg1"/>
+              </a:solidFill>
+              <a:latin typeface="Times New Roman" panose="02020603050405020304" pitchFamily="18" charset="0"/>
+              <a:cs typeface="Times New Roman" panose="02020603050405020304" pitchFamily="18" charset="0"/>
+            </a:endParaRPr>
+          </a:p>
+          <a:p>
+            <a:pPr lvl="1"/>
+            <a:endParaRPr lang="en-US" sz="3600" dirty="0">
+              <a:solidFill>
+                <a:schemeClr val="bg1"/>
+              </a:solidFill>
+              <a:latin typeface="Times New Roman" panose="02020603050405020304" pitchFamily="18" charset="0"/>
+              <a:cs typeface="Times New Roman" panose="02020603050405020304" pitchFamily="18" charset="0"/>
+            </a:endParaRPr>
+          </a:p>
+          <a:p>
+            <a:pPr lvl="1"/>
+            <a:r>
+              <a:rPr lang="en-US" sz="3600" dirty="0">
+                <a:solidFill>
+                  <a:schemeClr val="bg1"/>
+                </a:solidFill>
+                <a:latin typeface="Times New Roman" panose="02020603050405020304" pitchFamily="18" charset="0"/>
+                <a:cs typeface="Times New Roman" panose="02020603050405020304" pitchFamily="18" charset="0"/>
+              </a:rPr>
+              <a:t>	4</a:t>
+            </a:r>
+            <a:r>
+              <a:rPr lang="vi-VN" sz="3600" dirty="0">
+                <a:solidFill>
+                  <a:schemeClr val="bg1"/>
+                </a:solidFill>
+                <a:latin typeface="Times New Roman" panose="02020603050405020304" pitchFamily="18" charset="0"/>
+                <a:cs typeface="Times New Roman" panose="02020603050405020304" pitchFamily="18" charset="0"/>
+              </a:rPr>
               <a:t>. Hạn chế và h</a:t>
             </a:r>
             <a:r>
-              <a:rPr lang="en-US" sz="3600" dirty="0" err="1" smtClean="0">
+              <a:rPr lang="en-US" sz="3600" dirty="0" err="1">
                 <a:solidFill>
                   <a:schemeClr val="bg1"/>
                 </a:solidFill>
@@ -18971,7 +20149,7 @@
               <a:t>ướng</a:t>
             </a:r>
             <a:r>
-              <a:rPr lang="en-US" sz="3600" dirty="0" smtClean="0">
+              <a:rPr lang="en-US" sz="3600" dirty="0">
                 <a:solidFill>
                   <a:schemeClr val="bg1"/>
                 </a:solidFill>
@@ -18981,7 +20159,7 @@
               <a:t> </a:t>
             </a:r>
             <a:r>
-              <a:rPr lang="en-US" sz="3600" dirty="0" err="1" smtClean="0">
+              <a:rPr lang="en-US" sz="3600" dirty="0" err="1">
                 <a:solidFill>
                   <a:schemeClr val="bg1"/>
                 </a:solidFill>
@@ -18991,7 +20169,7 @@
               <a:t>phát</a:t>
             </a:r>
             <a:r>
-              <a:rPr lang="en-US" sz="3600" dirty="0" smtClean="0">
+              <a:rPr lang="en-US" sz="3600" dirty="0">
                 <a:solidFill>
                   <a:schemeClr val="bg1"/>
                 </a:solidFill>
@@ -19001,7 +20179,7 @@
               <a:t> </a:t>
             </a:r>
             <a:r>
-              <a:rPr lang="en-US" sz="3600" dirty="0" err="1" smtClean="0">
+              <a:rPr lang="en-US" sz="3600" dirty="0" err="1">
                 <a:solidFill>
                   <a:schemeClr val="bg1"/>
                 </a:solidFill>
@@ -19041,7 +20219,7 @@
               <a:t>2</a:t>
             </a:fld>
             <a:r>
-              <a:rPr lang="en-US" smtClean="0"/>
+              <a:rPr lang="en-US"/>
               <a:t>/17</a:t>
             </a:r>
             <a:endParaRPr lang="en-US" dirty="0"/>
@@ -19056,13 +20234,6 @@
   <p:transition spd="slow">
     <p:push dir="u"/>
   </p:transition>
-  <p:timing>
-    <p:tnLst>
-      <p:par>
-        <p:cTn id="1" dur="indefinite" restart="never" nodeType="tmRoot"/>
-      </p:par>
-    </p:tnLst>
-  </p:timing>
 </p:sld>
 </file>
 
@@ -19122,7 +20293,7 @@
               <a:t>1. </a:t>
             </a:r>
             <a:r>
-              <a:rPr lang="vi-VN" sz="3200" b="1" dirty="0" smtClean="0">
+              <a:rPr lang="vi-VN" sz="3200" b="1" dirty="0">
                 <a:solidFill>
                   <a:schemeClr val="bg1"/>
                 </a:solidFill>
@@ -19172,7 +20343,7 @@
           <a:p>
             <a:pPr lvl="0"/>
             <a:r>
-              <a:rPr lang="en-US" sz="2800" b="1" dirty="0" smtClean="0">
+              <a:rPr lang="en-US" sz="2800" b="1" dirty="0">
                 <a:solidFill>
                   <a:schemeClr val="bg1"/>
                 </a:solidFill>
@@ -19182,7 +20353,7 @@
               <a:t>1.1. </a:t>
             </a:r>
             <a:r>
-              <a:rPr lang="en-US" sz="2800" b="1" dirty="0" err="1" smtClean="0">
+              <a:rPr lang="en-US" sz="2800" b="1" dirty="0" err="1">
                 <a:solidFill>
                   <a:schemeClr val="bg1"/>
                 </a:solidFill>
@@ -19192,7 +20363,7 @@
               <a:t>Đặt</a:t>
             </a:r>
             <a:r>
-              <a:rPr lang="en-US" sz="2800" b="1" dirty="0" smtClean="0">
+              <a:rPr lang="en-US" sz="2800" b="1" dirty="0">
                 <a:solidFill>
                   <a:schemeClr val="bg1"/>
                 </a:solidFill>
@@ -19202,7 +20373,7 @@
               <a:t> </a:t>
             </a:r>
             <a:r>
-              <a:rPr lang="en-US" sz="2800" b="1" dirty="0" err="1" smtClean="0">
+              <a:rPr lang="en-US" sz="2800" b="1" dirty="0" err="1">
                 <a:solidFill>
                   <a:schemeClr val="bg1"/>
                 </a:solidFill>
@@ -19212,7 +20383,7 @@
               <a:t>vấn</a:t>
             </a:r>
             <a:r>
-              <a:rPr lang="en-US" sz="2800" b="1" dirty="0" smtClean="0">
+              <a:rPr lang="en-US" sz="2800" b="1" dirty="0">
                 <a:solidFill>
                   <a:schemeClr val="bg1"/>
                 </a:solidFill>
@@ -19222,7 +20393,7 @@
               <a:t> </a:t>
             </a:r>
             <a:r>
-              <a:rPr lang="en-US" sz="2800" b="1" dirty="0" err="1" smtClean="0">
+              <a:rPr lang="en-US" sz="2800" b="1" dirty="0" err="1">
                 <a:solidFill>
                   <a:schemeClr val="bg1"/>
                 </a:solidFill>
@@ -19231,7 +20402,7 @@
               </a:rPr>
               <a:t>đề</a:t>
             </a:r>
-            <a:endParaRPr lang="en-US" sz="2800" b="1" dirty="0" smtClean="0">
+            <a:endParaRPr lang="en-US" sz="2800" b="1" dirty="0">
               <a:solidFill>
                 <a:schemeClr val="bg1"/>
               </a:solidFill>
@@ -19262,7 +20433,7 @@
               <a:t>3</a:t>
             </a:fld>
             <a:r>
-              <a:rPr lang="en-US" smtClean="0"/>
+              <a:rPr lang="en-US"/>
               <a:t>/17</a:t>
             </a:r>
             <a:endParaRPr lang="en-US" dirty="0"/>
@@ -19307,16 +20478,7 @@
                 </a:solidFill>
                 <a:latin typeface="+mj-lt"/>
               </a:rPr>
-              <a:t>Kiểm thử phần mềm là một quá trình liên tục, xuyên suốt mọi giai đoạn phát triển phần </a:t>
-            </a:r>
-            <a:r>
-              <a:rPr lang="vi-VN" sz="2800" dirty="0" smtClean="0">
-                <a:solidFill>
-                  <a:schemeClr val="bg1"/>
-                </a:solidFill>
-                <a:latin typeface="+mj-lt"/>
-              </a:rPr>
-              <a:t>mềm.</a:t>
+              <a:t>Kiểm thử phần mềm là một quá trình liên tục, xuyên suốt mọi giai đoạn phát triển phần mềm.</a:t>
             </a:r>
           </a:p>
           <a:p>
@@ -19337,68 +20499,8 @@
                 </a:solidFill>
                 <a:latin typeface="+mj-lt"/>
               </a:rPr>
-              <a:t>Tuy nhiên vì phần mềm ngày càng </a:t>
-            </a:r>
-            <a:r>
-              <a:rPr lang="vi-VN" sz="2800" dirty="0" smtClean="0">
-                <a:solidFill>
-                  <a:schemeClr val="bg1"/>
-                </a:solidFill>
-                <a:latin typeface="+mj-lt"/>
-              </a:rPr>
-              <a:t>lớn, việc kiểm </a:t>
-            </a:r>
-            <a:r>
-              <a:rPr lang="vi-VN" sz="2800" dirty="0">
-                <a:solidFill>
-                  <a:schemeClr val="bg1"/>
-                </a:solidFill>
-                <a:latin typeface="+mj-lt"/>
-              </a:rPr>
-              <a:t>thử </a:t>
-            </a:r>
-            <a:r>
-              <a:rPr lang="vi-VN" sz="2800" dirty="0" smtClean="0">
-                <a:solidFill>
-                  <a:schemeClr val="bg1"/>
-                </a:solidFill>
-                <a:latin typeface="+mj-lt"/>
-              </a:rPr>
-              <a:t>thủ </a:t>
-            </a:r>
-            <a:r>
-              <a:rPr lang="vi-VN" sz="2800" dirty="0">
-                <a:solidFill>
-                  <a:schemeClr val="bg1"/>
-                </a:solidFill>
-                <a:latin typeface="+mj-lt"/>
-              </a:rPr>
-              <a:t>công sẽ dẫn đến </a:t>
-            </a:r>
-            <a:r>
-              <a:rPr lang="vi-VN" sz="2800" dirty="0" smtClean="0">
-                <a:solidFill>
-                  <a:schemeClr val="bg1"/>
-                </a:solidFill>
-                <a:latin typeface="+mj-lt"/>
-              </a:rPr>
-              <a:t>nhiều nhược điểm như mất </a:t>
-            </a:r>
-            <a:r>
-              <a:rPr lang="vi-VN" sz="2800" dirty="0">
-                <a:solidFill>
-                  <a:schemeClr val="bg1"/>
-                </a:solidFill>
-                <a:latin typeface="+mj-lt"/>
-              </a:rPr>
-              <a:t>thời gian, công sức cũng như chi phí, tiền bạc và chất lượng. </a:t>
-            </a:r>
-            <a:endParaRPr lang="vi-VN" sz="2800" dirty="0" smtClean="0">
-              <a:solidFill>
-                <a:schemeClr val="bg1"/>
-              </a:solidFill>
-              <a:latin typeface="+mj-lt"/>
-            </a:endParaRPr>
+              <a:t>Tuy nhiên vì phần mềm ngày càng lớn, việc kiểm thử thủ công sẽ dẫn đến nhiều nhược điểm như mất thời gian, công sức cũng như chi phí, tiền bạc và chất lượng. </a:t>
+            </a:r>
           </a:p>
           <a:p>
             <a:pPr marL="457200" indent="-457200">
@@ -19412,58 +20514,13 @@
               <a:buChar char="o"/>
             </a:pPr>
             <a:r>
-              <a:rPr lang="vi-VN" sz="2800" dirty="0" smtClean="0">
+              <a:rPr lang="vi-VN" sz="2800" dirty="0">
                 <a:solidFill>
                   <a:schemeClr val="bg1"/>
                 </a:solidFill>
                 <a:latin typeface="+mj-lt"/>
               </a:rPr>
-              <a:t>Sự </a:t>
-            </a:r>
-            <a:r>
-              <a:rPr lang="vi-VN" sz="2800" dirty="0">
-                <a:solidFill>
-                  <a:schemeClr val="bg1"/>
-                </a:solidFill>
-                <a:latin typeface="+mj-lt"/>
-              </a:rPr>
-              <a:t>ra đời của các công cụ kiểm thử tự động </a:t>
-            </a:r>
-            <a:r>
-              <a:rPr lang="vi-VN" sz="2800" dirty="0" smtClean="0">
-                <a:solidFill>
-                  <a:schemeClr val="bg1"/>
-                </a:solidFill>
-                <a:latin typeface="+mj-lt"/>
-              </a:rPr>
-              <a:t>mang đến ý </a:t>
-            </a:r>
-            <a:r>
-              <a:rPr lang="vi-VN" sz="2800" dirty="0">
-                <a:solidFill>
-                  <a:schemeClr val="bg1"/>
-                </a:solidFill>
-                <a:latin typeface="+mj-lt"/>
-              </a:rPr>
-              <a:t>nghĩa </a:t>
-            </a:r>
-            <a:r>
-              <a:rPr lang="vi-VN" sz="2800" dirty="0" smtClean="0">
-                <a:solidFill>
-                  <a:schemeClr val="bg1"/>
-                </a:solidFill>
-                <a:latin typeface="+mj-lt"/>
-              </a:rPr>
-              <a:t>to lớn, </a:t>
-            </a:r>
-            <a:r>
-              <a:rPr lang="vi-VN" sz="2800" dirty="0">
-                <a:solidFill>
-                  <a:schemeClr val="bg1"/>
-                </a:solidFill>
-                <a:latin typeface="+mj-lt"/>
-              </a:rPr>
-              <a:t>giúp tiết kiệm thời gian, công sức và tiền bạc.</a:t>
+              <a:t>Sự ra đời của các công cụ kiểm thử tự động mang đến ý nghĩa to lớn, giúp tiết kiệm thời gian, công sức và tiền bạc.</a:t>
             </a:r>
             <a:br>
               <a:rPr lang="vi-VN" sz="2800" dirty="0">
@@ -19517,13 +20574,6 @@
       </p:transition>
     </mc:Fallback>
   </mc:AlternateContent>
-  <p:timing>
-    <p:tnLst>
-      <p:par>
-        <p:cTn id="1" dur="indefinite" restart="never" nodeType="tmRoot"/>
-      </p:par>
-    </p:tnLst>
-  </p:timing>
 </p:sld>
 </file>
 
@@ -19633,7 +20683,7 @@
           <a:p>
             <a:pPr lvl="0"/>
             <a:r>
-              <a:rPr lang="en-US" sz="2800" b="1" dirty="0" smtClean="0">
+              <a:rPr lang="en-US" sz="2800" b="1" dirty="0">
                 <a:solidFill>
                   <a:schemeClr val="bg1"/>
                 </a:solidFill>
@@ -19643,7 +20693,7 @@
               <a:t>1.2. </a:t>
             </a:r>
             <a:r>
-              <a:rPr lang="en-US" sz="2800" b="1" dirty="0" err="1" smtClean="0">
+              <a:rPr lang="en-US" sz="2800" b="1" dirty="0" err="1">
                 <a:solidFill>
                   <a:schemeClr val="bg1"/>
                 </a:solidFill>
@@ -19653,7 +20703,7 @@
               <a:t>Mục</a:t>
             </a:r>
             <a:r>
-              <a:rPr lang="en-US" sz="2800" b="1" dirty="0" smtClean="0">
+              <a:rPr lang="en-US" sz="2800" b="1" dirty="0">
                 <a:solidFill>
                   <a:schemeClr val="bg1"/>
                 </a:solidFill>
@@ -19663,7 +20713,7 @@
               <a:t> </a:t>
             </a:r>
             <a:r>
-              <a:rPr lang="en-US" sz="2800" b="1" dirty="0" err="1" smtClean="0">
+              <a:rPr lang="en-US" sz="2800" b="1" dirty="0" err="1">
                 <a:solidFill>
                   <a:schemeClr val="bg1"/>
                 </a:solidFill>
@@ -19672,7 +20722,7 @@
               </a:rPr>
               <a:t>tiêu</a:t>
             </a:r>
-            <a:endParaRPr lang="en-US" sz="2800" b="1" dirty="0" smtClean="0">
+            <a:endParaRPr lang="en-US" sz="2800" b="1" dirty="0">
               <a:solidFill>
                 <a:schemeClr val="bg1"/>
               </a:solidFill>
@@ -19703,7 +20753,7 @@
               <a:t>4</a:t>
             </a:fld>
             <a:r>
-              <a:rPr lang="en-US" smtClean="0"/>
+              <a:rPr lang="en-US"/>
               <a:t>/17</a:t>
             </a:r>
             <a:endParaRPr lang="en-US" dirty="0"/>
@@ -19755,7 +20805,7 @@
           <a:lstStyle/>
           <a:p>
             <a:r>
-              <a:rPr lang="vi-VN" sz="2800" dirty="0" smtClean="0">
+              <a:rPr lang="vi-VN" sz="2800" dirty="0">
                 <a:solidFill>
                   <a:schemeClr val="tx2">
                     <a:lumMod val="50000"/>
@@ -19799,7 +20849,7 @@
           <a:lstStyle/>
           <a:p>
             <a:r>
-              <a:rPr lang="vi-VN" sz="2800" dirty="0" smtClean="0">
+              <a:rPr lang="vi-VN" sz="2800" dirty="0">
                 <a:solidFill>
                   <a:schemeClr val="tx2">
                     <a:lumMod val="50000"/>
@@ -19877,13 +20927,6 @@
   <p:transition spd="slow">
     <p:wipe/>
   </p:transition>
-  <p:timing>
-    <p:tnLst>
-      <p:par>
-        <p:cTn id="1" dur="indefinite" restart="never" nodeType="tmRoot"/>
-      </p:par>
-    </p:tnLst>
-  </p:timing>
 </p:sld>
 </file>
 
@@ -19931,7 +20974,7 @@
           <a:p>
             <a:pPr lvl="1"/>
             <a:r>
-              <a:rPr lang="vi-VN" sz="3200" b="1" dirty="0" smtClean="0">
+              <a:rPr lang="vi-VN" sz="3200" b="1" dirty="0">
                 <a:solidFill>
                   <a:schemeClr val="bg1"/>
                 </a:solidFill>
@@ -19941,7 +20984,7 @@
               <a:t>2. </a:t>
             </a:r>
             <a:r>
-              <a:rPr lang="en-US" sz="3200" b="1" dirty="0" err="1" smtClean="0">
+              <a:rPr lang="en-US" sz="3200" b="1" dirty="0" err="1">
                 <a:solidFill>
                   <a:schemeClr val="bg1"/>
                 </a:solidFill>
@@ -19951,7 +20994,7 @@
               <a:t>Kiểm</a:t>
             </a:r>
             <a:r>
-              <a:rPr lang="en-US" sz="3200" b="1" dirty="0" smtClean="0">
+              <a:rPr lang="en-US" sz="3200" b="1" dirty="0">
                 <a:solidFill>
                   <a:schemeClr val="bg1"/>
                 </a:solidFill>
@@ -19981,7 +21024,7 @@
               <a:t> </a:t>
             </a:r>
             <a:r>
-              <a:rPr lang="en-US" sz="3200" b="1" dirty="0" err="1" smtClean="0">
+              <a:rPr lang="en-US" sz="3200" b="1" dirty="0" err="1">
                 <a:solidFill>
                   <a:schemeClr val="bg1"/>
                 </a:solidFill>
@@ -19991,7 +21034,7 @@
               <a:t>với</a:t>
             </a:r>
             <a:r>
-              <a:rPr lang="en-US" sz="3200" b="1" dirty="0" smtClean="0">
+              <a:rPr lang="en-US" sz="3200" b="1" dirty="0">
                 <a:solidFill>
                   <a:schemeClr val="bg1"/>
                 </a:solidFill>
@@ -20001,7 +21044,7 @@
               <a:t> </a:t>
             </a:r>
             <a:r>
-              <a:rPr lang="vi-VN" sz="3200" b="1" dirty="0" smtClean="0">
+              <a:rPr lang="vi-VN" sz="3200" b="1" dirty="0">
                 <a:solidFill>
                   <a:schemeClr val="bg1"/>
                 </a:solidFill>
@@ -20011,7 +21054,7 @@
               <a:t>công cụ </a:t>
             </a:r>
             <a:r>
-              <a:rPr lang="en-US" sz="3200" b="1" dirty="0" err="1" smtClean="0">
+              <a:rPr lang="en-US" sz="3200" b="1" dirty="0" err="1">
                 <a:solidFill>
                   <a:schemeClr val="bg1"/>
                 </a:solidFill>
@@ -20021,24 +21064,14 @@
               <a:t>Katalon</a:t>
             </a:r>
             <a:r>
-              <a:rPr lang="en-US" sz="3200" b="1" dirty="0" smtClean="0">
+              <a:rPr lang="en-US" sz="3200" b="1" dirty="0">
                 <a:solidFill>
                   <a:schemeClr val="bg1"/>
                 </a:solidFill>
                 <a:latin typeface="Times New Roman" panose="02020603050405020304" pitchFamily="18" charset="0"/>
                 <a:cs typeface="Times New Roman" panose="02020603050405020304" pitchFamily="18" charset="0"/>
               </a:rPr>
-              <a:t> </a:t>
-            </a:r>
-            <a:r>
-              <a:rPr lang="en-US" sz="3200" b="1" dirty="0">
-                <a:solidFill>
-                  <a:schemeClr val="bg1"/>
-                </a:solidFill>
-                <a:latin typeface="Times New Roman" panose="02020603050405020304" pitchFamily="18" charset="0"/>
-                <a:cs typeface="Times New Roman" panose="02020603050405020304" pitchFamily="18" charset="0"/>
-              </a:rPr>
-              <a:t>Studio</a:t>
+              <a:t> Studio</a:t>
             </a:r>
           </a:p>
         </p:txBody>
@@ -20064,7 +21097,7 @@
               <a:t>5</a:t>
             </a:fld>
             <a:r>
-              <a:rPr lang="en-US" smtClean="0"/>
+              <a:rPr lang="en-US"/>
               <a:t>/17</a:t>
             </a:r>
             <a:endParaRPr lang="en-US" dirty="0"/>
@@ -20076,7 +21109,7 @@
           <p:cNvPr id="13" name="TextBox 12">
             <a:extLst>
               <a:ext uri="{FF2B5EF4-FFF2-40B4-BE49-F238E27FC236}">
-                <a16:creationId xmlns="" xmlns:a16="http://schemas.microsoft.com/office/drawing/2014/main" id="{13973D20-D63E-910A-BDED-D8976D6205CB}"/>
+                <a16:creationId xmlns:a16="http://schemas.microsoft.com/office/drawing/2014/main" id="{13973D20-D63E-910A-BDED-D8976D6205CB}"/>
               </a:ext>
             </a:extLst>
           </p:cNvPr>
@@ -20105,7 +21138,7 @@
               </a:lnSpc>
             </a:pPr>
             <a:r>
-              <a:rPr lang="en-US" sz="2800" b="1" dirty="0" smtClean="0">
+              <a:rPr lang="en-US" sz="2800" b="1" dirty="0">
                 <a:solidFill>
                   <a:schemeClr val="bg1"/>
                 </a:solidFill>
@@ -20115,7 +21148,7 @@
               <a:t>1. </a:t>
             </a:r>
             <a:r>
-              <a:rPr lang="en-US" sz="2800" b="1" dirty="0" err="1" smtClean="0">
+              <a:rPr lang="en-US" sz="2800" b="1" dirty="0" err="1">
                 <a:solidFill>
                   <a:schemeClr val="bg1"/>
                 </a:solidFill>
@@ -20125,7 +21158,7 @@
               <a:t>Kiểm</a:t>
             </a:r>
             <a:r>
-              <a:rPr lang="en-US" sz="2800" b="1" dirty="0" smtClean="0">
+              <a:rPr lang="en-US" sz="2800" b="1" dirty="0">
                 <a:solidFill>
                   <a:schemeClr val="bg1"/>
                 </a:solidFill>
@@ -20225,7 +21258,7 @@
               <a:t>gì</a:t>
             </a:r>
             <a:r>
-              <a:rPr lang="en-US" sz="2800" b="1" dirty="0" smtClean="0">
+              <a:rPr lang="en-US" sz="2800" b="1" dirty="0">
                 <a:solidFill>
                   <a:schemeClr val="bg1"/>
                 </a:solidFill>
@@ -20234,7 +21267,7 @@
               </a:rPr>
               <a:t>?</a:t>
             </a:r>
-            <a:endParaRPr lang="vi-VN" sz="2800" b="1" dirty="0" smtClean="0">
+            <a:endParaRPr lang="vi-VN" sz="2800" b="1" dirty="0">
               <a:solidFill>
                 <a:schemeClr val="bg1"/>
               </a:solidFill>
@@ -20243,7 +21276,7 @@
             </a:endParaRPr>
           </a:p>
           <a:p>
-            <a:endParaRPr lang="vi-VN" sz="2800" b="1" dirty="0" smtClean="0">
+            <a:endParaRPr lang="vi-VN" sz="2800" b="1" dirty="0">
               <a:solidFill>
                 <a:schemeClr val="bg1"/>
               </a:solidFill>
@@ -20257,7 +21290,7 @@
                 <a:spcPct val="150000"/>
               </a:lnSpc>
             </a:pPr>
-            <a:endParaRPr lang="vi-VN" sz="2800" b="1" dirty="0" smtClean="0">
+            <a:endParaRPr lang="vi-VN" sz="2800" b="1" dirty="0">
               <a:solidFill>
                 <a:schemeClr val="bg1"/>
               </a:solidFill>
@@ -20271,7 +21304,7 @@
                 <a:spcPct val="150000"/>
               </a:lnSpc>
             </a:pPr>
-            <a:endParaRPr lang="vi-VN" sz="2800" b="1" dirty="0" smtClean="0">
+            <a:endParaRPr lang="vi-VN" sz="2800" b="1" dirty="0">
               <a:solidFill>
                 <a:schemeClr val="bg1"/>
               </a:solidFill>
@@ -20281,24 +21314,14 @@
           </a:p>
           <a:p>
             <a:r>
-              <a:rPr lang="en-US" sz="2800" b="1" dirty="0" smtClean="0">
+              <a:rPr lang="en-US" sz="2800" b="1" dirty="0">
                 <a:solidFill>
                   <a:schemeClr val="bg1"/>
                 </a:solidFill>
                 <a:latin typeface="Times New Roman" panose="02020603050405020304" pitchFamily="18" charset="0"/>
                 <a:cs typeface="Times New Roman" panose="02020603050405020304" pitchFamily="18" charset="0"/>
               </a:rPr>
-              <a:t>2</a:t>
-            </a:r>
-            <a:r>
-              <a:rPr lang="en-US" sz="2800" b="1" dirty="0">
-                <a:solidFill>
-                  <a:schemeClr val="bg1"/>
-                </a:solidFill>
-                <a:latin typeface="Times New Roman" panose="02020603050405020304" pitchFamily="18" charset="0"/>
-                <a:cs typeface="Times New Roman" panose="02020603050405020304" pitchFamily="18" charset="0"/>
-              </a:rPr>
-              <a:t>. </a:t>
+              <a:t>2. </a:t>
             </a:r>
             <a:r>
               <a:rPr lang="en-US" sz="2800" b="1" dirty="0" err="1">
@@ -20493,45 +21516,8 @@
                 <a:latin typeface="Times New Roman" panose="02020603050405020304" pitchFamily="18" charset="0"/>
                 <a:ea typeface="Times New Roman" panose="02020603050405020304" pitchFamily="18" charset="0"/>
               </a:rPr>
-              <a:t>Kiểm thử tự động là một kỹ thuật kiểm thử phần mềm thực hiện bằng cách sử dụng các công cụ phần mềm kiểm thử </a:t>
-            </a:r>
-            <a:r>
-              <a:rPr lang="vi-VN" sz="2400" dirty="0" smtClean="0">
-                <a:solidFill>
-                  <a:schemeClr val="bg1"/>
-                </a:solidFill>
-                <a:latin typeface="Times New Roman" panose="02020603050405020304" pitchFamily="18" charset="0"/>
-                <a:ea typeface="Times New Roman" panose="02020603050405020304" pitchFamily="18" charset="0"/>
-              </a:rPr>
-              <a:t>đặc </a:t>
-            </a:r>
-            <a:r>
-              <a:rPr lang="vi-VN" sz="2400" dirty="0">
-                <a:solidFill>
-                  <a:schemeClr val="bg1"/>
-                </a:solidFill>
-                <a:latin typeface="Times New Roman" panose="02020603050405020304" pitchFamily="18" charset="0"/>
-                <a:ea typeface="Times New Roman" panose="02020603050405020304" pitchFamily="18" charset="0"/>
-              </a:rPr>
-              <a:t>biệt để thực thi một bộ trường hợp kiểm </a:t>
-            </a:r>
-            <a:r>
-              <a:rPr lang="vi-VN" sz="2400" dirty="0" smtClean="0">
-                <a:solidFill>
-                  <a:schemeClr val="bg1"/>
-                </a:solidFill>
-                <a:latin typeface="Times New Roman" panose="02020603050405020304" pitchFamily="18" charset="0"/>
-                <a:ea typeface="Times New Roman" panose="02020603050405020304" pitchFamily="18" charset="0"/>
-              </a:rPr>
-              <a:t>thử </a:t>
-            </a:r>
-            <a:endParaRPr lang="vi-VN" sz="2400" dirty="0">
-              <a:solidFill>
-                <a:schemeClr val="bg1"/>
-              </a:solidFill>
-              <a:latin typeface="Times New Roman" panose="02020603050405020304" pitchFamily="18" charset="0"/>
-              <a:ea typeface="Times New Roman" panose="02020603050405020304" pitchFamily="18" charset="0"/>
-            </a:endParaRPr>
+              <a:t>Kiểm thử tự động là một kỹ thuật kiểm thử phần mềm thực hiện bằng cách sử dụng các công cụ phần mềm kiểm thử đặc biệt để thực thi một bộ trường hợp kiểm thử </a:t>
+            </a:r>
           </a:p>
         </p:txBody>
       </p:sp>
@@ -20631,7 +21617,7 @@
               <a:t> </a:t>
             </a:r>
             <a:r>
-              <a:rPr lang="en-US" sz="2400" dirty="0" err="1" smtClean="0">
+              <a:rPr lang="en-US" sz="2400" dirty="0" err="1">
                 <a:solidFill>
                   <a:schemeClr val="bg1"/>
                 </a:solidFill>
@@ -20641,7 +21627,7 @@
               <a:t>gian</a:t>
             </a:r>
             <a:r>
-              <a:rPr lang="en-US" sz="2400" dirty="0" smtClean="0">
+              <a:rPr lang="en-US" sz="2400" dirty="0">
                 <a:solidFill>
                   <a:schemeClr val="bg1"/>
                 </a:solidFill>
@@ -20889,13 +21875,6 @@
   <p:transition spd="slow">
     <p:push dir="u"/>
   </p:transition>
-  <p:timing>
-    <p:tnLst>
-      <p:par>
-        <p:cTn id="1" dur="indefinite" restart="never" nodeType="tmRoot"/>
-      </p:par>
-    </p:tnLst>
-  </p:timing>
 </p:sld>
 </file>
 
@@ -21042,13 +22021,6 @@
               </a:rPr>
               <a:t> Studio</a:t>
             </a:r>
-            <a:endParaRPr lang="en-US" sz="3200" b="1" dirty="0">
-              <a:solidFill>
-                <a:schemeClr val="bg1"/>
-              </a:solidFill>
-              <a:latin typeface="Times New Roman" panose="02020603050405020304" pitchFamily="18" charset="0"/>
-              <a:cs typeface="Times New Roman" panose="02020603050405020304" pitchFamily="18" charset="0"/>
-            </a:endParaRPr>
           </a:p>
         </p:txBody>
       </p:sp>
@@ -21073,7 +22045,7 @@
               <a:t>6</a:t>
             </a:fld>
             <a:r>
-              <a:rPr lang="en-US" smtClean="0"/>
+              <a:rPr lang="en-US"/>
               <a:t>/17</a:t>
             </a:r>
             <a:endParaRPr lang="en-US" dirty="0"/>
@@ -21085,7 +22057,7 @@
           <p:cNvPr id="5" name="TextBox 4">
             <a:extLst>
               <a:ext uri="{FF2B5EF4-FFF2-40B4-BE49-F238E27FC236}">
-                <a16:creationId xmlns="" xmlns:a16="http://schemas.microsoft.com/office/drawing/2014/main" id="{BB68ED6E-5226-BD24-7049-C2601028C56E}"/>
+                <a16:creationId xmlns:a16="http://schemas.microsoft.com/office/drawing/2014/main" id="{BB68ED6E-5226-BD24-7049-C2601028C56E}"/>
               </a:ext>
             </a:extLst>
           </p:cNvPr>
@@ -21253,7 +22225,7 @@
               <a:t> </a:t>
             </a:r>
             <a:r>
-              <a:rPr lang="en-US" sz="2800" b="1" dirty="0" err="1" smtClean="0">
+              <a:rPr lang="en-US" sz="2800" b="1" dirty="0" err="1">
                 <a:solidFill>
                   <a:schemeClr val="bg1"/>
                 </a:solidFill>
@@ -21312,7 +22284,7 @@
               </a:tabLst>
             </a:pPr>
             <a:r>
-              <a:rPr lang="vi-VN" sz="2400" dirty="0" smtClean="0">
+              <a:rPr lang="vi-VN" sz="2400" dirty="0">
                 <a:solidFill>
                   <a:schemeClr val="bg1"/>
                 </a:solidFill>
@@ -21339,7 +22311,7 @@
               </a:tabLst>
             </a:pPr>
             <a:r>
-              <a:rPr lang="en-US" sz="2400" dirty="0" err="1" smtClean="0">
+              <a:rPr lang="en-US" sz="2400" dirty="0" err="1">
                 <a:solidFill>
                   <a:schemeClr val="bg1"/>
                 </a:solidFill>
@@ -21350,7 +22322,7 @@
               <a:t>Lập</a:t>
             </a:r>
             <a:r>
-              <a:rPr lang="en-US" sz="2400" dirty="0" smtClean="0">
+              <a:rPr lang="en-US" sz="2400" dirty="0">
                 <a:solidFill>
                   <a:schemeClr val="bg1"/>
                 </a:solidFill>
@@ -21462,7 +22434,7 @@
               </a:tabLst>
             </a:pPr>
             <a:r>
-              <a:rPr lang="vi-VN" sz="2400" dirty="0" smtClean="0">
+              <a:rPr lang="vi-VN" sz="2400" dirty="0">
                 <a:solidFill>
                   <a:schemeClr val="bg1"/>
                 </a:solidFill>
@@ -21489,7 +22461,7 @@
               </a:tabLst>
             </a:pPr>
             <a:r>
-              <a:rPr lang="vi-VN" sz="2400" dirty="0" smtClean="0">
+              <a:rPr lang="vi-VN" sz="2400" dirty="0">
                 <a:solidFill>
                   <a:schemeClr val="bg1"/>
                 </a:solidFill>
@@ -21516,7 +22488,7 @@
               </a:tabLst>
             </a:pPr>
             <a:r>
-              <a:rPr lang="en-US" sz="2400" dirty="0" err="1" smtClean="0">
+              <a:rPr lang="en-US" sz="2400" dirty="0" err="1">
                 <a:solidFill>
                   <a:schemeClr val="bg1"/>
                 </a:solidFill>
@@ -21527,7 +22499,7 @@
               <a:t>Thực</a:t>
             </a:r>
             <a:r>
-              <a:rPr lang="en-US" sz="2400" dirty="0" smtClean="0">
+              <a:rPr lang="en-US" sz="2400" dirty="0">
                 <a:solidFill>
                   <a:schemeClr val="bg1"/>
                 </a:solidFill>
@@ -21617,7 +22589,7 @@
               </a:tabLst>
             </a:pPr>
             <a:r>
-              <a:rPr lang="vi-VN" sz="2400" dirty="0" smtClean="0">
+              <a:rPr lang="vi-VN" sz="2400" dirty="0">
                 <a:solidFill>
                   <a:schemeClr val="bg1"/>
                 </a:solidFill>
@@ -21628,7 +22600,7 @@
               <a:t>Đóng chu trình </a:t>
             </a:r>
             <a:r>
-              <a:rPr lang="en-US" sz="2400" dirty="0" err="1" smtClean="0">
+              <a:rPr lang="en-US" sz="2400" dirty="0" err="1">
                 <a:solidFill>
                   <a:schemeClr val="bg1"/>
                 </a:solidFill>
@@ -21639,7 +22611,7 @@
               <a:t>kiểm</a:t>
             </a:r>
             <a:r>
-              <a:rPr lang="en-US" sz="2400" dirty="0" smtClean="0">
+              <a:rPr lang="en-US" sz="2400" dirty="0">
                 <a:solidFill>
                   <a:schemeClr val="bg1"/>
                 </a:solidFill>
@@ -21685,13 +22657,6 @@
   <p:transition spd="slow">
     <p:push dir="u"/>
   </p:transition>
-  <p:timing>
-    <p:tnLst>
-      <p:par>
-        <p:cTn id="1" dur="indefinite" restart="never" nodeType="tmRoot"/>
-      </p:par>
-    </p:tnLst>
-  </p:timing>
 </p:sld>
 </file>
 
@@ -21838,13 +22803,6 @@
               </a:rPr>
               <a:t> Studio</a:t>
             </a:r>
-            <a:endParaRPr lang="en-US" sz="3200" b="1" dirty="0">
-              <a:solidFill>
-                <a:schemeClr val="bg1"/>
-              </a:solidFill>
-              <a:latin typeface="Times New Roman" panose="02020603050405020304" pitchFamily="18" charset="0"/>
-              <a:cs typeface="Times New Roman" panose="02020603050405020304" pitchFamily="18" charset="0"/>
-            </a:endParaRPr>
           </a:p>
         </p:txBody>
       </p:sp>
@@ -21869,7 +22827,7 @@
               <a:t>7</a:t>
             </a:fld>
             <a:r>
-              <a:rPr lang="en-US" smtClean="0"/>
+              <a:rPr lang="en-US"/>
               <a:t>/17</a:t>
             </a:r>
             <a:endParaRPr lang="en-US" dirty="0"/>
@@ -21881,7 +22839,7 @@
           <p:cNvPr id="5" name="Google Shape;131;p6">
             <a:extLst>
               <a:ext uri="{FF2B5EF4-FFF2-40B4-BE49-F238E27FC236}">
-                <a16:creationId xmlns="" xmlns:a16="http://schemas.microsoft.com/office/drawing/2014/main" id="{29B9D9C7-0F54-E736-207D-898B3398391F}"/>
+                <a16:creationId xmlns:a16="http://schemas.microsoft.com/office/drawing/2014/main" id="{29B9D9C7-0F54-E736-207D-898B3398391F}"/>
               </a:ext>
             </a:extLst>
           </p:cNvPr>
@@ -21917,7 +22875,7 @@
               <a:buNone/>
             </a:pPr>
             <a:r>
-              <a:rPr lang="vi-VN" sz="2800" b="1" dirty="0" smtClean="0">
+              <a:rPr lang="vi-VN" sz="2800" b="1" dirty="0">
                 <a:solidFill>
                   <a:schemeClr val="bg1"/>
                 </a:solidFill>
@@ -21929,7 +22887,7 @@
               <a:t>4</a:t>
             </a:r>
             <a:r>
-              <a:rPr lang="en-US" sz="2800" b="1" dirty="0" smtClean="0">
+              <a:rPr lang="en-US" sz="2800" b="1" dirty="0">
                 <a:solidFill>
                   <a:schemeClr val="bg1"/>
                 </a:solidFill>
@@ -22061,7 +23019,7 @@
               <a:t> </a:t>
             </a:r>
             <a:r>
-              <a:rPr lang="vi-VN" sz="2800" b="1" dirty="0" smtClean="0">
+              <a:rPr lang="vi-VN" sz="2800" b="1" dirty="0">
                 <a:solidFill>
                   <a:schemeClr val="bg1"/>
                 </a:solidFill>
@@ -22083,7 +23041,7 @@
               </a:spcAft>
               <a:buNone/>
             </a:pPr>
-            <a:endParaRPr lang="vi-VN" sz="2800" dirty="0" smtClean="0">
+            <a:endParaRPr lang="vi-VN" sz="2800" dirty="0">
               <a:solidFill>
                 <a:schemeClr val="bg1"/>
               </a:solidFill>
@@ -22103,7 +23061,7 @@
               </a:spcAft>
               <a:buNone/>
             </a:pPr>
-            <a:endParaRPr lang="vi-VN" sz="2800" dirty="0" smtClean="0">
+            <a:endParaRPr lang="vi-VN" sz="2800" dirty="0">
               <a:solidFill>
                 <a:schemeClr val="bg1"/>
               </a:solidFill>
@@ -22158,15 +23116,6 @@
               </a:rPr>
               <a:t>Katalon Studio là một giải pháp kiểm thử tự động được phát triển bởi Katalon LLC. Phần mềm này được xây dựng dựa trên các khung tự động hóa nguồn mở Selenium, Appium với giao diện IDE chuyên dụng để kiểm thử ứng dụng web, API, di động và máy tính để bàn. </a:t>
             </a:r>
-            <a:endParaRPr lang="vi-VN" sz="2400" dirty="0">
-              <a:solidFill>
-                <a:schemeClr val="bg1"/>
-              </a:solidFill>
-              <a:latin typeface="Times New Roman" panose="02020603050405020304" pitchFamily="18" charset="0"/>
-              <a:ea typeface="Times New Roman"/>
-              <a:cs typeface="Times New Roman" panose="02020603050405020304" pitchFamily="18" charset="0"/>
-              <a:sym typeface="Times New Roman"/>
-            </a:endParaRPr>
           </a:p>
         </p:txBody>
       </p:sp>
@@ -22183,13 +23132,6 @@
   <p:transition spd="slow">
     <p:push dir="u"/>
   </p:transition>
-  <p:timing>
-    <p:tnLst>
-      <p:par>
-        <p:cTn id="1" dur="indefinite" restart="never" nodeType="tmRoot"/>
-      </p:par>
-    </p:tnLst>
-  </p:timing>
 </p:sld>
 </file>
 
@@ -22336,13 +23278,6 @@
               </a:rPr>
               <a:t> Studio</a:t>
             </a:r>
-            <a:endParaRPr lang="en-US" sz="3200" b="1" dirty="0">
-              <a:solidFill>
-                <a:schemeClr val="bg1"/>
-              </a:solidFill>
-              <a:latin typeface="Times New Roman" panose="02020603050405020304" pitchFamily="18" charset="0"/>
-              <a:cs typeface="Times New Roman" panose="02020603050405020304" pitchFamily="18" charset="0"/>
-            </a:endParaRPr>
           </a:p>
         </p:txBody>
       </p:sp>
@@ -22367,7 +23302,7 @@
               <a:t>8</a:t>
             </a:fld>
             <a:r>
-              <a:rPr lang="en-US" smtClean="0"/>
+              <a:rPr lang="en-US"/>
               <a:t>/17</a:t>
             </a:r>
             <a:endParaRPr lang="en-US" dirty="0"/>
@@ -22379,7 +23314,7 @@
           <p:cNvPr id="5" name="Google Shape;131;p6">
             <a:extLst>
               <a:ext uri="{FF2B5EF4-FFF2-40B4-BE49-F238E27FC236}">
-                <a16:creationId xmlns="" xmlns:a16="http://schemas.microsoft.com/office/drawing/2014/main" id="{29B9D9C7-0F54-E736-207D-898B3398391F}"/>
+                <a16:creationId xmlns:a16="http://schemas.microsoft.com/office/drawing/2014/main" id="{29B9D9C7-0F54-E736-207D-898B3398391F}"/>
               </a:ext>
             </a:extLst>
           </p:cNvPr>
@@ -22415,7 +23350,7 @@
               <a:buNone/>
             </a:pPr>
             <a:r>
-              <a:rPr lang="vi-VN" sz="2800" b="1" dirty="0" smtClean="0">
+              <a:rPr lang="vi-VN" sz="2800" b="1" dirty="0">
                 <a:solidFill>
                   <a:schemeClr val="bg1"/>
                 </a:solidFill>
@@ -22427,7 +23362,7 @@
               <a:t>4</a:t>
             </a:r>
             <a:r>
-              <a:rPr lang="en-US" sz="2800" b="1" dirty="0" smtClean="0">
+              <a:rPr lang="en-US" sz="2800" b="1" dirty="0">
                 <a:solidFill>
                   <a:schemeClr val="bg1"/>
                 </a:solidFill>
@@ -22559,7 +23494,7 @@
               <a:t> </a:t>
             </a:r>
             <a:r>
-              <a:rPr lang="vi-VN" sz="2800" b="1" dirty="0" smtClean="0">
+              <a:rPr lang="vi-VN" sz="2800" b="1" dirty="0">
                 <a:solidFill>
                   <a:schemeClr val="bg1"/>
                 </a:solidFill>
@@ -22581,7 +23516,7 @@
               </a:spcAft>
               <a:buNone/>
             </a:pPr>
-            <a:endParaRPr lang="vi-VN" sz="2800" dirty="0" smtClean="0">
+            <a:endParaRPr lang="vi-VN" sz="2800" dirty="0">
               <a:solidFill>
                 <a:schemeClr val="bg1"/>
               </a:solidFill>
@@ -22601,7 +23536,7 @@
               </a:spcAft>
               <a:buNone/>
             </a:pPr>
-            <a:endParaRPr lang="vi-VN" sz="2800" dirty="0" smtClean="0">
+            <a:endParaRPr lang="vi-VN" sz="2800" dirty="0">
               <a:solidFill>
                 <a:schemeClr val="bg1"/>
               </a:solidFill>
@@ -22708,58 +23643,13 @@
               <a:buChar char="o"/>
             </a:pPr>
             <a:r>
-              <a:rPr lang="vi-VN" sz="2400" dirty="0" smtClean="0">
+              <a:rPr lang="vi-VN" sz="2400" dirty="0">
                 <a:solidFill>
                   <a:schemeClr val="bg1"/>
                 </a:solidFill>
                 <a:latin typeface="+mj-lt"/>
               </a:rPr>
-              <a:t>Hỗ </a:t>
-            </a:r>
-            <a:r>
-              <a:rPr lang="vi-VN" sz="2400" dirty="0">
-                <a:solidFill>
-                  <a:schemeClr val="bg1"/>
-                </a:solidFill>
-                <a:latin typeface="+mj-lt"/>
-              </a:rPr>
-              <a:t>trợ </a:t>
-            </a:r>
-            <a:r>
-              <a:rPr lang="vi-VN" sz="2400" dirty="0" smtClean="0">
-                <a:solidFill>
-                  <a:schemeClr val="bg1"/>
-                </a:solidFill>
-                <a:latin typeface="+mj-lt"/>
-              </a:rPr>
-              <a:t>Data Driven Testing, </a:t>
-            </a:r>
-            <a:r>
-              <a:rPr lang="vi-VN" sz="2400" dirty="0">
-                <a:solidFill>
-                  <a:schemeClr val="bg1"/>
-                </a:solidFill>
-                <a:latin typeface="+mj-lt"/>
-              </a:rPr>
-              <a:t>sử dụng được </a:t>
-            </a:r>
-            <a:r>
-              <a:rPr lang="vi-VN" sz="2400" dirty="0" smtClean="0">
-                <a:solidFill>
-                  <a:schemeClr val="bg1"/>
-                </a:solidFill>
-                <a:latin typeface="+mj-lt"/>
-              </a:rPr>
-              <a:t>file </a:t>
-            </a:r>
-            <a:r>
-              <a:rPr lang="vi-VN" sz="2400" dirty="0">
-                <a:solidFill>
-                  <a:schemeClr val="bg1"/>
-                </a:solidFill>
-                <a:latin typeface="+mj-lt"/>
-              </a:rPr>
-              <a:t>như Excel, CSV, Database Source</a:t>
+              <a:t>Hỗ trợ Data Driven Testing, sử dụng được file như Excel, CSV, Database Source</a:t>
             </a:r>
           </a:p>
           <a:p>
@@ -22774,31 +23664,13 @@
               <a:buChar char="o"/>
             </a:pPr>
             <a:r>
-              <a:rPr lang="vi-VN" sz="2400" dirty="0" smtClean="0">
+              <a:rPr lang="vi-VN" sz="2400" dirty="0">
                 <a:solidFill>
                   <a:schemeClr val="bg1"/>
                 </a:solidFill>
                 <a:latin typeface="+mj-lt"/>
               </a:rPr>
-              <a:t>Hỗ </a:t>
-            </a:r>
-            <a:r>
-              <a:rPr lang="vi-VN" sz="2400" dirty="0">
-                <a:solidFill>
-                  <a:schemeClr val="bg1"/>
-                </a:solidFill>
-                <a:latin typeface="+mj-lt"/>
-              </a:rPr>
-              <a:t>trợ chạy từ command line, CI/CD </a:t>
-            </a:r>
-            <a:r>
-              <a:rPr lang="vi-VN" sz="2400" dirty="0" smtClean="0">
-                <a:solidFill>
-                  <a:schemeClr val="bg1"/>
-                </a:solidFill>
-                <a:latin typeface="+mj-lt"/>
-              </a:rPr>
-              <a:t>integration</a:t>
+              <a:t>Hỗ trợ chạy từ command line, CI/CD integration</a:t>
             </a:r>
           </a:p>
           <a:p>
@@ -22813,22 +23685,13 @@
               <a:buChar char="o"/>
             </a:pPr>
             <a:r>
-              <a:rPr lang="vi-VN" sz="2400" dirty="0" smtClean="0">
+              <a:rPr lang="vi-VN" sz="2400" dirty="0">
                 <a:solidFill>
                   <a:schemeClr val="bg1"/>
                 </a:solidFill>
                 <a:latin typeface="+mj-lt"/>
               </a:rPr>
-              <a:t>Có </a:t>
-            </a:r>
-            <a:r>
-              <a:rPr lang="vi-VN" sz="2400" dirty="0">
-                <a:solidFill>
-                  <a:schemeClr val="bg1"/>
-                </a:solidFill>
-                <a:latin typeface="+mj-lt"/>
-              </a:rPr>
-              <a:t>sẵn các built-in keywords cho Web, API, mobile, desktop application</a:t>
+              <a:t>Có sẵn các built-in keywords cho Web, API, mobile, desktop application</a:t>
             </a:r>
           </a:p>
           <a:p>
@@ -22862,13 +23725,6 @@
   <p:transition spd="slow">
     <p:push dir="u"/>
   </p:transition>
-  <p:timing>
-    <p:tnLst>
-      <p:par>
-        <p:cTn id="1" dur="indefinite" restart="never" nodeType="tmRoot"/>
-      </p:par>
-    </p:tnLst>
-  </p:timing>
 </p:sld>
 </file>
 
@@ -23028,7 +23884,7 @@
               <a:t>9</a:t>
             </a:fld>
             <a:r>
-              <a:rPr lang="en-US" smtClean="0"/>
+              <a:rPr lang="en-US"/>
               <a:t>/17</a:t>
             </a:r>
             <a:endParaRPr lang="en-US" dirty="0"/>
@@ -23064,7 +23920,7 @@
           <p:cNvPr id="10" name="TextBox 9">
             <a:extLst>
               <a:ext uri="{FF2B5EF4-FFF2-40B4-BE49-F238E27FC236}">
-                <a16:creationId xmlns="" xmlns:a16="http://schemas.microsoft.com/office/drawing/2014/main" id="{DF4931F6-81C5-A1C4-2D09-D598B0CFB4A5}"/>
+                <a16:creationId xmlns:a16="http://schemas.microsoft.com/office/drawing/2014/main" id="{DF4931F6-81C5-A1C4-2D09-D598B0CFB4A5}"/>
               </a:ext>
             </a:extLst>
           </p:cNvPr>
@@ -23097,7 +23953,7 @@
               </a:tabLst>
             </a:pPr>
             <a:r>
-              <a:rPr lang="vi-VN" sz="2400" dirty="0" smtClean="0">
+              <a:rPr lang="vi-VN" sz="2400" dirty="0">
                 <a:solidFill>
                   <a:schemeClr val="bg1"/>
                 </a:solidFill>
@@ -23108,7 +23964,7 @@
               <a:t>Website “nopCommerce” </a:t>
             </a:r>
             <a:r>
-              <a:rPr lang="en-US" sz="2400" dirty="0" err="1" smtClean="0">
+              <a:rPr lang="en-US" sz="2400" dirty="0" err="1">
                 <a:solidFill>
                   <a:schemeClr val="bg1"/>
                 </a:solidFill>
@@ -23119,7 +23975,7 @@
               <a:t>là</a:t>
             </a:r>
             <a:r>
-              <a:rPr lang="en-US" sz="2400" dirty="0" smtClean="0">
+              <a:rPr lang="en-US" sz="2400" dirty="0">
                 <a:solidFill>
                   <a:schemeClr val="bg1"/>
                 </a:solidFill>
@@ -23127,9 +23983,42 @@
                 <a:latin typeface="Times New Roman" panose="02020603050405020304" pitchFamily="18" charset="0"/>
                 <a:ea typeface="Times New Roman" panose="02020603050405020304" pitchFamily="18" charset="0"/>
               </a:rPr>
+              <a:t> website </a:t>
+            </a:r>
+            <a:r>
+              <a:rPr lang="en-US" sz="2400" dirty="0" err="1">
+                <a:solidFill>
+                  <a:schemeClr val="bg1"/>
+                </a:solidFill>
+                <a:effectLst/>
+                <a:latin typeface="Times New Roman" panose="02020603050405020304" pitchFamily="18" charset="0"/>
+                <a:ea typeface="Times New Roman" panose="02020603050405020304" pitchFamily="18" charset="0"/>
+              </a:rPr>
+              <a:t>bán</a:t>
+            </a:r>
+            <a:r>
+              <a:rPr lang="en-US" sz="2400" dirty="0">
+                <a:solidFill>
+                  <a:schemeClr val="bg1"/>
+                </a:solidFill>
+                <a:effectLst/>
+                <a:latin typeface="Times New Roman" panose="02020603050405020304" pitchFamily="18" charset="0"/>
+                <a:ea typeface="Times New Roman" panose="02020603050405020304" pitchFamily="18" charset="0"/>
+              </a:rPr>
               <a:t> </a:t>
             </a:r>
             <a:r>
+              <a:rPr lang="en-US" sz="2400" dirty="0" err="1">
+                <a:solidFill>
+                  <a:schemeClr val="bg1"/>
+                </a:solidFill>
+                <a:effectLst/>
+                <a:latin typeface="Times New Roman" panose="02020603050405020304" pitchFamily="18" charset="0"/>
+                <a:ea typeface="Times New Roman" panose="02020603050405020304" pitchFamily="18" charset="0"/>
+              </a:rPr>
+              <a:t>hàng</a:t>
+            </a:r>
+            <a:r>
               <a:rPr lang="en-US" sz="2400" dirty="0">
                 <a:solidFill>
                   <a:schemeClr val="bg1"/>
@@ -23138,7 +24027,7 @@
                 <a:latin typeface="Times New Roman" panose="02020603050405020304" pitchFamily="18" charset="0"/>
                 <a:ea typeface="Times New Roman" panose="02020603050405020304" pitchFamily="18" charset="0"/>
               </a:rPr>
-              <a:t>website </a:t>
+              <a:t> </a:t>
             </a:r>
             <a:r>
               <a:rPr lang="en-US" sz="2400" dirty="0" err="1">
@@ -23149,7 +24038,7 @@
                 <a:latin typeface="Times New Roman" panose="02020603050405020304" pitchFamily="18" charset="0"/>
                 <a:ea typeface="Times New Roman" panose="02020603050405020304" pitchFamily="18" charset="0"/>
               </a:rPr>
-              <a:t>bán</a:t>
+              <a:t>trực</a:t>
             </a:r>
             <a:r>
               <a:rPr lang="en-US" sz="2400" dirty="0">
@@ -23164,50 +24053,6 @@
             </a:r>
             <a:r>
               <a:rPr lang="en-US" sz="2400" dirty="0" err="1">
-                <a:solidFill>
-                  <a:schemeClr val="bg1"/>
-                </a:solidFill>
-                <a:effectLst/>
-                <a:latin typeface="Times New Roman" panose="02020603050405020304" pitchFamily="18" charset="0"/>
-                <a:ea typeface="Times New Roman" panose="02020603050405020304" pitchFamily="18" charset="0"/>
-              </a:rPr>
-              <a:t>hàng</a:t>
-            </a:r>
-            <a:r>
-              <a:rPr lang="en-US" sz="2400" dirty="0">
-                <a:solidFill>
-                  <a:schemeClr val="bg1"/>
-                </a:solidFill>
-                <a:effectLst/>
-                <a:latin typeface="Times New Roman" panose="02020603050405020304" pitchFamily="18" charset="0"/>
-                <a:ea typeface="Times New Roman" panose="02020603050405020304" pitchFamily="18" charset="0"/>
-              </a:rPr>
-              <a:t> </a:t>
-            </a:r>
-            <a:r>
-              <a:rPr lang="en-US" sz="2400" dirty="0" err="1">
-                <a:solidFill>
-                  <a:schemeClr val="bg1"/>
-                </a:solidFill>
-                <a:effectLst/>
-                <a:latin typeface="Times New Roman" panose="02020603050405020304" pitchFamily="18" charset="0"/>
-                <a:ea typeface="Times New Roman" panose="02020603050405020304" pitchFamily="18" charset="0"/>
-              </a:rPr>
-              <a:t>trực</a:t>
-            </a:r>
-            <a:r>
-              <a:rPr lang="en-US" sz="2400" dirty="0">
-                <a:solidFill>
-                  <a:schemeClr val="bg1"/>
-                </a:solidFill>
-                <a:effectLst/>
-                <a:latin typeface="Times New Roman" panose="02020603050405020304" pitchFamily="18" charset="0"/>
-                <a:ea typeface="Times New Roman" panose="02020603050405020304" pitchFamily="18" charset="0"/>
-              </a:rPr>
-              <a:t> </a:t>
-            </a:r>
-            <a:r>
-              <a:rPr lang="en-US" sz="2400" dirty="0" err="1" smtClean="0">
                 <a:solidFill>
                   <a:schemeClr val="bg1"/>
                 </a:solidFill>
@@ -23241,13 +24086,6 @@
   <p:transition spd="slow">
     <p:wipe/>
   </p:transition>
-  <p:timing>
-    <p:tnLst>
-      <p:par>
-        <p:cTn id="1" dur="indefinite" restart="never" nodeType="tmRoot"/>
-      </p:par>
-    </p:tnLst>
-  </p:timing>
 </p:sld>
 </file>
 

--- a/TestData/New folder/DATN.pptx
+++ b/TestData/New folder/DATN.pptx
@@ -29,23 +29,30 @@
   <p:notesSz cx="6858000" cy="9144000"/>
   <p:embeddedFontLst>
     <p:embeddedFont>
-      <p:font typeface="Calibri" panose="020F0502020204030204" pitchFamily="34" charset="0"/>
+      <p:font typeface="Roboto" panose="02000000000000000000" pitchFamily="2" charset="0"/>
       <p:regular r:id="rId19"/>
       <p:bold r:id="rId20"/>
       <p:italic r:id="rId21"/>
       <p:boldItalic r:id="rId22"/>
     </p:embeddedFont>
     <p:embeddedFont>
-      <p:font typeface="Rockwell" panose="02060603020205020403" pitchFamily="18" charset="77"/>
+      <p:font typeface="Calibri" panose="020F0502020204030204" pitchFamily="34" charset="0"/>
       <p:regular r:id="rId23"/>
       <p:bold r:id="rId24"/>
       <p:italic r:id="rId25"/>
       <p:boldItalic r:id="rId26"/>
     </p:embeddedFont>
     <p:embeddedFont>
-      <p:font typeface="Tahoma" panose="020B0604030504040204" pitchFamily="34" charset="0"/>
+      <p:font typeface="Rockwell" panose="02060603020205020403" pitchFamily="18" charset="0"/>
       <p:regular r:id="rId27"/>
       <p:bold r:id="rId28"/>
+      <p:italic r:id="rId29"/>
+      <p:boldItalic r:id="rId30"/>
+    </p:embeddedFont>
+    <p:embeddedFont>
+      <p:font typeface="Tahoma" panose="020B0604030504040204" pitchFamily="34" charset="0"/>
+      <p:regular r:id="rId31"/>
+      <p:bold r:id="rId32"/>
     </p:embeddedFont>
   </p:embeddedFontLst>
   <p:defaultTextStyle>
@@ -282,7 +289,7 @@
       <p15:sldGuideLst xmlns:p15="http://schemas.microsoft.com/office/powerpoint/2012/main"/>
     </p:ext>
     <p:ext uri="http://customooxmlschemas.google.com/">
-      <go:slidesCustomData xmlns:go="http://customooxmlschemas.google.com/" xmlns:ahyp="http://schemas.microsoft.com/office/drawing/2018/hyperlinkcolor" xmlns:p15="http://schemas.microsoft.com/office/powerpoint/2012/main" xmlns:p14="http://schemas.microsoft.com/office/powerpoint/2010/main" xmlns:com="http://schemas.openxmlformats.org/drawingml/2006/compatibility" xmlns:pvml="urn:schemas-microsoft-com:office:powerpoint" xmlns:v="urn:schemas-microsoft-com:vml" xmlns:o="urn:schemas-microsoft-com:office:office" xmlns:dgm="http://schemas.openxmlformats.org/drawingml/2006/diagram" xmlns:c="http://schemas.openxmlformats.org/drawingml/2006/chart" xmlns:mv="urn:schemas-microsoft-com:mac:vml" xmlns:mc="http://schemas.openxmlformats.org/markup-compatibility/2006" xmlns="" r:id="rId39" roundtripDataSignature="AMtx7miMQy0B61euSvy1TGI04t3g93aj4g=="/>
+      <go:slidesCustomData xmlns="" xmlns:mc="http://schemas.openxmlformats.org/markup-compatibility/2006" xmlns:mv="urn:schemas-microsoft-com:mac:vml" xmlns:c="http://schemas.openxmlformats.org/drawingml/2006/chart" xmlns:dgm="http://schemas.openxmlformats.org/drawingml/2006/diagram" xmlns:o="urn:schemas-microsoft-com:office:office" xmlns:v="urn:schemas-microsoft-com:vml" xmlns:pvml="urn:schemas-microsoft-com:office:powerpoint" xmlns:com="http://schemas.openxmlformats.org/drawingml/2006/compatibility" xmlns:p14="http://schemas.microsoft.com/office/powerpoint/2010/main" xmlns:p15="http://schemas.microsoft.com/office/powerpoint/2012/main" xmlns:ahyp="http://schemas.microsoft.com/office/drawing/2018/hyperlinkcolor" xmlns:go="http://customooxmlschemas.google.com/" r:id="rId39" roundtripDataSignature="AMtx7miMQy0B61euSvy1TGI04t3g93aj4g=="/>
     </p:ext>
   </p:extLst>
 </p:presentation>
@@ -2251,6 +2258,13 @@
         </dgm:presLayoutVars>
       </dgm:prSet>
       <dgm:spPr/>
+      <dgm:t>
+        <a:bodyPr/>
+        <a:lstStyle/>
+        <a:p>
+          <a:endParaRPr lang="en-US"/>
+        </a:p>
+      </dgm:t>
     </dgm:pt>
     <dgm:pt modelId="{94EE4761-63DB-4645-A252-1EC3354EC6C4}" type="pres">
       <dgm:prSet presAssocID="{1C15FBF6-E50A-45F2-8C88-3CA5D6F8C531}" presName="Name1" presStyleCnt="0"/>
@@ -2267,6 +2281,13 @@
     <dgm:pt modelId="{4D327771-9913-4F5A-8C92-70AAF94F9A97}" type="pres">
       <dgm:prSet presAssocID="{1C15FBF6-E50A-45F2-8C88-3CA5D6F8C531}" presName="conn" presStyleLbl="parChTrans1D2" presStyleIdx="0" presStyleCnt="1"/>
       <dgm:spPr/>
+      <dgm:t>
+        <a:bodyPr/>
+        <a:lstStyle/>
+        <a:p>
+          <a:endParaRPr lang="en-US"/>
+        </a:p>
+      </dgm:t>
     </dgm:pt>
     <dgm:pt modelId="{FD1DAF94-11D4-411E-9678-175A2344EBFF}" type="pres">
       <dgm:prSet presAssocID="{1C15FBF6-E50A-45F2-8C88-3CA5D6F8C531}" presName="extraNode" presStyleLbl="node1" presStyleIdx="0" presStyleCnt="3"/>
@@ -2283,6 +2304,13 @@
         </dgm:presLayoutVars>
       </dgm:prSet>
       <dgm:spPr/>
+      <dgm:t>
+        <a:bodyPr/>
+        <a:lstStyle/>
+        <a:p>
+          <a:endParaRPr lang="en-US"/>
+        </a:p>
+      </dgm:t>
     </dgm:pt>
     <dgm:pt modelId="{37EC5EEE-D870-4A4B-9ADF-F1715A5D2113}" type="pres">
       <dgm:prSet presAssocID="{1369B7C7-C611-4AF7-B40A-FF5AF8C0510B}" presName="accent_1" presStyleCnt="0"/>
@@ -2299,6 +2327,13 @@
         </dgm:presLayoutVars>
       </dgm:prSet>
       <dgm:spPr/>
+      <dgm:t>
+        <a:bodyPr/>
+        <a:lstStyle/>
+        <a:p>
+          <a:endParaRPr lang="en-US"/>
+        </a:p>
+      </dgm:t>
     </dgm:pt>
     <dgm:pt modelId="{C450EAF4-D4A2-4EFE-AA5B-4D28344FC9BF}" type="pres">
       <dgm:prSet presAssocID="{2D9FFAA0-91A5-40E4-AD20-F8EA0E3617EA}" presName="accent_2" presStyleCnt="0"/>
@@ -2315,6 +2350,13 @@
         </dgm:presLayoutVars>
       </dgm:prSet>
       <dgm:spPr/>
+      <dgm:t>
+        <a:bodyPr/>
+        <a:lstStyle/>
+        <a:p>
+          <a:endParaRPr lang="en-US"/>
+        </a:p>
+      </dgm:t>
     </dgm:pt>
     <dgm:pt modelId="{7B2A956B-8C48-449F-9E5E-FA982ED1CCF8}" type="pres">
       <dgm:prSet presAssocID="{823F882D-CC2D-405F-B48D-1117FE3B7723}" presName="accent_3" presStyleCnt="0"/>
@@ -2327,13 +2369,13 @@
   </dgm:ptLst>
   <dgm:cxnLst>
     <dgm:cxn modelId="{6400AD1D-2EF3-4F1C-B72C-D9D1397D2C99}" type="presOf" srcId="{0E690C7A-4458-47A8-B8DC-05C386236946}" destId="{4D327771-9913-4F5A-8C92-70AAF94F9A97}" srcOrd="0" destOrd="0" presId="urn:microsoft.com/office/officeart/2008/layout/VerticalCurvedList"/>
+    <dgm:cxn modelId="{A0A6806A-6B88-44A9-B548-B8B6E286539F}" srcId="{1C15FBF6-E50A-45F2-8C88-3CA5D6F8C531}" destId="{2D9FFAA0-91A5-40E4-AD20-F8EA0E3617EA}" srcOrd="1" destOrd="0" parTransId="{7E0ED2E5-F963-47B9-A03B-FCCAA63C0E14}" sibTransId="{3D863B4C-8C48-4AAA-AAA2-9E154E8D5916}"/>
+    <dgm:cxn modelId="{18A6D6B4-42C9-4E01-B5AD-73A52FA500FF}" type="presOf" srcId="{2D9FFAA0-91A5-40E4-AD20-F8EA0E3617EA}" destId="{CE59B63D-1981-4BBC-AC6E-5D8651CCD609}" srcOrd="0" destOrd="0" presId="urn:microsoft.com/office/officeart/2008/layout/VerticalCurvedList"/>
     <dgm:cxn modelId="{D161A221-2A55-48E1-A9FF-706CBA61FF39}" srcId="{1C15FBF6-E50A-45F2-8C88-3CA5D6F8C531}" destId="{823F882D-CC2D-405F-B48D-1117FE3B7723}" srcOrd="2" destOrd="0" parTransId="{C24B9060-19F8-48D7-B485-D8371F3C1D02}" sibTransId="{742DEA19-EC76-4F1B-AC82-68D255D572AA}"/>
-    <dgm:cxn modelId="{A0A6806A-6B88-44A9-B548-B8B6E286539F}" srcId="{1C15FBF6-E50A-45F2-8C88-3CA5D6F8C531}" destId="{2D9FFAA0-91A5-40E4-AD20-F8EA0E3617EA}" srcOrd="1" destOrd="0" parTransId="{7E0ED2E5-F963-47B9-A03B-FCCAA63C0E14}" sibTransId="{3D863B4C-8C48-4AAA-AAA2-9E154E8D5916}"/>
+    <dgm:cxn modelId="{0D4DF993-A740-4611-89AB-95291A000FC4}" srcId="{1C15FBF6-E50A-45F2-8C88-3CA5D6F8C531}" destId="{1369B7C7-C611-4AF7-B40A-FF5AF8C0510B}" srcOrd="0" destOrd="0" parTransId="{D54B1C7C-B462-41B6-BEDB-C26A1B5C932F}" sibTransId="{0E690C7A-4458-47A8-B8DC-05C386236946}"/>
+    <dgm:cxn modelId="{C152F287-C671-4B78-8849-8C06EDC43326}" type="presOf" srcId="{823F882D-CC2D-405F-B48D-1117FE3B7723}" destId="{9DE73039-F0D5-4F94-B639-117D4547B951}" srcOrd="0" destOrd="0" presId="urn:microsoft.com/office/officeart/2008/layout/VerticalCurvedList"/>
     <dgm:cxn modelId="{60609974-6401-4FCD-B64D-85D145310412}" type="presOf" srcId="{1369B7C7-C611-4AF7-B40A-FF5AF8C0510B}" destId="{3CC0397C-2B3A-431D-A33E-503FA4620F80}" srcOrd="0" destOrd="0" presId="urn:microsoft.com/office/officeart/2008/layout/VerticalCurvedList"/>
-    <dgm:cxn modelId="{C152F287-C671-4B78-8849-8C06EDC43326}" type="presOf" srcId="{823F882D-CC2D-405F-B48D-1117FE3B7723}" destId="{9DE73039-F0D5-4F94-B639-117D4547B951}" srcOrd="0" destOrd="0" presId="urn:microsoft.com/office/officeart/2008/layout/VerticalCurvedList"/>
-    <dgm:cxn modelId="{0D4DF993-A740-4611-89AB-95291A000FC4}" srcId="{1C15FBF6-E50A-45F2-8C88-3CA5D6F8C531}" destId="{1369B7C7-C611-4AF7-B40A-FF5AF8C0510B}" srcOrd="0" destOrd="0" parTransId="{D54B1C7C-B462-41B6-BEDB-C26A1B5C932F}" sibTransId="{0E690C7A-4458-47A8-B8DC-05C386236946}"/>
     <dgm:cxn modelId="{28BD2596-8603-481F-BCB9-3A4DB58C81C3}" type="presOf" srcId="{1C15FBF6-E50A-45F2-8C88-3CA5D6F8C531}" destId="{39A87877-CACF-4E27-94C8-9662D0FBBFBC}" srcOrd="0" destOrd="0" presId="urn:microsoft.com/office/officeart/2008/layout/VerticalCurvedList"/>
-    <dgm:cxn modelId="{18A6D6B4-42C9-4E01-B5AD-73A52FA500FF}" type="presOf" srcId="{2D9FFAA0-91A5-40E4-AD20-F8EA0E3617EA}" destId="{CE59B63D-1981-4BBC-AC6E-5D8651CCD609}" srcOrd="0" destOrd="0" presId="urn:microsoft.com/office/officeart/2008/layout/VerticalCurvedList"/>
     <dgm:cxn modelId="{7657BDF3-61A5-4714-B2EA-588A5E1CE6FA}" type="presParOf" srcId="{39A87877-CACF-4E27-94C8-9662D0FBBFBC}" destId="{94EE4761-63DB-4645-A252-1EC3354EC6C4}" srcOrd="0" destOrd="0" presId="urn:microsoft.com/office/officeart/2008/layout/VerticalCurvedList"/>
     <dgm:cxn modelId="{563642E2-A664-4560-B983-D30711941B4B}" type="presParOf" srcId="{94EE4761-63DB-4645-A252-1EC3354EC6C4}" destId="{D20F926F-C145-4309-A0CE-04ECA07D9899}" srcOrd="0" destOrd="0" presId="urn:microsoft.com/office/officeart/2008/layout/VerticalCurvedList"/>
     <dgm:cxn modelId="{D144BE97-D945-43CF-86B1-77AAD1B66257}" type="presParOf" srcId="{D20F926F-C145-4309-A0CE-04ECA07D9899}" destId="{71C84AE4-DB0D-490B-ADD9-37B9D1061352}" srcOrd="0" destOrd="0" presId="urn:microsoft.com/office/officeart/2008/layout/VerticalCurvedList"/>
@@ -2709,6 +2751,13 @@
         </dgm:presLayoutVars>
       </dgm:prSet>
       <dgm:spPr/>
+      <dgm:t>
+        <a:bodyPr/>
+        <a:lstStyle/>
+        <a:p>
+          <a:endParaRPr lang="en-US"/>
+        </a:p>
+      </dgm:t>
     </dgm:pt>
     <dgm:pt modelId="{1E82D328-7889-4F24-A549-70DD75C37334}" type="pres">
       <dgm:prSet presAssocID="{44C6922B-D3DB-441C-8C20-6506FBB1A329}" presName="node" presStyleLbl="node1" presStyleIdx="0" presStyleCnt="8">
@@ -2717,6 +2766,13 @@
         </dgm:presLayoutVars>
       </dgm:prSet>
       <dgm:spPr/>
+      <dgm:t>
+        <a:bodyPr/>
+        <a:lstStyle/>
+        <a:p>
+          <a:endParaRPr lang="en-US"/>
+        </a:p>
+      </dgm:t>
     </dgm:pt>
     <dgm:pt modelId="{A3AAAF44-B38B-44FC-A0DF-7934491DBA97}" type="pres">
       <dgm:prSet presAssocID="{A5B0E499-EC39-4AEA-9466-E3FD96F9C94B}" presName="sibTrans" presStyleCnt="0"/>
@@ -2729,6 +2785,13 @@
         </dgm:presLayoutVars>
       </dgm:prSet>
       <dgm:spPr/>
+      <dgm:t>
+        <a:bodyPr/>
+        <a:lstStyle/>
+        <a:p>
+          <a:endParaRPr lang="en-US"/>
+        </a:p>
+      </dgm:t>
     </dgm:pt>
     <dgm:pt modelId="{A23E76B2-989B-4BFB-945B-8C8215DD2CD4}" type="pres">
       <dgm:prSet presAssocID="{16539EE8-E477-4E9E-A760-4A23EFB35AAD}" presName="sibTrans" presStyleCnt="0"/>
@@ -2741,6 +2804,13 @@
         </dgm:presLayoutVars>
       </dgm:prSet>
       <dgm:spPr/>
+      <dgm:t>
+        <a:bodyPr/>
+        <a:lstStyle/>
+        <a:p>
+          <a:endParaRPr lang="en-US"/>
+        </a:p>
+      </dgm:t>
     </dgm:pt>
     <dgm:pt modelId="{18835E32-FD0A-42D2-9CCB-42D7A92E3DC4}" type="pres">
       <dgm:prSet presAssocID="{CAA646FE-76B7-4AB9-84AB-13EE447DE4E6}" presName="sibTrans" presStyleCnt="0"/>
@@ -2753,6 +2823,13 @@
         </dgm:presLayoutVars>
       </dgm:prSet>
       <dgm:spPr/>
+      <dgm:t>
+        <a:bodyPr/>
+        <a:lstStyle/>
+        <a:p>
+          <a:endParaRPr lang="en-US"/>
+        </a:p>
+      </dgm:t>
     </dgm:pt>
     <dgm:pt modelId="{72B2E4BB-088A-473A-8164-3B62EEF6F47D}" type="pres">
       <dgm:prSet presAssocID="{D59F1FAB-89FF-4934-A47B-3701E008B7C1}" presName="sibTrans" presStyleCnt="0"/>
@@ -2765,6 +2842,13 @@
         </dgm:presLayoutVars>
       </dgm:prSet>
       <dgm:spPr/>
+      <dgm:t>
+        <a:bodyPr/>
+        <a:lstStyle/>
+        <a:p>
+          <a:endParaRPr lang="en-US"/>
+        </a:p>
+      </dgm:t>
     </dgm:pt>
     <dgm:pt modelId="{40678EAD-66E5-4F01-809E-91A4289636B8}" type="pres">
       <dgm:prSet presAssocID="{6D6BE257-B23E-45F6-8A91-B8CD3AE8D5E8}" presName="sibTrans" presStyleCnt="0"/>
@@ -2777,6 +2861,13 @@
         </dgm:presLayoutVars>
       </dgm:prSet>
       <dgm:spPr/>
+      <dgm:t>
+        <a:bodyPr/>
+        <a:lstStyle/>
+        <a:p>
+          <a:endParaRPr lang="en-US"/>
+        </a:p>
+      </dgm:t>
     </dgm:pt>
     <dgm:pt modelId="{0969C909-A26C-48D8-A6FD-A52F11C714A5}" type="pres">
       <dgm:prSet presAssocID="{8A9AD97D-9498-44A8-B9C2-3CD67F2D32FC}" presName="sibTrans" presStyleCnt="0"/>
@@ -2789,6 +2880,13 @@
         </dgm:presLayoutVars>
       </dgm:prSet>
       <dgm:spPr/>
+      <dgm:t>
+        <a:bodyPr/>
+        <a:lstStyle/>
+        <a:p>
+          <a:endParaRPr lang="en-US"/>
+        </a:p>
+      </dgm:t>
     </dgm:pt>
     <dgm:pt modelId="{B03D8C53-7218-42DF-8EA7-C21295ABE7DC}" type="pres">
       <dgm:prSet presAssocID="{42A35C8C-799E-490C-822E-74D05D4363A3}" presName="sibTrans" presStyleCnt="0"/>
@@ -2801,26 +2899,33 @@
         </dgm:presLayoutVars>
       </dgm:prSet>
       <dgm:spPr/>
+      <dgm:t>
+        <a:bodyPr/>
+        <a:lstStyle/>
+        <a:p>
+          <a:endParaRPr lang="en-US"/>
+        </a:p>
+      </dgm:t>
     </dgm:pt>
   </dgm:ptLst>
   <dgm:cxnLst>
+    <dgm:cxn modelId="{05CFFB13-80A6-47D6-A8A6-AACB03672850}" srcId="{F2CBAB69-A145-440A-8E4E-B97402ACB675}" destId="{44C6922B-D3DB-441C-8C20-6506FBB1A329}" srcOrd="0" destOrd="0" parTransId="{D4D36B05-D094-4EF8-B485-5B1CAADEF99A}" sibTransId="{A5B0E499-EC39-4AEA-9466-E3FD96F9C94B}"/>
+    <dgm:cxn modelId="{62A38FFA-89F8-4A75-AA13-C7E3A4E787BF}" srcId="{F2CBAB69-A145-440A-8E4E-B97402ACB675}" destId="{DDAE6A8E-455A-40CA-A457-9C2C8618A73A}" srcOrd="4" destOrd="0" parTransId="{0F2DF8F2-700A-4A8F-AFE4-0FD7E75F1067}" sibTransId="{6D6BE257-B23E-45F6-8A91-B8CD3AE8D5E8}"/>
+    <dgm:cxn modelId="{ED7B852E-4BFA-46AF-91CC-87559B46FB44}" type="presOf" srcId="{DE634A4F-BBCD-47D2-A19B-91685CB99BA3}" destId="{A2BF5A52-5CC8-4095-A109-6C787DA890BB}" srcOrd="0" destOrd="0" presId="urn:microsoft.com/office/officeart/2005/8/layout/default"/>
+    <dgm:cxn modelId="{AAF967C1-CCA2-495F-9167-41D3BC1323B5}" type="presOf" srcId="{F2CBAB69-A145-440A-8E4E-B97402ACB675}" destId="{98085582-7C1E-4BD3-92FA-DEA5FC069C7D}" srcOrd="0" destOrd="0" presId="urn:microsoft.com/office/officeart/2005/8/layout/default"/>
+    <dgm:cxn modelId="{DE15E897-140A-41C3-9501-69D3C0777ACB}" type="presOf" srcId="{DDAE6A8E-455A-40CA-A457-9C2C8618A73A}" destId="{A9D08980-7A6A-40EB-9D5B-BB23841476B5}" srcOrd="0" destOrd="0" presId="urn:microsoft.com/office/officeart/2005/8/layout/default"/>
+    <dgm:cxn modelId="{853712D1-77D2-4EBC-832E-7DE727808652}" srcId="{F2CBAB69-A145-440A-8E4E-B97402ACB675}" destId="{A206DB9E-C56F-4BD0-99B8-A903A5ACB100}" srcOrd="1" destOrd="0" parTransId="{02A5D4CE-1B19-4D60-9557-398DFD29A131}" sibTransId="{16539EE8-E477-4E9E-A760-4A23EFB35AAD}"/>
+    <dgm:cxn modelId="{C952C1B6-172C-4C1B-98E2-27B3F2C41F6F}" srcId="{F2CBAB69-A145-440A-8E4E-B97402ACB675}" destId="{E7B9B7B4-02DC-4EFC-B8BB-DCA5FFBE077E}" srcOrd="5" destOrd="0" parTransId="{DD497B04-7802-4D73-8E9A-5DD0C5FA28AD}" sibTransId="{8A9AD97D-9498-44A8-B9C2-3CD67F2D32FC}"/>
+    <dgm:cxn modelId="{3A0B4D24-DAC0-42A4-96AD-5E1CA129669B}" srcId="{F2CBAB69-A145-440A-8E4E-B97402ACB675}" destId="{E7443B30-631F-48F8-B0C4-58FC44F5DC92}" srcOrd="7" destOrd="0" parTransId="{F3193431-89CC-45C9-8886-C07A97D65AD1}" sibTransId="{3618B8E0-33E8-4449-B1B1-8196106EF429}"/>
+    <dgm:cxn modelId="{0A9FEF74-F1BE-4484-A0B7-505315B24372}" type="presOf" srcId="{4B8EC1D6-9F95-481A-8C8B-D4177BDD5343}" destId="{8A56D103-2541-4DA3-9685-12CC6C62A5E6}" srcOrd="0" destOrd="0" presId="urn:microsoft.com/office/officeart/2005/8/layout/default"/>
+    <dgm:cxn modelId="{EC23D3AD-E5A6-4588-843E-2A8F9DFCB6D7}" type="presOf" srcId="{A206DB9E-C56F-4BD0-99B8-A903A5ACB100}" destId="{36426E02-D678-483B-A7C0-C27D48030E17}" srcOrd="0" destOrd="0" presId="urn:microsoft.com/office/officeart/2005/8/layout/default"/>
+    <dgm:cxn modelId="{A5B3B1D7-9B50-42C2-AA6D-AA2E3D021D79}" type="presOf" srcId="{E7443B30-631F-48F8-B0C4-58FC44F5DC92}" destId="{88F14069-25F6-4871-AFF0-A1BCC1B71DF4}" srcOrd="0" destOrd="0" presId="urn:microsoft.com/office/officeart/2005/8/layout/default"/>
+    <dgm:cxn modelId="{D21AC644-7897-419A-A540-740F2CF2B5B2}" type="presOf" srcId="{E7B9B7B4-02DC-4EFC-B8BB-DCA5FFBE077E}" destId="{1110329E-566F-4F37-9F49-62AE71A3B52A}" srcOrd="0" destOrd="0" presId="urn:microsoft.com/office/officeart/2005/8/layout/default"/>
+    <dgm:cxn modelId="{53F8B1E6-13DF-42EB-8B0F-E4E117003C58}" srcId="{F2CBAB69-A145-440A-8E4E-B97402ACB675}" destId="{4B8EC1D6-9F95-481A-8C8B-D4177BDD5343}" srcOrd="2" destOrd="0" parTransId="{E228264E-BE33-445A-8DB3-0F4A8809CA93}" sibTransId="{CAA646FE-76B7-4AB9-84AB-13EE447DE4E6}"/>
+    <dgm:cxn modelId="{FFAFEA4E-C3C1-4E51-9182-5DAC86647C88}" type="presOf" srcId="{8396500D-203B-405F-9297-09D670FFF74F}" destId="{5EC9E5F1-AF19-4663-82B3-63FB7A5DFA82}" srcOrd="0" destOrd="0" presId="urn:microsoft.com/office/officeart/2005/8/layout/default"/>
+    <dgm:cxn modelId="{98F0E96E-1B7B-4149-9AB4-0F9B4C69D926}" srcId="{F2CBAB69-A145-440A-8E4E-B97402ACB675}" destId="{DE634A4F-BBCD-47D2-A19B-91685CB99BA3}" srcOrd="6" destOrd="0" parTransId="{D9D70061-BA6D-4F26-90BC-F5607B2EE1C5}" sibTransId="{42A35C8C-799E-490C-822E-74D05D4363A3}"/>
     <dgm:cxn modelId="{62F57E05-A1B5-4B2D-A0F1-C026AF7D5842}" type="presOf" srcId="{44C6922B-D3DB-441C-8C20-6506FBB1A329}" destId="{1E82D328-7889-4F24-A549-70DD75C37334}" srcOrd="0" destOrd="0" presId="urn:microsoft.com/office/officeart/2005/8/layout/default"/>
     <dgm:cxn modelId="{D7991111-CD1A-40D9-921D-24FF1D9173A9}" srcId="{F2CBAB69-A145-440A-8E4E-B97402ACB675}" destId="{8396500D-203B-405F-9297-09D670FFF74F}" srcOrd="3" destOrd="0" parTransId="{8DF55B8F-397E-41D3-B4B1-BA9B5DB4B143}" sibTransId="{D59F1FAB-89FF-4934-A47B-3701E008B7C1}"/>
-    <dgm:cxn modelId="{05CFFB13-80A6-47D6-A8A6-AACB03672850}" srcId="{F2CBAB69-A145-440A-8E4E-B97402ACB675}" destId="{44C6922B-D3DB-441C-8C20-6506FBB1A329}" srcOrd="0" destOrd="0" parTransId="{D4D36B05-D094-4EF8-B485-5B1CAADEF99A}" sibTransId="{A5B0E499-EC39-4AEA-9466-E3FD96F9C94B}"/>
-    <dgm:cxn modelId="{3A0B4D24-DAC0-42A4-96AD-5E1CA129669B}" srcId="{F2CBAB69-A145-440A-8E4E-B97402ACB675}" destId="{E7443B30-631F-48F8-B0C4-58FC44F5DC92}" srcOrd="7" destOrd="0" parTransId="{F3193431-89CC-45C9-8886-C07A97D65AD1}" sibTransId="{3618B8E0-33E8-4449-B1B1-8196106EF429}"/>
-    <dgm:cxn modelId="{ED7B852E-4BFA-46AF-91CC-87559B46FB44}" type="presOf" srcId="{DE634A4F-BBCD-47D2-A19B-91685CB99BA3}" destId="{A2BF5A52-5CC8-4095-A109-6C787DA890BB}" srcOrd="0" destOrd="0" presId="urn:microsoft.com/office/officeart/2005/8/layout/default"/>
-    <dgm:cxn modelId="{D21AC644-7897-419A-A540-740F2CF2B5B2}" type="presOf" srcId="{E7B9B7B4-02DC-4EFC-B8BB-DCA5FFBE077E}" destId="{1110329E-566F-4F37-9F49-62AE71A3B52A}" srcOrd="0" destOrd="0" presId="urn:microsoft.com/office/officeart/2005/8/layout/default"/>
-    <dgm:cxn modelId="{FFAFEA4E-C3C1-4E51-9182-5DAC86647C88}" type="presOf" srcId="{8396500D-203B-405F-9297-09D670FFF74F}" destId="{5EC9E5F1-AF19-4663-82B3-63FB7A5DFA82}" srcOrd="0" destOrd="0" presId="urn:microsoft.com/office/officeart/2005/8/layout/default"/>
-    <dgm:cxn modelId="{98F0E96E-1B7B-4149-9AB4-0F9B4C69D926}" srcId="{F2CBAB69-A145-440A-8E4E-B97402ACB675}" destId="{DE634A4F-BBCD-47D2-A19B-91685CB99BA3}" srcOrd="6" destOrd="0" parTransId="{D9D70061-BA6D-4F26-90BC-F5607B2EE1C5}" sibTransId="{42A35C8C-799E-490C-822E-74D05D4363A3}"/>
-    <dgm:cxn modelId="{0A9FEF74-F1BE-4484-A0B7-505315B24372}" type="presOf" srcId="{4B8EC1D6-9F95-481A-8C8B-D4177BDD5343}" destId="{8A56D103-2541-4DA3-9685-12CC6C62A5E6}" srcOrd="0" destOrd="0" presId="urn:microsoft.com/office/officeart/2005/8/layout/default"/>
-    <dgm:cxn modelId="{DE15E897-140A-41C3-9501-69D3C0777ACB}" type="presOf" srcId="{DDAE6A8E-455A-40CA-A457-9C2C8618A73A}" destId="{A9D08980-7A6A-40EB-9D5B-BB23841476B5}" srcOrd="0" destOrd="0" presId="urn:microsoft.com/office/officeart/2005/8/layout/default"/>
-    <dgm:cxn modelId="{EC23D3AD-E5A6-4588-843E-2A8F9DFCB6D7}" type="presOf" srcId="{A206DB9E-C56F-4BD0-99B8-A903A5ACB100}" destId="{36426E02-D678-483B-A7C0-C27D48030E17}" srcOrd="0" destOrd="0" presId="urn:microsoft.com/office/officeart/2005/8/layout/default"/>
-    <dgm:cxn modelId="{C952C1B6-172C-4C1B-98E2-27B3F2C41F6F}" srcId="{F2CBAB69-A145-440A-8E4E-B97402ACB675}" destId="{E7B9B7B4-02DC-4EFC-B8BB-DCA5FFBE077E}" srcOrd="5" destOrd="0" parTransId="{DD497B04-7802-4D73-8E9A-5DD0C5FA28AD}" sibTransId="{8A9AD97D-9498-44A8-B9C2-3CD67F2D32FC}"/>
-    <dgm:cxn modelId="{AAF967C1-CCA2-495F-9167-41D3BC1323B5}" type="presOf" srcId="{F2CBAB69-A145-440A-8E4E-B97402ACB675}" destId="{98085582-7C1E-4BD3-92FA-DEA5FC069C7D}" srcOrd="0" destOrd="0" presId="urn:microsoft.com/office/officeart/2005/8/layout/default"/>
-    <dgm:cxn modelId="{853712D1-77D2-4EBC-832E-7DE727808652}" srcId="{F2CBAB69-A145-440A-8E4E-B97402ACB675}" destId="{A206DB9E-C56F-4BD0-99B8-A903A5ACB100}" srcOrd="1" destOrd="0" parTransId="{02A5D4CE-1B19-4D60-9557-398DFD29A131}" sibTransId="{16539EE8-E477-4E9E-A760-4A23EFB35AAD}"/>
-    <dgm:cxn modelId="{A5B3B1D7-9B50-42C2-AA6D-AA2E3D021D79}" type="presOf" srcId="{E7443B30-631F-48F8-B0C4-58FC44F5DC92}" destId="{88F14069-25F6-4871-AFF0-A1BCC1B71DF4}" srcOrd="0" destOrd="0" presId="urn:microsoft.com/office/officeart/2005/8/layout/default"/>
-    <dgm:cxn modelId="{53F8B1E6-13DF-42EB-8B0F-E4E117003C58}" srcId="{F2CBAB69-A145-440A-8E4E-B97402ACB675}" destId="{4B8EC1D6-9F95-481A-8C8B-D4177BDD5343}" srcOrd="2" destOrd="0" parTransId="{E228264E-BE33-445A-8DB3-0F4A8809CA93}" sibTransId="{CAA646FE-76B7-4AB9-84AB-13EE447DE4E6}"/>
-    <dgm:cxn modelId="{62A38FFA-89F8-4A75-AA13-C7E3A4E787BF}" srcId="{F2CBAB69-A145-440A-8E4E-B97402ACB675}" destId="{DDAE6A8E-455A-40CA-A457-9C2C8618A73A}" srcOrd="4" destOrd="0" parTransId="{0F2DF8F2-700A-4A8F-AFE4-0FD7E75F1067}" sibTransId="{6D6BE257-B23E-45F6-8A91-B8CD3AE8D5E8}"/>
     <dgm:cxn modelId="{30850F4A-041B-4894-8D96-D895B4EF89EF}" type="presParOf" srcId="{98085582-7C1E-4BD3-92FA-DEA5FC069C7D}" destId="{1E82D328-7889-4F24-A549-70DD75C37334}" srcOrd="0" destOrd="0" presId="urn:microsoft.com/office/officeart/2005/8/layout/default"/>
     <dgm:cxn modelId="{6A4301B7-0EAE-45B2-AD70-8C713791B4CB}" type="presParOf" srcId="{98085582-7C1E-4BD3-92FA-DEA5FC069C7D}" destId="{A3AAAF44-B38B-44FC-A0DF-7934491DBA97}" srcOrd="1" destOrd="0" presId="urn:microsoft.com/office/officeart/2005/8/layout/default"/>
     <dgm:cxn modelId="{ECAC2760-6932-40AE-828A-596701D3B789}" type="presParOf" srcId="{98085582-7C1E-4BD3-92FA-DEA5FC069C7D}" destId="{36426E02-D678-483B-A7C0-C27D48030E17}" srcOrd="2" destOrd="0" presId="urn:microsoft.com/office/officeart/2005/8/layout/default"/>
@@ -2955,7 +3060,7 @@
         </a:bodyPr>
         <a:lstStyle/>
         <a:p>
-          <a:pPr marL="0" lvl="0" indent="0" algn="l" defTabSz="1244600">
+          <a:pPr lvl="0" algn="l" defTabSz="1244600">
             <a:lnSpc>
               <a:spcPct val="90000"/>
             </a:lnSpc>
@@ -2965,7 +3070,6 @@
             <a:spcAft>
               <a:spcPct val="35000"/>
             </a:spcAft>
-            <a:buNone/>
           </a:pPr>
           <a:r>
             <a:rPr lang="vi-VN" sz="2800" kern="1200" dirty="0">
@@ -3088,7 +3192,7 @@
         </a:bodyPr>
         <a:lstStyle/>
         <a:p>
-          <a:pPr marL="0" lvl="0" indent="0" algn="l" defTabSz="1244600">
+          <a:pPr lvl="0" algn="l" defTabSz="1244600">
             <a:lnSpc>
               <a:spcPct val="90000"/>
             </a:lnSpc>
@@ -3098,7 +3202,6 @@
             <a:spcAft>
               <a:spcPct val="35000"/>
             </a:spcAft>
-            <a:buNone/>
           </a:pPr>
           <a:r>
             <a:rPr lang="en-US" sz="2800" kern="1200" dirty="0" err="1">
@@ -3285,7 +3388,7 @@
         </a:bodyPr>
         <a:lstStyle/>
         <a:p>
-          <a:pPr marL="0" lvl="0" indent="0" algn="l" defTabSz="1244600">
+          <a:pPr lvl="0" algn="l" defTabSz="1244600">
             <a:lnSpc>
               <a:spcPct val="90000"/>
             </a:lnSpc>
@@ -3295,7 +3398,6 @@
             <a:spcAft>
               <a:spcPct val="35000"/>
             </a:spcAft>
-            <a:buNone/>
           </a:pPr>
           <a:r>
             <a:rPr lang="vi-VN" sz="2800" kern="1200" dirty="0">
@@ -3428,7 +3530,7 @@
         </a:bodyPr>
         <a:lstStyle/>
         <a:p>
-          <a:pPr marL="0" lvl="0" indent="0" algn="ctr" defTabSz="1066800" rtl="0">
+          <a:pPr lvl="0" algn="ctr" defTabSz="1066800" rtl="0">
             <a:lnSpc>
               <a:spcPct val="90000"/>
             </a:lnSpc>
@@ -3438,7 +3540,6 @@
             <a:spcAft>
               <a:spcPct val="35000"/>
             </a:spcAft>
-            <a:buNone/>
           </a:pPr>
           <a:r>
             <a:rPr lang="en-US" sz="2400" b="0" i="0" kern="1200" dirty="0" err="1"/>
@@ -3515,7 +3616,7 @@
         </a:bodyPr>
         <a:lstStyle/>
         <a:p>
-          <a:pPr marL="0" lvl="0" indent="0" algn="ctr" defTabSz="1066800" rtl="0">
+          <a:pPr lvl="0" algn="ctr" defTabSz="1066800" rtl="0">
             <a:lnSpc>
               <a:spcPct val="90000"/>
             </a:lnSpc>
@@ -3525,7 +3626,6 @@
             <a:spcAft>
               <a:spcPct val="35000"/>
             </a:spcAft>
-            <a:buNone/>
           </a:pPr>
           <a:r>
             <a:rPr lang="vi-VN" sz="2400" b="0" i="0" kern="1200" dirty="0"/>
@@ -3594,7 +3694,7 @@
         </a:bodyPr>
         <a:lstStyle/>
         <a:p>
-          <a:pPr marL="0" lvl="0" indent="0" algn="ctr" defTabSz="1066800" rtl="0">
+          <a:pPr lvl="0" algn="ctr" defTabSz="1066800" rtl="0">
             <a:lnSpc>
               <a:spcPct val="90000"/>
             </a:lnSpc>
@@ -3604,7 +3704,6 @@
             <a:spcAft>
               <a:spcPct val="35000"/>
             </a:spcAft>
-            <a:buNone/>
           </a:pPr>
           <a:r>
             <a:rPr lang="vi-VN" sz="2400" b="0" i="0" kern="1200" dirty="0"/>
@@ -3673,7 +3772,7 @@
         </a:bodyPr>
         <a:lstStyle/>
         <a:p>
-          <a:pPr marL="0" lvl="0" indent="0" algn="ctr" defTabSz="1066800" rtl="0">
+          <a:pPr lvl="0" algn="ctr" defTabSz="1066800" rtl="0">
             <a:lnSpc>
               <a:spcPct val="90000"/>
             </a:lnSpc>
@@ -3683,7 +3782,6 @@
             <a:spcAft>
               <a:spcPct val="35000"/>
             </a:spcAft>
-            <a:buNone/>
           </a:pPr>
           <a:r>
             <a:rPr lang="vi-VN" sz="2400" b="0" i="0" kern="1200" dirty="0"/>
@@ -3749,7 +3847,7 @@
         </a:bodyPr>
         <a:lstStyle/>
         <a:p>
-          <a:pPr marL="0" lvl="0" indent="0" algn="ctr" defTabSz="1066800" rtl="0">
+          <a:pPr lvl="0" algn="ctr" defTabSz="1066800" rtl="0">
             <a:lnSpc>
               <a:spcPct val="90000"/>
             </a:lnSpc>
@@ -3759,7 +3857,6 @@
             <a:spcAft>
               <a:spcPct val="35000"/>
             </a:spcAft>
-            <a:buNone/>
           </a:pPr>
           <a:r>
             <a:rPr lang="vi-VN" sz="2400" b="0" i="0" kern="1200" dirty="0"/>
@@ -3828,7 +3925,7 @@
         </a:bodyPr>
         <a:lstStyle/>
         <a:p>
-          <a:pPr marL="0" lvl="0" indent="0" algn="ctr" defTabSz="1066800" rtl="0">
+          <a:pPr lvl="0" algn="ctr" defTabSz="1066800" rtl="0">
             <a:lnSpc>
               <a:spcPct val="90000"/>
             </a:lnSpc>
@@ -3838,7 +3935,6 @@
             <a:spcAft>
               <a:spcPct val="35000"/>
             </a:spcAft>
-            <a:buNone/>
           </a:pPr>
           <a:r>
             <a:rPr lang="vi-VN" sz="2400" b="0" i="0" kern="1200" dirty="0"/>
@@ -3907,7 +4003,7 @@
         </a:bodyPr>
         <a:lstStyle/>
         <a:p>
-          <a:pPr marL="0" lvl="0" indent="0" algn="ctr" defTabSz="1066800" rtl="0">
+          <a:pPr lvl="0" algn="ctr" defTabSz="1066800" rtl="0">
             <a:lnSpc>
               <a:spcPct val="90000"/>
             </a:lnSpc>
@@ -3917,7 +4013,6 @@
             <a:spcAft>
               <a:spcPct val="35000"/>
             </a:spcAft>
-            <a:buNone/>
           </a:pPr>
           <a:r>
             <a:rPr lang="vi-VN" sz="2400" b="0" i="0" kern="1200" dirty="0"/>
@@ -3986,7 +4081,7 @@
         </a:bodyPr>
         <a:lstStyle/>
         <a:p>
-          <a:pPr marL="0" lvl="0" indent="0" algn="ctr" defTabSz="1066800" rtl="0">
+          <a:pPr lvl="0" algn="ctr" defTabSz="1066800" rtl="0">
             <a:lnSpc>
               <a:spcPct val="90000"/>
             </a:lnSpc>
@@ -3996,7 +4091,6 @@
             <a:spcAft>
               <a:spcPct val="35000"/>
             </a:spcAft>
-            <a:buNone/>
           </a:pPr>
           <a:r>
             <a:rPr lang="en-US" sz="2400" b="0" i="0" kern="1200" dirty="0" err="1"/>
@@ -16720,6 +16814,13 @@
   <p:clrMapOvr>
     <a:masterClrMapping/>
   </p:clrMapOvr>
+  <p:timing>
+    <p:tnLst>
+      <p:par>
+        <p:cTn id="1" dur="indefinite" restart="never" nodeType="tmRoot"/>
+      </p:par>
+    </p:tnLst>
+  </p:timing>
 </p:sld>
 </file>
 
@@ -16891,7 +16992,7 @@
           <p:cNvPr id="10" name="TextBox 9">
             <a:extLst>
               <a:ext uri="{FF2B5EF4-FFF2-40B4-BE49-F238E27FC236}">
-                <a16:creationId xmlns:a16="http://schemas.microsoft.com/office/drawing/2014/main" id="{DF4931F6-81C5-A1C4-2D09-D598B0CFB4A5}"/>
+                <a16:creationId xmlns:a16="http://schemas.microsoft.com/office/drawing/2014/main" xmlns="" id="{DF4931F6-81C5-A1C4-2D09-D598B0CFB4A5}"/>
               </a:ext>
             </a:extLst>
           </p:cNvPr>
@@ -17057,7 +17158,7 @@
           <p:cNvPr id="10" name="TextBox 9">
             <a:extLst>
               <a:ext uri="{FF2B5EF4-FFF2-40B4-BE49-F238E27FC236}">
-                <a16:creationId xmlns:a16="http://schemas.microsoft.com/office/drawing/2014/main" id="{DF4931F6-81C5-A1C4-2D09-D598B0CFB4A5}"/>
+                <a16:creationId xmlns:a16="http://schemas.microsoft.com/office/drawing/2014/main" xmlns="" id="{DF4931F6-81C5-A1C4-2D09-D598B0CFB4A5}"/>
               </a:ext>
             </a:extLst>
           </p:cNvPr>
@@ -17286,7 +17387,7 @@
           <p:cNvPr id="10" name="TextBox 9">
             <a:extLst>
               <a:ext uri="{FF2B5EF4-FFF2-40B4-BE49-F238E27FC236}">
-                <a16:creationId xmlns:a16="http://schemas.microsoft.com/office/drawing/2014/main" id="{DF4931F6-81C5-A1C4-2D09-D598B0CFB4A5}"/>
+                <a16:creationId xmlns:a16="http://schemas.microsoft.com/office/drawing/2014/main" xmlns="" id="{DF4931F6-81C5-A1C4-2D09-D598B0CFB4A5}"/>
               </a:ext>
             </a:extLst>
           </p:cNvPr>
@@ -17527,7 +17628,7 @@
           <p:cNvPr id="10" name="TextBox 9">
             <a:extLst>
               <a:ext uri="{FF2B5EF4-FFF2-40B4-BE49-F238E27FC236}">
-                <a16:creationId xmlns:a16="http://schemas.microsoft.com/office/drawing/2014/main" id="{DF4931F6-81C5-A1C4-2D09-D598B0CFB4A5}"/>
+                <a16:creationId xmlns:a16="http://schemas.microsoft.com/office/drawing/2014/main" xmlns="" id="{DF4931F6-81C5-A1C4-2D09-D598B0CFB4A5}"/>
               </a:ext>
             </a:extLst>
           </p:cNvPr>
@@ -17768,7 +17869,7 @@
           <p:cNvPr id="10" name="TextBox 9">
             <a:extLst>
               <a:ext uri="{FF2B5EF4-FFF2-40B4-BE49-F238E27FC236}">
-                <a16:creationId xmlns:a16="http://schemas.microsoft.com/office/drawing/2014/main" id="{DF4931F6-81C5-A1C4-2D09-D598B0CFB4A5}"/>
+                <a16:creationId xmlns:a16="http://schemas.microsoft.com/office/drawing/2014/main" xmlns="" id="{DF4931F6-81C5-A1C4-2D09-D598B0CFB4A5}"/>
               </a:ext>
             </a:extLst>
           </p:cNvPr>
@@ -17889,42 +17990,42 @@
                 <a:gridCol w="832513">
                   <a:extLst>
                     <a:ext uri="{9D8B030D-6E8A-4147-A177-3AD203B41FA5}">
-                      <a16:colId xmlns:a16="http://schemas.microsoft.com/office/drawing/2014/main" val="20000"/>
+                      <a16:colId xmlns:a16="http://schemas.microsoft.com/office/drawing/2014/main" xmlns="" val="20000"/>
                     </a:ext>
                   </a:extLst>
                 </a:gridCol>
                 <a:gridCol w="2206840">
                   <a:extLst>
                     <a:ext uri="{9D8B030D-6E8A-4147-A177-3AD203B41FA5}">
-                      <a16:colId xmlns:a16="http://schemas.microsoft.com/office/drawing/2014/main" val="20001"/>
+                      <a16:colId xmlns:a16="http://schemas.microsoft.com/office/drawing/2014/main" xmlns="" val="20001"/>
                     </a:ext>
                   </a:extLst>
                 </a:gridCol>
                 <a:gridCol w="1560382">
                   <a:extLst>
                     <a:ext uri="{9D8B030D-6E8A-4147-A177-3AD203B41FA5}">
-                      <a16:colId xmlns:a16="http://schemas.microsoft.com/office/drawing/2014/main" val="20002"/>
+                      <a16:colId xmlns:a16="http://schemas.microsoft.com/office/drawing/2014/main" xmlns="" val="20002"/>
                     </a:ext>
                   </a:extLst>
                 </a:gridCol>
                 <a:gridCol w="1447311">
                   <a:extLst>
                     <a:ext uri="{9D8B030D-6E8A-4147-A177-3AD203B41FA5}">
-                      <a16:colId xmlns:a16="http://schemas.microsoft.com/office/drawing/2014/main" val="20003"/>
+                      <a16:colId xmlns:a16="http://schemas.microsoft.com/office/drawing/2014/main" xmlns="" val="20003"/>
                     </a:ext>
                   </a:extLst>
                 </a:gridCol>
                 <a:gridCol w="1397560">
                   <a:extLst>
                     <a:ext uri="{9D8B030D-6E8A-4147-A177-3AD203B41FA5}">
-                      <a16:colId xmlns:a16="http://schemas.microsoft.com/office/drawing/2014/main" val="20004"/>
+                      <a16:colId xmlns:a16="http://schemas.microsoft.com/office/drawing/2014/main" xmlns="" val="20004"/>
                     </a:ext>
                   </a:extLst>
                 </a:gridCol>
                 <a:gridCol w="1126188">
                   <a:extLst>
                     <a:ext uri="{9D8B030D-6E8A-4147-A177-3AD203B41FA5}">
-                      <a16:colId xmlns:a16="http://schemas.microsoft.com/office/drawing/2014/main" val="20005"/>
+                      <a16:colId xmlns:a16="http://schemas.microsoft.com/office/drawing/2014/main" xmlns="" val="20005"/>
                     </a:ext>
                   </a:extLst>
                 </a:gridCol>
@@ -18082,7 +18183,7 @@
                 </a:tc>
                 <a:extLst>
                   <a:ext uri="{0D108BD9-81ED-4DB2-BD59-A6C34878D82A}">
-                    <a16:rowId xmlns:a16="http://schemas.microsoft.com/office/drawing/2014/main" val="10000"/>
+                    <a16:rowId xmlns:a16="http://schemas.microsoft.com/office/drawing/2014/main" xmlns="" val="10000"/>
                   </a:ext>
                 </a:extLst>
               </a:tr>
@@ -18239,7 +18340,7 @@
                 </a:tc>
                 <a:extLst>
                   <a:ext uri="{0D108BD9-81ED-4DB2-BD59-A6C34878D82A}">
-                    <a16:rowId xmlns:a16="http://schemas.microsoft.com/office/drawing/2014/main" val="10001"/>
+                    <a16:rowId xmlns:a16="http://schemas.microsoft.com/office/drawing/2014/main" xmlns="" val="10001"/>
                   </a:ext>
                 </a:extLst>
               </a:tr>
@@ -18396,7 +18497,7 @@
                 </a:tc>
                 <a:extLst>
                   <a:ext uri="{0D108BD9-81ED-4DB2-BD59-A6C34878D82A}">
-                    <a16:rowId xmlns:a16="http://schemas.microsoft.com/office/drawing/2014/main" val="10002"/>
+                    <a16:rowId xmlns:a16="http://schemas.microsoft.com/office/drawing/2014/main" xmlns="" val="10002"/>
                   </a:ext>
                 </a:extLst>
               </a:tr>
@@ -18553,7 +18654,7 @@
                 </a:tc>
                 <a:extLst>
                   <a:ext uri="{0D108BD9-81ED-4DB2-BD59-A6C34878D82A}">
-                    <a16:rowId xmlns:a16="http://schemas.microsoft.com/office/drawing/2014/main" val="10003"/>
+                    <a16:rowId xmlns:a16="http://schemas.microsoft.com/office/drawing/2014/main" xmlns="" val="10003"/>
                   </a:ext>
                 </a:extLst>
               </a:tr>
@@ -18698,7 +18799,7 @@
                 </a:tc>
                 <a:extLst>
                   <a:ext uri="{0D108BD9-81ED-4DB2-BD59-A6C34878D82A}">
-                    <a16:rowId xmlns:a16="http://schemas.microsoft.com/office/drawing/2014/main" val="10004"/>
+                    <a16:rowId xmlns:a16="http://schemas.microsoft.com/office/drawing/2014/main" xmlns="" val="10004"/>
                   </a:ext>
                 </a:extLst>
               </a:tr>
@@ -18843,7 +18944,7 @@
                 </a:tc>
                 <a:extLst>
                   <a:ext uri="{0D108BD9-81ED-4DB2-BD59-A6C34878D82A}">
-                    <a16:rowId xmlns:a16="http://schemas.microsoft.com/office/drawing/2014/main" val="10005"/>
+                    <a16:rowId xmlns:a16="http://schemas.microsoft.com/office/drawing/2014/main" xmlns="" val="10005"/>
                   </a:ext>
                 </a:extLst>
               </a:tr>
@@ -18988,7 +19089,7 @@
                 </a:tc>
                 <a:extLst>
                   <a:ext uri="{0D108BD9-81ED-4DB2-BD59-A6C34878D82A}">
-                    <a16:rowId xmlns:a16="http://schemas.microsoft.com/office/drawing/2014/main" val="10006"/>
+                    <a16:rowId xmlns:a16="http://schemas.microsoft.com/office/drawing/2014/main" xmlns="" val="10006"/>
                   </a:ext>
                 </a:extLst>
               </a:tr>
@@ -19133,7 +19234,7 @@
                 </a:tc>
                 <a:extLst>
                   <a:ext uri="{0D108BD9-81ED-4DB2-BD59-A6C34878D82A}">
-                    <a16:rowId xmlns:a16="http://schemas.microsoft.com/office/drawing/2014/main" val="10007"/>
+                    <a16:rowId xmlns:a16="http://schemas.microsoft.com/office/drawing/2014/main" xmlns="" val="10007"/>
                   </a:ext>
                 </a:extLst>
               </a:tr>
@@ -19278,7 +19379,7 @@
                 </a:tc>
                 <a:extLst>
                   <a:ext uri="{0D108BD9-81ED-4DB2-BD59-A6C34878D82A}">
-                    <a16:rowId xmlns:a16="http://schemas.microsoft.com/office/drawing/2014/main" val="10008"/>
+                    <a16:rowId xmlns:a16="http://schemas.microsoft.com/office/drawing/2014/main" xmlns="" val="10008"/>
                   </a:ext>
                 </a:extLst>
               </a:tr>
@@ -19435,7 +19536,7 @@
                 </a:tc>
                 <a:extLst>
                   <a:ext uri="{0D108BD9-81ED-4DB2-BD59-A6C34878D82A}">
-                    <a16:rowId xmlns:a16="http://schemas.microsoft.com/office/drawing/2014/main" val="10009"/>
+                    <a16:rowId xmlns:a16="http://schemas.microsoft.com/office/drawing/2014/main" xmlns="" val="10009"/>
                   </a:ext>
                 </a:extLst>
               </a:tr>
@@ -19681,7 +19782,29 @@
                 <a:ea typeface="Calibri" panose="020F0502020204030204" pitchFamily="34" charset="0"/>
                 <a:cs typeface="Times New Roman" panose="02020603050405020304" pitchFamily="18" charset="0"/>
               </a:rPr>
-              <a:t>Cần nghiên cứu sâu hơn về Katalon trong lĩnh vực an toàn thông tin. Kết hợp công cụ kiểm thử tự động Katalon với công cụ kiểm thử bảo mật để có thể cải tiến được quy trình kiểm thử. Đảm bảo ứng dụng web có thể được kiểm tra về chức năng cũng như về bảo mật </a:t>
+              <a:t>Cần nghiên cứu sâu hơn về Katalon trong lĩnh vực an toàn thông tin. Kết hợp </a:t>
+            </a:r>
+            <a:r>
+              <a:rPr lang="vi-VN" sz="2400" dirty="0" smtClean="0">
+                <a:solidFill>
+                  <a:schemeClr val="bg1"/>
+                </a:solidFill>
+                <a:latin typeface="Times New Roman" panose="02020603050405020304" pitchFamily="18" charset="0"/>
+                <a:ea typeface="Calibri" panose="020F0502020204030204" pitchFamily="34" charset="0"/>
+                <a:cs typeface="Times New Roman" panose="02020603050405020304" pitchFamily="18" charset="0"/>
+              </a:rPr>
+              <a:t>Katalon </a:t>
+            </a:r>
+            <a:r>
+              <a:rPr lang="vi-VN" sz="2400" dirty="0">
+                <a:solidFill>
+                  <a:schemeClr val="bg1"/>
+                </a:solidFill>
+                <a:latin typeface="Times New Roman" panose="02020603050405020304" pitchFamily="18" charset="0"/>
+                <a:ea typeface="Calibri" panose="020F0502020204030204" pitchFamily="34" charset="0"/>
+                <a:cs typeface="Times New Roman" panose="02020603050405020304" pitchFamily="18" charset="0"/>
+              </a:rPr>
+              <a:t>với công cụ kiểm thử bảo mật để có thể cải tiến được quy trình kiểm thử. Đảm bảo ứng dụng web có thể được kiểm tra về chức năng cũng như về bảo mật </a:t>
             </a:r>
             <a:endParaRPr lang="en-US" sz="2400" dirty="0">
               <a:solidFill>
@@ -20234,6 +20357,13 @@
   <p:transition spd="slow">
     <p:push dir="u"/>
   </p:transition>
+  <p:timing>
+    <p:tnLst>
+      <p:par>
+        <p:cTn id="1" dur="indefinite" restart="never" nodeType="tmRoot"/>
+      </p:par>
+    </p:tnLst>
+  </p:timing>
 </p:sld>
 </file>
 
@@ -20574,6 +20704,13 @@
       </p:transition>
     </mc:Fallback>
   </mc:AlternateContent>
+  <p:timing>
+    <p:tnLst>
+      <p:par>
+        <p:cTn id="1" dur="indefinite" restart="never" nodeType="tmRoot"/>
+      </p:par>
+    </p:tnLst>
+  </p:timing>
 </p:sld>
 </file>
 
@@ -21109,7 +21246,7 @@
           <p:cNvPr id="13" name="TextBox 12">
             <a:extLst>
               <a:ext uri="{FF2B5EF4-FFF2-40B4-BE49-F238E27FC236}">
-                <a16:creationId xmlns:a16="http://schemas.microsoft.com/office/drawing/2014/main" id="{13973D20-D63E-910A-BDED-D8976D6205CB}"/>
+                <a16:creationId xmlns:a16="http://schemas.microsoft.com/office/drawing/2014/main" xmlns="" id="{13973D20-D63E-910A-BDED-D8976D6205CB}"/>
               </a:ext>
             </a:extLst>
           </p:cNvPr>
@@ -22057,7 +22194,7 @@
           <p:cNvPr id="5" name="TextBox 4">
             <a:extLst>
               <a:ext uri="{FF2B5EF4-FFF2-40B4-BE49-F238E27FC236}">
-                <a16:creationId xmlns:a16="http://schemas.microsoft.com/office/drawing/2014/main" id="{BB68ED6E-5226-BD24-7049-C2601028C56E}"/>
+                <a16:creationId xmlns:a16="http://schemas.microsoft.com/office/drawing/2014/main" xmlns="" id="{BB68ED6E-5226-BD24-7049-C2601028C56E}"/>
               </a:ext>
             </a:extLst>
           </p:cNvPr>
@@ -22839,7 +22976,7 @@
           <p:cNvPr id="5" name="Google Shape;131;p6">
             <a:extLst>
               <a:ext uri="{FF2B5EF4-FFF2-40B4-BE49-F238E27FC236}">
-                <a16:creationId xmlns:a16="http://schemas.microsoft.com/office/drawing/2014/main" id="{29B9D9C7-0F54-E736-207D-898B3398391F}"/>
+                <a16:creationId xmlns:a16="http://schemas.microsoft.com/office/drawing/2014/main" xmlns="" id="{29B9D9C7-0F54-E736-207D-898B3398391F}"/>
               </a:ext>
             </a:extLst>
           </p:cNvPr>
@@ -23314,7 +23451,7 @@
           <p:cNvPr id="5" name="Google Shape;131;p6">
             <a:extLst>
               <a:ext uri="{FF2B5EF4-FFF2-40B4-BE49-F238E27FC236}">
-                <a16:creationId xmlns:a16="http://schemas.microsoft.com/office/drawing/2014/main" id="{29B9D9C7-0F54-E736-207D-898B3398391F}"/>
+                <a16:creationId xmlns:a16="http://schemas.microsoft.com/office/drawing/2014/main" xmlns="" id="{29B9D9C7-0F54-E736-207D-898B3398391F}"/>
               </a:ext>
             </a:extLst>
           </p:cNvPr>
@@ -23920,7 +24057,7 @@
           <p:cNvPr id="10" name="TextBox 9">
             <a:extLst>
               <a:ext uri="{FF2B5EF4-FFF2-40B4-BE49-F238E27FC236}">
-                <a16:creationId xmlns:a16="http://schemas.microsoft.com/office/drawing/2014/main" id="{DF4931F6-81C5-A1C4-2D09-D598B0CFB4A5}"/>
+                <a16:creationId xmlns:a16="http://schemas.microsoft.com/office/drawing/2014/main" xmlns="" id="{DF4931F6-81C5-A1C4-2D09-D598B0CFB4A5}"/>
               </a:ext>
             </a:extLst>
           </p:cNvPr>
